--- a/Presentation/GLJRPGSeminaariXAMK.pptx
+++ b/Presentation/GLJRPGSeminaariXAMK.pptx
@@ -11,12 +11,7 @@
     <p:sldId id="269" r:id="rId8"/>
     <p:sldId id="270" r:id="rId9"/>
     <p:sldId id="271" r:id="rId10"/>
-    <p:sldId id="258" r:id="rId11"/>
-    <p:sldId id="259" r:id="rId12"/>
-    <p:sldId id="262" r:id="rId13"/>
-    <p:sldId id="263" r:id="rId14"/>
-    <p:sldId id="267" r:id="rId15"/>
-    <p:sldId id="266" r:id="rId16"/>
+    <p:sldId id="266" r:id="rId11"/>
   </p:sldIdLst>
   <p:sldSz cx="9144000" cy="6858000" type="screen4x3"/>
   <p:notesSz cx="6858000" cy="9144000"/>
@@ -2585,790 +2580,6 @@
 </p:sld>
 </file>
 
-<file path=ppt/slides/slide10.xml><?xml version="1.0" encoding="utf-8"?>
-<p:sld xmlns:a="http://schemas.openxmlformats.org/drawingml/2006/main" xmlns:r="http://schemas.openxmlformats.org/officeDocument/2006/relationships" xmlns:p="http://schemas.openxmlformats.org/presentationml/2006/main">
-  <p:cSld>
-    <p:spTree>
-      <p:nvGrpSpPr>
-        <p:cNvPr id="1" name=""/>
-        <p:cNvGrpSpPr/>
-        <p:nvPr/>
-      </p:nvGrpSpPr>
-      <p:grpSpPr>
-        <a:xfrm>
-          <a:off x="0" y="0"/>
-          <a:ext cx="0" cy="0"/>
-          <a:chOff x="0" y="0"/>
-          <a:chExt cx="0" cy="0"/>
-        </a:xfrm>
-      </p:grpSpPr>
-      <p:sp>
-        <p:nvSpPr>
-          <p:cNvPr id="2" name="Otsikko 1"/>
-          <p:cNvSpPr>
-            <a:spLocks noGrp="1"/>
-          </p:cNvSpPr>
-          <p:nvPr>
-            <p:ph type="title"/>
-          </p:nvPr>
-        </p:nvSpPr>
-        <p:spPr/>
-        <p:txBody>
-          <a:bodyPr/>
-          <a:lstStyle/>
-          <a:p>
-            <a:r>
-              <a:rPr lang="fi-FI" dirty="0"/>
-              <a:t>Otsikko </a:t>
-            </a:r>
-            <a:r>
-              <a:rPr lang="fi-FI" dirty="0" err="1"/>
-              <a:t>Arial</a:t>
-            </a:r>
-            <a:r>
-              <a:rPr lang="fi-FI" dirty="0"/>
-              <a:t> </a:t>
-            </a:r>
-            <a:r>
-              <a:rPr lang="fi-FI" dirty="0" err="1"/>
-              <a:t>Bold</a:t>
-            </a:r>
-            <a:r>
-              <a:rPr lang="fi-FI" dirty="0"/>
-              <a:t> 32 </a:t>
-            </a:r>
-            <a:r>
-              <a:rPr lang="fi-FI" dirty="0" err="1"/>
-              <a:t>pt</a:t>
-            </a:r>
-            <a:endParaRPr lang="fi-FI" dirty="0"/>
-          </a:p>
-        </p:txBody>
-      </p:sp>
-    </p:spTree>
-    <p:extLst>
-      <p:ext uri="{BB962C8B-B14F-4D97-AF65-F5344CB8AC3E}">
-        <p14:creationId xmlns:p14="http://schemas.microsoft.com/office/powerpoint/2010/main" val="2802614223"/>
-      </p:ext>
-    </p:extLst>
-  </p:cSld>
-  <p:clrMapOvr>
-    <a:masterClrMapping/>
-  </p:clrMapOvr>
-</p:sld>
-</file>
-
-<file path=ppt/slides/slide11.xml><?xml version="1.0" encoding="utf-8"?>
-<p:sld xmlns:a="http://schemas.openxmlformats.org/drawingml/2006/main" xmlns:r="http://schemas.openxmlformats.org/officeDocument/2006/relationships" xmlns:p="http://schemas.openxmlformats.org/presentationml/2006/main">
-  <p:cSld>
-    <p:spTree>
-      <p:nvGrpSpPr>
-        <p:cNvPr id="1" name=""/>
-        <p:cNvGrpSpPr/>
-        <p:nvPr/>
-      </p:nvGrpSpPr>
-      <p:grpSpPr>
-        <a:xfrm>
-          <a:off x="0" y="0"/>
-          <a:ext cx="0" cy="0"/>
-          <a:chOff x="0" y="0"/>
-          <a:chExt cx="0" cy="0"/>
-        </a:xfrm>
-      </p:grpSpPr>
-      <p:sp>
-        <p:nvSpPr>
-          <p:cNvPr id="6" name="Otsikko 1"/>
-          <p:cNvSpPr>
-            <a:spLocks noGrp="1"/>
-          </p:cNvSpPr>
-          <p:nvPr>
-            <p:ph type="title"/>
-          </p:nvPr>
-        </p:nvSpPr>
-        <p:spPr>
-          <a:xfrm>
-            <a:off x="1066790" y="876301"/>
-            <a:ext cx="7366000" cy="1143000"/>
-          </a:xfrm>
-        </p:spPr>
-        <p:txBody>
-          <a:bodyPr/>
-          <a:lstStyle/>
-          <a:p>
-            <a:r>
-              <a:rPr lang="fi-FI" dirty="0"/>
-              <a:t>Otsikko </a:t>
-            </a:r>
-            <a:r>
-              <a:rPr lang="fi-FI" dirty="0" err="1"/>
-              <a:t>Arial</a:t>
-            </a:r>
-            <a:r>
-              <a:rPr lang="fi-FI" dirty="0"/>
-              <a:t> </a:t>
-            </a:r>
-            <a:r>
-              <a:rPr lang="fi-FI" dirty="0" err="1"/>
-              <a:t>Bold</a:t>
-            </a:r>
-            <a:r>
-              <a:rPr lang="fi-FI" dirty="0"/>
-              <a:t> 32 </a:t>
-            </a:r>
-            <a:r>
-              <a:rPr lang="fi-FI" dirty="0" err="1"/>
-              <a:t>pt</a:t>
-            </a:r>
-            <a:endParaRPr lang="fi-FI" dirty="0"/>
-          </a:p>
-        </p:txBody>
-      </p:sp>
-      <p:graphicFrame>
-        <p:nvGraphicFramePr>
-          <p:cNvPr id="9" name="Taulukko 8"/>
-          <p:cNvGraphicFramePr>
-            <a:graphicFrameLocks noGrp="1"/>
-          </p:cNvGraphicFramePr>
-          <p:nvPr>
-            <p:extLst>
-              <p:ext uri="{D42A27DB-BD31-4B8C-83A1-F6EECF244321}">
-                <p14:modId xmlns:p14="http://schemas.microsoft.com/office/powerpoint/2010/main" val="935744715"/>
-              </p:ext>
-            </p:extLst>
-          </p:nvPr>
-        </p:nvGraphicFramePr>
-        <p:xfrm>
-          <a:off x="1130300" y="2250135"/>
-          <a:ext cx="7086600" cy="3296495"/>
-        </p:xfrm>
-        <a:graphic>
-          <a:graphicData uri="http://schemas.openxmlformats.org/drawingml/2006/table">
-            <a:tbl>
-              <a:tblPr firstRow="1" bandRow="1">
-                <a:tableStyleId>{5C22544A-7EE6-4342-B048-85BDC9FD1C3A}</a:tableStyleId>
-              </a:tblPr>
-              <a:tblGrid>
-                <a:gridCol w="1417320">
-                  <a:extLst>
-                    <a:ext uri="{9D8B030D-6E8A-4147-A177-3AD203B41FA5}">
-                      <a16:colId xmlns:a16="http://schemas.microsoft.com/office/drawing/2014/main" val="20000"/>
-                    </a:ext>
-                  </a:extLst>
-                </a:gridCol>
-                <a:gridCol w="1417320">
-                  <a:extLst>
-                    <a:ext uri="{9D8B030D-6E8A-4147-A177-3AD203B41FA5}">
-                      <a16:colId xmlns:a16="http://schemas.microsoft.com/office/drawing/2014/main" val="20001"/>
-                    </a:ext>
-                  </a:extLst>
-                </a:gridCol>
-                <a:gridCol w="1417320">
-                  <a:extLst>
-                    <a:ext uri="{9D8B030D-6E8A-4147-A177-3AD203B41FA5}">
-                      <a16:colId xmlns:a16="http://schemas.microsoft.com/office/drawing/2014/main" val="20002"/>
-                    </a:ext>
-                  </a:extLst>
-                </a:gridCol>
-                <a:gridCol w="1417320">
-                  <a:extLst>
-                    <a:ext uri="{9D8B030D-6E8A-4147-A177-3AD203B41FA5}">
-                      <a16:colId xmlns:a16="http://schemas.microsoft.com/office/drawing/2014/main" val="20003"/>
-                    </a:ext>
-                  </a:extLst>
-                </a:gridCol>
-                <a:gridCol w="1417320">
-                  <a:extLst>
-                    <a:ext uri="{9D8B030D-6E8A-4147-A177-3AD203B41FA5}">
-                      <a16:colId xmlns:a16="http://schemas.microsoft.com/office/drawing/2014/main" val="20004"/>
-                    </a:ext>
-                  </a:extLst>
-                </a:gridCol>
-              </a:tblGrid>
-              <a:tr h="531283">
-                <a:tc>
-                  <a:txBody>
-                    <a:bodyPr/>
-                    <a:lstStyle/>
-                    <a:p>
-                      <a:r>
-                        <a:rPr lang="fi-FI" dirty="0"/>
-                        <a:t>Taulukko 1</a:t>
-                      </a:r>
-                    </a:p>
-                  </a:txBody>
-                  <a:tcPr/>
-                </a:tc>
-                <a:tc>
-                  <a:txBody>
-                    <a:bodyPr/>
-                    <a:lstStyle/>
-                    <a:p>
-                      <a:pPr marL="0" marR="0" indent="0" algn="l" defTabSz="457200" rtl="0" eaLnBrk="1" fontAlgn="auto" latinLnBrk="0" hangingPunct="1">
-                        <a:lnSpc>
-                          <a:spcPct val="100000"/>
-                        </a:lnSpc>
-                        <a:spcBef>
-                          <a:spcPts val="0"/>
-                        </a:spcBef>
-                        <a:spcAft>
-                          <a:spcPts val="0"/>
-                        </a:spcAft>
-                        <a:buClrTx/>
-                        <a:buSzTx/>
-                        <a:buFontTx/>
-                        <a:buNone/>
-                        <a:tabLst/>
-                        <a:defRPr/>
-                      </a:pPr>
-                      <a:r>
-                        <a:rPr lang="fi-FI" dirty="0"/>
-                        <a:t>Taulukko 2</a:t>
-                      </a:r>
-                    </a:p>
-                    <a:p>
-                      <a:endParaRPr lang="fi-FI" dirty="0"/>
-                    </a:p>
-                  </a:txBody>
-                  <a:tcPr/>
-                </a:tc>
-                <a:tc>
-                  <a:txBody>
-                    <a:bodyPr/>
-                    <a:lstStyle/>
-                    <a:p>
-                      <a:pPr marL="0" marR="0" indent="0" algn="l" defTabSz="457200" rtl="0" eaLnBrk="1" fontAlgn="auto" latinLnBrk="0" hangingPunct="1">
-                        <a:lnSpc>
-                          <a:spcPct val="100000"/>
-                        </a:lnSpc>
-                        <a:spcBef>
-                          <a:spcPts val="0"/>
-                        </a:spcBef>
-                        <a:spcAft>
-                          <a:spcPts val="0"/>
-                        </a:spcAft>
-                        <a:buClrTx/>
-                        <a:buSzTx/>
-                        <a:buFontTx/>
-                        <a:buNone/>
-                        <a:tabLst/>
-                        <a:defRPr/>
-                      </a:pPr>
-                      <a:r>
-                        <a:rPr lang="fi-FI" dirty="0"/>
-                        <a:t>Taulukko 3</a:t>
-                      </a:r>
-                    </a:p>
-                    <a:p>
-                      <a:endParaRPr lang="fi-FI" dirty="0"/>
-                    </a:p>
-                  </a:txBody>
-                  <a:tcPr/>
-                </a:tc>
-                <a:tc>
-                  <a:txBody>
-                    <a:bodyPr/>
-                    <a:lstStyle/>
-                    <a:p>
-                      <a:pPr marL="0" marR="0" indent="0" algn="l" defTabSz="457200" rtl="0" eaLnBrk="1" fontAlgn="auto" latinLnBrk="0" hangingPunct="1">
-                        <a:lnSpc>
-                          <a:spcPct val="100000"/>
-                        </a:lnSpc>
-                        <a:spcBef>
-                          <a:spcPts val="0"/>
-                        </a:spcBef>
-                        <a:spcAft>
-                          <a:spcPts val="0"/>
-                        </a:spcAft>
-                        <a:buClrTx/>
-                        <a:buSzTx/>
-                        <a:buFontTx/>
-                        <a:buNone/>
-                        <a:tabLst/>
-                        <a:defRPr/>
-                      </a:pPr>
-                      <a:r>
-                        <a:rPr lang="fi-FI" dirty="0"/>
-                        <a:t>Taulukko 4</a:t>
-                      </a:r>
-                    </a:p>
-                    <a:p>
-                      <a:endParaRPr lang="fi-FI" dirty="0"/>
-                    </a:p>
-                  </a:txBody>
-                  <a:tcPr/>
-                </a:tc>
-                <a:tc>
-                  <a:txBody>
-                    <a:bodyPr/>
-                    <a:lstStyle/>
-                    <a:p>
-                      <a:pPr marL="0" marR="0" indent="0" algn="l" defTabSz="457200" rtl="0" eaLnBrk="1" fontAlgn="auto" latinLnBrk="0" hangingPunct="1">
-                        <a:lnSpc>
-                          <a:spcPct val="100000"/>
-                        </a:lnSpc>
-                        <a:spcBef>
-                          <a:spcPts val="0"/>
-                        </a:spcBef>
-                        <a:spcAft>
-                          <a:spcPts val="0"/>
-                        </a:spcAft>
-                        <a:buClrTx/>
-                        <a:buSzTx/>
-                        <a:buFontTx/>
-                        <a:buNone/>
-                        <a:tabLst/>
-                        <a:defRPr/>
-                      </a:pPr>
-                      <a:r>
-                        <a:rPr lang="fi-FI" dirty="0"/>
-                        <a:t>Taulukko 5</a:t>
-                      </a:r>
-                    </a:p>
-                    <a:p>
-                      <a:endParaRPr lang="fi-FI" dirty="0"/>
-                    </a:p>
-                  </a:txBody>
-                  <a:tcPr/>
-                </a:tc>
-                <a:extLst>
-                  <a:ext uri="{0D108BD9-81ED-4DB2-BD59-A6C34878D82A}">
-                    <a16:rowId xmlns:a16="http://schemas.microsoft.com/office/drawing/2014/main" val="10000"/>
-                  </a:ext>
-                </a:extLst>
-              </a:tr>
-              <a:tr h="531283">
-                <a:tc>
-                  <a:txBody>
-                    <a:bodyPr/>
-                    <a:lstStyle/>
-                    <a:p>
-                      <a:r>
-                        <a:rPr lang="fi-FI" dirty="0"/>
-                        <a:t>sisältö</a:t>
-                      </a:r>
-                    </a:p>
-                  </a:txBody>
-                  <a:tcPr/>
-                </a:tc>
-                <a:tc>
-                  <a:txBody>
-                    <a:bodyPr/>
-                    <a:lstStyle/>
-                    <a:p>
-                      <a:r>
-                        <a:rPr lang="fi-FI" dirty="0"/>
-                        <a:t>sisältö</a:t>
-                      </a:r>
-                    </a:p>
-                  </a:txBody>
-                  <a:tcPr/>
-                </a:tc>
-                <a:tc>
-                  <a:txBody>
-                    <a:bodyPr/>
-                    <a:lstStyle/>
-                    <a:p>
-                      <a:r>
-                        <a:rPr lang="fi-FI" dirty="0"/>
-                        <a:t>sisältö</a:t>
-                      </a:r>
-                    </a:p>
-                  </a:txBody>
-                  <a:tcPr/>
-                </a:tc>
-                <a:tc>
-                  <a:txBody>
-                    <a:bodyPr/>
-                    <a:lstStyle/>
-                    <a:p>
-                      <a:r>
-                        <a:rPr lang="fi-FI" dirty="0"/>
-                        <a:t>sisältö</a:t>
-                      </a:r>
-                    </a:p>
-                  </a:txBody>
-                  <a:tcPr/>
-                </a:tc>
-                <a:tc>
-                  <a:txBody>
-                    <a:bodyPr/>
-                    <a:lstStyle/>
-                    <a:p>
-                      <a:r>
-                        <a:rPr lang="fi-FI" dirty="0"/>
-                        <a:t>sisältö</a:t>
-                      </a:r>
-                    </a:p>
-                  </a:txBody>
-                  <a:tcPr/>
-                </a:tc>
-                <a:extLst>
-                  <a:ext uri="{0D108BD9-81ED-4DB2-BD59-A6C34878D82A}">
-                    <a16:rowId xmlns:a16="http://schemas.microsoft.com/office/drawing/2014/main" val="10001"/>
-                  </a:ext>
-                </a:extLst>
-              </a:tr>
-              <a:tr h="531283">
-                <a:tc>
-                  <a:txBody>
-                    <a:bodyPr/>
-                    <a:lstStyle/>
-                    <a:p>
-                      <a:r>
-                        <a:rPr lang="fi-FI" dirty="0"/>
-                        <a:t>sisältö</a:t>
-                      </a:r>
-                    </a:p>
-                  </a:txBody>
-                  <a:tcPr/>
-                </a:tc>
-                <a:tc>
-                  <a:txBody>
-                    <a:bodyPr/>
-                    <a:lstStyle/>
-                    <a:p>
-                      <a:r>
-                        <a:rPr lang="fi-FI" dirty="0"/>
-                        <a:t>sisältö</a:t>
-                      </a:r>
-                    </a:p>
-                  </a:txBody>
-                  <a:tcPr/>
-                </a:tc>
-                <a:tc>
-                  <a:txBody>
-                    <a:bodyPr/>
-                    <a:lstStyle/>
-                    <a:p>
-                      <a:r>
-                        <a:rPr lang="fi-FI" dirty="0"/>
-                        <a:t>sisältö</a:t>
-                      </a:r>
-                    </a:p>
-                  </a:txBody>
-                  <a:tcPr/>
-                </a:tc>
-                <a:tc>
-                  <a:txBody>
-                    <a:bodyPr/>
-                    <a:lstStyle/>
-                    <a:p>
-                      <a:r>
-                        <a:rPr lang="fi-FI" dirty="0"/>
-                        <a:t>sisältö</a:t>
-                      </a:r>
-                    </a:p>
-                  </a:txBody>
-                  <a:tcPr/>
-                </a:tc>
-                <a:tc>
-                  <a:txBody>
-                    <a:bodyPr/>
-                    <a:lstStyle/>
-                    <a:p>
-                      <a:r>
-                        <a:rPr lang="fi-FI" dirty="0"/>
-                        <a:t>sisältö</a:t>
-                      </a:r>
-                    </a:p>
-                  </a:txBody>
-                  <a:tcPr/>
-                </a:tc>
-                <a:extLst>
-                  <a:ext uri="{0D108BD9-81ED-4DB2-BD59-A6C34878D82A}">
-                    <a16:rowId xmlns:a16="http://schemas.microsoft.com/office/drawing/2014/main" val="10002"/>
-                  </a:ext>
-                </a:extLst>
-              </a:tr>
-              <a:tr h="531283">
-                <a:tc>
-                  <a:txBody>
-                    <a:bodyPr/>
-                    <a:lstStyle/>
-                    <a:p>
-                      <a:r>
-                        <a:rPr lang="fi-FI" dirty="0"/>
-                        <a:t>sisältö</a:t>
-                      </a:r>
-                    </a:p>
-                  </a:txBody>
-                  <a:tcPr/>
-                </a:tc>
-                <a:tc>
-                  <a:txBody>
-                    <a:bodyPr/>
-                    <a:lstStyle/>
-                    <a:p>
-                      <a:r>
-                        <a:rPr lang="fi-FI" dirty="0"/>
-                        <a:t>sisältö</a:t>
-                      </a:r>
-                    </a:p>
-                  </a:txBody>
-                  <a:tcPr/>
-                </a:tc>
-                <a:tc>
-                  <a:txBody>
-                    <a:bodyPr/>
-                    <a:lstStyle/>
-                    <a:p>
-                      <a:r>
-                        <a:rPr lang="fi-FI" dirty="0"/>
-                        <a:t>sisältö</a:t>
-                      </a:r>
-                    </a:p>
-                  </a:txBody>
-                  <a:tcPr/>
-                </a:tc>
-                <a:tc>
-                  <a:txBody>
-                    <a:bodyPr/>
-                    <a:lstStyle/>
-                    <a:p>
-                      <a:r>
-                        <a:rPr lang="fi-FI" dirty="0"/>
-                        <a:t>sisältö</a:t>
-                      </a:r>
-                    </a:p>
-                  </a:txBody>
-                  <a:tcPr/>
-                </a:tc>
-                <a:tc>
-                  <a:txBody>
-                    <a:bodyPr/>
-                    <a:lstStyle/>
-                    <a:p>
-                      <a:r>
-                        <a:rPr lang="fi-FI" dirty="0"/>
-                        <a:t>sisältö</a:t>
-                      </a:r>
-                    </a:p>
-                  </a:txBody>
-                  <a:tcPr/>
-                </a:tc>
-                <a:extLst>
-                  <a:ext uri="{0D108BD9-81ED-4DB2-BD59-A6C34878D82A}">
-                    <a16:rowId xmlns:a16="http://schemas.microsoft.com/office/drawing/2014/main" val="10003"/>
-                  </a:ext>
-                </a:extLst>
-              </a:tr>
-              <a:tr h="531283">
-                <a:tc>
-                  <a:txBody>
-                    <a:bodyPr/>
-                    <a:lstStyle/>
-                    <a:p>
-                      <a:r>
-                        <a:rPr lang="fi-FI" dirty="0"/>
-                        <a:t>sisältö</a:t>
-                      </a:r>
-                    </a:p>
-                  </a:txBody>
-                  <a:tcPr/>
-                </a:tc>
-                <a:tc>
-                  <a:txBody>
-                    <a:bodyPr/>
-                    <a:lstStyle/>
-                    <a:p>
-                      <a:r>
-                        <a:rPr lang="fi-FI" dirty="0"/>
-                        <a:t>sisältö</a:t>
-                      </a:r>
-                    </a:p>
-                  </a:txBody>
-                  <a:tcPr/>
-                </a:tc>
-                <a:tc>
-                  <a:txBody>
-                    <a:bodyPr/>
-                    <a:lstStyle/>
-                    <a:p>
-                      <a:r>
-                        <a:rPr lang="fi-FI" dirty="0"/>
-                        <a:t>sisältö</a:t>
-                      </a:r>
-                    </a:p>
-                  </a:txBody>
-                  <a:tcPr/>
-                </a:tc>
-                <a:tc>
-                  <a:txBody>
-                    <a:bodyPr/>
-                    <a:lstStyle/>
-                    <a:p>
-                      <a:r>
-                        <a:rPr lang="fi-FI" dirty="0"/>
-                        <a:t>sisältö</a:t>
-                      </a:r>
-                    </a:p>
-                  </a:txBody>
-                  <a:tcPr/>
-                </a:tc>
-                <a:tc>
-                  <a:txBody>
-                    <a:bodyPr/>
-                    <a:lstStyle/>
-                    <a:p>
-                      <a:r>
-                        <a:rPr lang="fi-FI" dirty="0"/>
-                        <a:t>sisältö</a:t>
-                      </a:r>
-                    </a:p>
-                  </a:txBody>
-                  <a:tcPr/>
-                </a:tc>
-                <a:extLst>
-                  <a:ext uri="{0D108BD9-81ED-4DB2-BD59-A6C34878D82A}">
-                    <a16:rowId xmlns:a16="http://schemas.microsoft.com/office/drawing/2014/main" val="10004"/>
-                  </a:ext>
-                </a:extLst>
-              </a:tr>
-              <a:tr h="531283">
-                <a:tc>
-                  <a:txBody>
-                    <a:bodyPr/>
-                    <a:lstStyle/>
-                    <a:p>
-                      <a:r>
-                        <a:rPr lang="fi-FI" dirty="0"/>
-                        <a:t>sisältö</a:t>
-                      </a:r>
-                    </a:p>
-                  </a:txBody>
-                  <a:tcPr/>
-                </a:tc>
-                <a:tc>
-                  <a:txBody>
-                    <a:bodyPr/>
-                    <a:lstStyle/>
-                    <a:p>
-                      <a:r>
-                        <a:rPr lang="fi-FI" dirty="0"/>
-                        <a:t>sisältö</a:t>
-                      </a:r>
-                    </a:p>
-                  </a:txBody>
-                  <a:tcPr/>
-                </a:tc>
-                <a:tc>
-                  <a:txBody>
-                    <a:bodyPr/>
-                    <a:lstStyle/>
-                    <a:p>
-                      <a:r>
-                        <a:rPr lang="fi-FI" dirty="0"/>
-                        <a:t>sisältö</a:t>
-                      </a:r>
-                    </a:p>
-                  </a:txBody>
-                  <a:tcPr/>
-                </a:tc>
-                <a:tc>
-                  <a:txBody>
-                    <a:bodyPr/>
-                    <a:lstStyle/>
-                    <a:p>
-                      <a:r>
-                        <a:rPr lang="fi-FI" dirty="0"/>
-                        <a:t>sisältö</a:t>
-                      </a:r>
-                    </a:p>
-                  </a:txBody>
-                  <a:tcPr/>
-                </a:tc>
-                <a:tc>
-                  <a:txBody>
-                    <a:bodyPr/>
-                    <a:lstStyle/>
-                    <a:p>
-                      <a:r>
-                        <a:rPr lang="fi-FI" dirty="0"/>
-                        <a:t>sisältö</a:t>
-                      </a:r>
-                    </a:p>
-                  </a:txBody>
-                  <a:tcPr/>
-                </a:tc>
-                <a:extLst>
-                  <a:ext uri="{0D108BD9-81ED-4DB2-BD59-A6C34878D82A}">
-                    <a16:rowId xmlns:a16="http://schemas.microsoft.com/office/drawing/2014/main" val="10005"/>
-                  </a:ext>
-                </a:extLst>
-              </a:tr>
-            </a:tbl>
-          </a:graphicData>
-        </a:graphic>
-      </p:graphicFrame>
-      <p:sp>
-        <p:nvSpPr>
-          <p:cNvPr id="10" name="Tekstiruutu 9"/>
-          <p:cNvSpPr txBox="1"/>
-          <p:nvPr/>
-        </p:nvSpPr>
-        <p:spPr>
-          <a:xfrm>
-            <a:off x="-1892300" y="2959100"/>
-            <a:ext cx="184666" cy="369332"/>
-          </a:xfrm>
-          <a:prstGeom prst="rect">
-            <a:avLst/>
-          </a:prstGeom>
-          <a:noFill/>
-        </p:spPr>
-        <p:txBody>
-          <a:bodyPr wrap="none" rtlCol="0">
-            <a:spAutoFit/>
-          </a:bodyPr>
-          <a:lstStyle/>
-          <a:p>
-            <a:endParaRPr lang="fi-FI" dirty="0"/>
-          </a:p>
-        </p:txBody>
-      </p:sp>
-    </p:spTree>
-    <p:extLst>
-      <p:ext uri="{BB962C8B-B14F-4D97-AF65-F5344CB8AC3E}">
-        <p14:creationId xmlns:p14="http://schemas.microsoft.com/office/powerpoint/2010/main" val="462662480"/>
-      </p:ext>
-    </p:extLst>
-  </p:cSld>
-  <p:clrMapOvr>
-    <a:masterClrMapping/>
-  </p:clrMapOvr>
-</p:sld>
-</file>
-
-<file path=ppt/slides/slide12.xml><?xml version="1.0" encoding="utf-8"?>
-<p:sld xmlns:a="http://schemas.openxmlformats.org/drawingml/2006/main" xmlns:r="http://schemas.openxmlformats.org/officeDocument/2006/relationships" xmlns:p="http://schemas.openxmlformats.org/presentationml/2006/main">
-  <p:cSld>
-    <p:spTree>
-      <p:nvGrpSpPr>
-        <p:cNvPr id="1" name=""/>
-        <p:cNvGrpSpPr/>
-        <p:nvPr/>
-      </p:nvGrpSpPr>
-      <p:grpSpPr>
-        <a:xfrm>
-          <a:off x="0" y="0"/>
-          <a:ext cx="0" cy="0"/>
-          <a:chOff x="0" y="0"/>
-          <a:chExt cx="0" cy="0"/>
-        </a:xfrm>
-      </p:grpSpPr>
-    </p:spTree>
-    <p:extLst>
-      <p:ext uri="{BB962C8B-B14F-4D97-AF65-F5344CB8AC3E}">
-        <p14:creationId xmlns:p14="http://schemas.microsoft.com/office/powerpoint/2010/main" val="1578200342"/>
-      </p:ext>
-    </p:extLst>
-  </p:cSld>
-  <p:clrMapOvr>
-    <a:masterClrMapping/>
-  </p:clrMapOvr>
-</p:sld>
-</file>
-
 <file path=ppt/slides/slide2.xml><?xml version="1.0" encoding="utf-8"?>
 <p:sld xmlns:a="http://schemas.openxmlformats.org/drawingml/2006/main" xmlns:r="http://schemas.openxmlformats.org/officeDocument/2006/relationships" xmlns:p="http://schemas.openxmlformats.org/presentationml/2006/main">
   <p:cSld>
@@ -3522,6 +2733,114 @@
           </a:p>
         </p:txBody>
       </p:sp>
+      <p:pic>
+        <p:nvPicPr>
+          <p:cNvPr id="5" name="Picture 4">
+            <a:extLst>
+              <a:ext uri="{FF2B5EF4-FFF2-40B4-BE49-F238E27FC236}">
+                <a16:creationId xmlns:a16="http://schemas.microsoft.com/office/drawing/2014/main" id="{1DE8353A-6F7C-4E2D-8F51-6B73C982B794}"/>
+              </a:ext>
+            </a:extLst>
+          </p:cNvPr>
+          <p:cNvPicPr>
+            <a:picLocks noChangeAspect="1"/>
+          </p:cNvPicPr>
+          <p:nvPr/>
+        </p:nvPicPr>
+        <p:blipFill>
+          <a:blip r:embed="rId2"/>
+          <a:stretch>
+            <a:fillRect/>
+          </a:stretch>
+        </p:blipFill>
+        <p:spPr>
+          <a:xfrm>
+            <a:off x="33612" y="3428999"/>
+            <a:ext cx="3164542" cy="2206626"/>
+          </a:xfrm>
+          <a:prstGeom prst="rect">
+            <a:avLst/>
+          </a:prstGeom>
+          <a:ln>
+            <a:noFill/>
+          </a:ln>
+          <a:effectLst>
+            <a:softEdge rad="112500"/>
+          </a:effectLst>
+        </p:spPr>
+      </p:pic>
+      <p:pic>
+        <p:nvPicPr>
+          <p:cNvPr id="7" name="Picture 6">
+            <a:extLst>
+              <a:ext uri="{FF2B5EF4-FFF2-40B4-BE49-F238E27FC236}">
+                <a16:creationId xmlns:a16="http://schemas.microsoft.com/office/drawing/2014/main" id="{51EE84CD-0D34-4FDD-943D-101ACC3185A9}"/>
+              </a:ext>
+            </a:extLst>
+          </p:cNvPr>
+          <p:cNvPicPr>
+            <a:picLocks noChangeAspect="1"/>
+          </p:cNvPicPr>
+          <p:nvPr/>
+        </p:nvPicPr>
+        <p:blipFill>
+          <a:blip r:embed="rId3"/>
+          <a:stretch>
+            <a:fillRect/>
+          </a:stretch>
+        </p:blipFill>
+        <p:spPr>
+          <a:xfrm>
+            <a:off x="3146614" y="3429000"/>
+            <a:ext cx="2924735" cy="2272294"/>
+          </a:xfrm>
+          <a:prstGeom prst="rect">
+            <a:avLst/>
+          </a:prstGeom>
+          <a:ln>
+            <a:noFill/>
+          </a:ln>
+          <a:effectLst>
+            <a:softEdge rad="112500"/>
+          </a:effectLst>
+        </p:spPr>
+      </p:pic>
+      <p:pic>
+        <p:nvPicPr>
+          <p:cNvPr id="9" name="Picture 8">
+            <a:extLst>
+              <a:ext uri="{FF2B5EF4-FFF2-40B4-BE49-F238E27FC236}">
+                <a16:creationId xmlns:a16="http://schemas.microsoft.com/office/drawing/2014/main" id="{ED611C5E-C400-48A9-A851-0294B352F5A4}"/>
+              </a:ext>
+            </a:extLst>
+          </p:cNvPr>
+          <p:cNvPicPr>
+            <a:picLocks noChangeAspect="1"/>
+          </p:cNvPicPr>
+          <p:nvPr/>
+        </p:nvPicPr>
+        <p:blipFill>
+          <a:blip r:embed="rId4"/>
+          <a:stretch>
+            <a:fillRect/>
+          </a:stretch>
+        </p:blipFill>
+        <p:spPr>
+          <a:xfrm>
+            <a:off x="6059021" y="3428999"/>
+            <a:ext cx="3051367" cy="2272295"/>
+          </a:xfrm>
+          <a:prstGeom prst="rect">
+            <a:avLst/>
+          </a:prstGeom>
+          <a:ln>
+            <a:noFill/>
+          </a:ln>
+          <a:effectLst>
+            <a:softEdge rad="112500"/>
+          </a:effectLst>
+        </p:spPr>
+      </p:pic>
     </p:spTree>
     <p:extLst>
       <p:ext uri="{BB962C8B-B14F-4D97-AF65-F5344CB8AC3E}">
@@ -3532,6 +2851,309 @@
   <p:clrMapOvr>
     <a:masterClrMapping/>
   </p:clrMapOvr>
+  <p:timing>
+    <p:tnLst>
+      <p:par>
+        <p:cTn id="1" dur="indefinite" restart="never" nodeType="tmRoot">
+          <p:childTnLst>
+            <p:seq concurrent="1" nextAc="seek">
+              <p:cTn id="2" dur="indefinite" nodeType="mainSeq">
+                <p:childTnLst>
+                  <p:par>
+                    <p:cTn id="3" fill="hold">
+                      <p:stCondLst>
+                        <p:cond delay="indefinite"/>
+                      </p:stCondLst>
+                      <p:childTnLst>
+                        <p:par>
+                          <p:cTn id="4" fill="hold">
+                            <p:stCondLst>
+                              <p:cond delay="0"/>
+                            </p:stCondLst>
+                            <p:childTnLst>
+                              <p:par>
+                                <p:cTn id="5" presetID="2" presetClass="entr" presetSubtype="8" fill="hold" nodeType="clickEffect">
+                                  <p:stCondLst>
+                                    <p:cond delay="0"/>
+                                  </p:stCondLst>
+                                  <p:childTnLst>
+                                    <p:set>
+                                      <p:cBhvr>
+                                        <p:cTn id="6" dur="1" fill="hold">
+                                          <p:stCondLst>
+                                            <p:cond delay="0"/>
+                                          </p:stCondLst>
+                                        </p:cTn>
+                                        <p:tgtEl>
+                                          <p:spTgt spid="5"/>
+                                        </p:tgtEl>
+                                        <p:attrNameLst>
+                                          <p:attrName>style.visibility</p:attrName>
+                                        </p:attrNameLst>
+                                      </p:cBhvr>
+                                      <p:to>
+                                        <p:strVal val="visible"/>
+                                      </p:to>
+                                    </p:set>
+                                    <p:anim calcmode="lin" valueType="num">
+                                      <p:cBhvr additive="base">
+                                        <p:cTn id="7" dur="700" fill="hold"/>
+                                        <p:tgtEl>
+                                          <p:spTgt spid="5"/>
+                                        </p:tgtEl>
+                                        <p:attrNameLst>
+                                          <p:attrName>ppt_x</p:attrName>
+                                        </p:attrNameLst>
+                                      </p:cBhvr>
+                                      <p:tavLst>
+                                        <p:tav tm="0">
+                                          <p:val>
+                                            <p:strVal val="0-#ppt_w/2"/>
+                                          </p:val>
+                                        </p:tav>
+                                        <p:tav tm="100000">
+                                          <p:val>
+                                            <p:strVal val="#ppt_x"/>
+                                          </p:val>
+                                        </p:tav>
+                                      </p:tavLst>
+                                    </p:anim>
+                                    <p:anim calcmode="lin" valueType="num">
+                                      <p:cBhvr additive="base">
+                                        <p:cTn id="8" dur="700" fill="hold"/>
+                                        <p:tgtEl>
+                                          <p:spTgt spid="5"/>
+                                        </p:tgtEl>
+                                        <p:attrNameLst>
+                                          <p:attrName>ppt_y</p:attrName>
+                                        </p:attrNameLst>
+                                      </p:cBhvr>
+                                      <p:tavLst>
+                                        <p:tav tm="0">
+                                          <p:val>
+                                            <p:strVal val="#ppt_y"/>
+                                          </p:val>
+                                        </p:tav>
+                                        <p:tav tm="100000">
+                                          <p:val>
+                                            <p:strVal val="#ppt_y"/>
+                                          </p:val>
+                                        </p:tav>
+                                      </p:tavLst>
+                                    </p:anim>
+                                  </p:childTnLst>
+                                </p:cTn>
+                              </p:par>
+                            </p:childTnLst>
+                          </p:cTn>
+                        </p:par>
+                      </p:childTnLst>
+                    </p:cTn>
+                  </p:par>
+                  <p:par>
+                    <p:cTn id="9" fill="hold">
+                      <p:stCondLst>
+                        <p:cond delay="indefinite"/>
+                      </p:stCondLst>
+                      <p:childTnLst>
+                        <p:par>
+                          <p:cTn id="10" fill="hold">
+                            <p:stCondLst>
+                              <p:cond delay="0"/>
+                            </p:stCondLst>
+                            <p:childTnLst>
+                              <p:par>
+                                <p:cTn id="11" presetID="2" presetClass="entr" presetSubtype="4" fill="hold" nodeType="clickEffect">
+                                  <p:stCondLst>
+                                    <p:cond delay="0"/>
+                                  </p:stCondLst>
+                                  <p:childTnLst>
+                                    <p:set>
+                                      <p:cBhvr>
+                                        <p:cTn id="12" dur="1" fill="hold">
+                                          <p:stCondLst>
+                                            <p:cond delay="0"/>
+                                          </p:stCondLst>
+                                        </p:cTn>
+                                        <p:tgtEl>
+                                          <p:spTgt spid="7"/>
+                                        </p:tgtEl>
+                                        <p:attrNameLst>
+                                          <p:attrName>style.visibility</p:attrName>
+                                        </p:attrNameLst>
+                                      </p:cBhvr>
+                                      <p:to>
+                                        <p:strVal val="visible"/>
+                                      </p:to>
+                                    </p:set>
+                                    <p:anim calcmode="lin" valueType="num">
+                                      <p:cBhvr additive="base">
+                                        <p:cTn id="13" dur="700" fill="hold"/>
+                                        <p:tgtEl>
+                                          <p:spTgt spid="7"/>
+                                        </p:tgtEl>
+                                        <p:attrNameLst>
+                                          <p:attrName>ppt_x</p:attrName>
+                                        </p:attrNameLst>
+                                      </p:cBhvr>
+                                      <p:tavLst>
+                                        <p:tav tm="0">
+                                          <p:val>
+                                            <p:strVal val="#ppt_x"/>
+                                          </p:val>
+                                        </p:tav>
+                                        <p:tav tm="100000">
+                                          <p:val>
+                                            <p:strVal val="#ppt_x"/>
+                                          </p:val>
+                                        </p:tav>
+                                      </p:tavLst>
+                                    </p:anim>
+                                    <p:anim calcmode="lin" valueType="num">
+                                      <p:cBhvr additive="base">
+                                        <p:cTn id="14" dur="700" fill="hold"/>
+                                        <p:tgtEl>
+                                          <p:spTgt spid="7"/>
+                                        </p:tgtEl>
+                                        <p:attrNameLst>
+                                          <p:attrName>ppt_y</p:attrName>
+                                        </p:attrNameLst>
+                                      </p:cBhvr>
+                                      <p:tavLst>
+                                        <p:tav tm="0">
+                                          <p:val>
+                                            <p:strVal val="1+#ppt_h/2"/>
+                                          </p:val>
+                                        </p:tav>
+                                        <p:tav tm="100000">
+                                          <p:val>
+                                            <p:strVal val="#ppt_y"/>
+                                          </p:val>
+                                        </p:tav>
+                                      </p:tavLst>
+                                    </p:anim>
+                                  </p:childTnLst>
+                                </p:cTn>
+                              </p:par>
+                            </p:childTnLst>
+                          </p:cTn>
+                        </p:par>
+                      </p:childTnLst>
+                    </p:cTn>
+                  </p:par>
+                  <p:par>
+                    <p:cTn id="15" fill="hold">
+                      <p:stCondLst>
+                        <p:cond delay="indefinite"/>
+                      </p:stCondLst>
+                      <p:childTnLst>
+                        <p:par>
+                          <p:cTn id="16" fill="hold">
+                            <p:stCondLst>
+                              <p:cond delay="0"/>
+                            </p:stCondLst>
+                            <p:childTnLst>
+                              <p:par>
+                                <p:cTn id="17" presetID="2" presetClass="entr" presetSubtype="2" fill="hold" nodeType="clickEffect">
+                                  <p:stCondLst>
+                                    <p:cond delay="0"/>
+                                  </p:stCondLst>
+                                  <p:childTnLst>
+                                    <p:set>
+                                      <p:cBhvr>
+                                        <p:cTn id="18" dur="1" fill="hold">
+                                          <p:stCondLst>
+                                            <p:cond delay="0"/>
+                                          </p:stCondLst>
+                                        </p:cTn>
+                                        <p:tgtEl>
+                                          <p:spTgt spid="9"/>
+                                        </p:tgtEl>
+                                        <p:attrNameLst>
+                                          <p:attrName>style.visibility</p:attrName>
+                                        </p:attrNameLst>
+                                      </p:cBhvr>
+                                      <p:to>
+                                        <p:strVal val="visible"/>
+                                      </p:to>
+                                    </p:set>
+                                    <p:anim calcmode="lin" valueType="num">
+                                      <p:cBhvr additive="base">
+                                        <p:cTn id="19" dur="700" fill="hold"/>
+                                        <p:tgtEl>
+                                          <p:spTgt spid="9"/>
+                                        </p:tgtEl>
+                                        <p:attrNameLst>
+                                          <p:attrName>ppt_x</p:attrName>
+                                        </p:attrNameLst>
+                                      </p:cBhvr>
+                                      <p:tavLst>
+                                        <p:tav tm="0">
+                                          <p:val>
+                                            <p:strVal val="1+#ppt_w/2"/>
+                                          </p:val>
+                                        </p:tav>
+                                        <p:tav tm="100000">
+                                          <p:val>
+                                            <p:strVal val="#ppt_x"/>
+                                          </p:val>
+                                        </p:tav>
+                                      </p:tavLst>
+                                    </p:anim>
+                                    <p:anim calcmode="lin" valueType="num">
+                                      <p:cBhvr additive="base">
+                                        <p:cTn id="20" dur="700" fill="hold"/>
+                                        <p:tgtEl>
+                                          <p:spTgt spid="9"/>
+                                        </p:tgtEl>
+                                        <p:attrNameLst>
+                                          <p:attrName>ppt_y</p:attrName>
+                                        </p:attrNameLst>
+                                      </p:cBhvr>
+                                      <p:tavLst>
+                                        <p:tav tm="0">
+                                          <p:val>
+                                            <p:strVal val="#ppt_y"/>
+                                          </p:val>
+                                        </p:tav>
+                                        <p:tav tm="100000">
+                                          <p:val>
+                                            <p:strVal val="#ppt_y"/>
+                                          </p:val>
+                                        </p:tav>
+                                      </p:tavLst>
+                                    </p:anim>
+                                  </p:childTnLst>
+                                </p:cTn>
+                              </p:par>
+                            </p:childTnLst>
+                          </p:cTn>
+                        </p:par>
+                      </p:childTnLst>
+                    </p:cTn>
+                  </p:par>
+                </p:childTnLst>
+              </p:cTn>
+              <p:prevCondLst>
+                <p:cond evt="onPrev" delay="0">
+                  <p:tgtEl>
+                    <p:sldTgt/>
+                  </p:tgtEl>
+                </p:cond>
+              </p:prevCondLst>
+              <p:nextCondLst>
+                <p:cond evt="onNext" delay="0">
+                  <p:tgtEl>
+                    <p:sldTgt/>
+                  </p:tgtEl>
+                </p:cond>
+              </p:nextCondLst>
+            </p:seq>
+          </p:childTnLst>
+        </p:cTn>
+      </p:par>
+    </p:tnLst>
+  </p:timing>
 </p:sld>
 </file>
 
@@ -3589,7 +3211,22 @@
           <a:bodyPr/>
           <a:lstStyle/>
           <a:p>
-            <a:endParaRPr lang="fi-FI" dirty="0"/>
+            <a:r>
+              <a:rPr lang="fi-FI" dirty="0"/>
+              <a:t>OpenGL</a:t>
+            </a:r>
+          </a:p>
+          <a:p>
+            <a:r>
+              <a:rPr lang="fi-FI" dirty="0"/>
+              <a:t>Tehdään käyttäen erilaisia ohjelmistokirjastoja hyödyntäen</a:t>
+            </a:r>
+          </a:p>
+          <a:p>
+            <a:r>
+              <a:rPr lang="fi-FI" dirty="0"/>
+              <a:t>Suurimmaksi osaksi pelimoottorin koodausta</a:t>
+            </a:r>
           </a:p>
         </p:txBody>
       </p:sp>
@@ -3647,20 +3284,678 @@
       </p:sp>
       <p:sp>
         <p:nvSpPr>
-          <p:cNvPr id="3" name="Sisällön paikkamerkki 2"/>
+          <p:cNvPr id="6" name="Content Placeholder 5">
+            <a:extLst>
+              <a:ext uri="{FF2B5EF4-FFF2-40B4-BE49-F238E27FC236}">
+                <a16:creationId xmlns:a16="http://schemas.microsoft.com/office/drawing/2014/main" id="{F3F082BF-9E3A-4485-A59A-72AC1C762DF9}"/>
+              </a:ext>
+            </a:extLst>
+          </p:cNvPr>
           <p:cNvSpPr>
             <a:spLocks noGrp="1"/>
           </p:cNvSpPr>
           <p:nvPr>
-            <p:ph idx="1"/>
+            <p:ph sz="half" idx="2"/>
           </p:nvPr>
         </p:nvSpPr>
         <p:spPr/>
         <p:txBody>
-          <a:bodyPr/>
+          <a:bodyPr>
+            <a:normAutofit fontScale="77500" lnSpcReduction="20000"/>
+          </a:bodyPr>
           <a:lstStyle/>
           <a:p>
-            <a:endParaRPr lang="fi-FI" dirty="0"/>
+            <a:pPr marL="0" lvl="0" indent="0" defTabSz="914400" eaLnBrk="0" fontAlgn="base" hangingPunct="0">
+              <a:lnSpc>
+                <a:spcPct val="170000"/>
+              </a:lnSpc>
+              <a:spcBef>
+                <a:spcPct val="0"/>
+              </a:spcBef>
+              <a:spcAft>
+                <a:spcPct val="0"/>
+              </a:spcAft>
+              <a:buClrTx/>
+              <a:buNone/>
+              <a:tabLst>
+                <a:tab pos="304800" algn="l"/>
+                <a:tab pos="6113463" algn="r"/>
+              </a:tabLst>
+            </a:pPr>
+            <a:r>
+              <a:rPr lang="fi-FI" altLang="en-FI" b="1" dirty="0">
+                <a:latin typeface="Arial" panose="020B0604020202020204" pitchFamily="34" charset="0"/>
+                <a:ea typeface="Calibri" panose="020F0502020204030204" pitchFamily="34" charset="0"/>
+                <a:cs typeface="Arial" panose="020B0604020202020204" pitchFamily="34" charset="0"/>
+              </a:rPr>
+              <a:t>4 TOTEUTUS</a:t>
+            </a:r>
+            <a:endParaRPr lang="fi-FI" altLang="en-FI" sz="700" dirty="0"/>
+          </a:p>
+          <a:p>
+            <a:pPr marL="0" lvl="0" indent="0" defTabSz="914400" eaLnBrk="0" fontAlgn="base" hangingPunct="0">
+              <a:lnSpc>
+                <a:spcPct val="120000"/>
+              </a:lnSpc>
+              <a:spcBef>
+                <a:spcPct val="0"/>
+              </a:spcBef>
+              <a:spcAft>
+                <a:spcPct val="0"/>
+              </a:spcAft>
+              <a:buClrTx/>
+              <a:buNone/>
+              <a:tabLst>
+                <a:tab pos="304800" algn="l"/>
+                <a:tab pos="6113463" algn="r"/>
+              </a:tabLst>
+            </a:pPr>
+            <a:r>
+              <a:rPr lang="fi-FI" altLang="en-FI" dirty="0">
+                <a:latin typeface="Arial" panose="020B0604020202020204" pitchFamily="34" charset="0"/>
+                <a:ea typeface="Calibri" panose="020F0502020204030204" pitchFamily="34" charset="0"/>
+                <a:cs typeface="Arial" panose="020B0604020202020204" pitchFamily="34" charset="0"/>
+              </a:rPr>
+              <a:t>   4.1 Tavoitteet</a:t>
+            </a:r>
+            <a:endParaRPr lang="fi-FI" altLang="en-FI" sz="700" dirty="0"/>
+          </a:p>
+          <a:p>
+            <a:pPr marL="0" lvl="0" indent="0" defTabSz="914400" eaLnBrk="0" fontAlgn="base" hangingPunct="0">
+              <a:lnSpc>
+                <a:spcPct val="120000"/>
+              </a:lnSpc>
+              <a:spcBef>
+                <a:spcPct val="0"/>
+              </a:spcBef>
+              <a:spcAft>
+                <a:spcPct val="0"/>
+              </a:spcAft>
+              <a:buClrTx/>
+              <a:buNone/>
+              <a:tabLst>
+                <a:tab pos="304800" algn="l"/>
+                <a:tab pos="6113463" algn="r"/>
+              </a:tabLst>
+            </a:pPr>
+            <a:r>
+              <a:rPr lang="fi-FI" altLang="en-FI" dirty="0">
+                <a:latin typeface="Arial" panose="020B0604020202020204" pitchFamily="34" charset="0"/>
+                <a:ea typeface="Calibri" panose="020F0502020204030204" pitchFamily="34" charset="0"/>
+                <a:cs typeface="Arial" panose="020B0604020202020204" pitchFamily="34" charset="0"/>
+              </a:rPr>
+              <a:t>   4.2 Pelimaailman piirtäminen näytölle</a:t>
+            </a:r>
+            <a:endParaRPr lang="fi-FI" altLang="en-FI" sz="700" dirty="0"/>
+          </a:p>
+          <a:p>
+            <a:pPr marL="0" lvl="0" indent="0" defTabSz="914400" eaLnBrk="0" fontAlgn="base" hangingPunct="0">
+              <a:lnSpc>
+                <a:spcPct val="120000"/>
+              </a:lnSpc>
+              <a:spcBef>
+                <a:spcPct val="0"/>
+              </a:spcBef>
+              <a:spcAft>
+                <a:spcPct val="0"/>
+              </a:spcAft>
+              <a:buClrTx/>
+              <a:buNone/>
+              <a:tabLst>
+                <a:tab pos="304800" algn="l"/>
+                <a:tab pos="6113463" algn="r"/>
+              </a:tabLst>
+            </a:pPr>
+            <a:r>
+              <a:rPr lang="fi-FI" altLang="en-FI" dirty="0">
+                <a:latin typeface="Arial" panose="020B0604020202020204" pitchFamily="34" charset="0"/>
+                <a:ea typeface="Calibri" panose="020F0502020204030204" pitchFamily="34" charset="0"/>
+                <a:cs typeface="Arial" panose="020B0604020202020204" pitchFamily="34" charset="0"/>
+              </a:rPr>
+              <a:t>   4.3 3d-mallien lataaminen</a:t>
+            </a:r>
+            <a:endParaRPr lang="fi-FI" altLang="en-FI" sz="700" dirty="0"/>
+          </a:p>
+          <a:p>
+            <a:pPr marL="0" lvl="0" indent="0" defTabSz="914400" eaLnBrk="0" fontAlgn="base" hangingPunct="0">
+              <a:lnSpc>
+                <a:spcPct val="120000"/>
+              </a:lnSpc>
+              <a:spcBef>
+                <a:spcPct val="0"/>
+              </a:spcBef>
+              <a:spcAft>
+                <a:spcPct val="0"/>
+              </a:spcAft>
+              <a:buClrTx/>
+              <a:buNone/>
+              <a:tabLst>
+                <a:tab pos="304800" algn="l"/>
+                <a:tab pos="6113463" algn="r"/>
+              </a:tabLst>
+            </a:pPr>
+            <a:r>
+              <a:rPr lang="fi-FI" altLang="en-FI" dirty="0">
+                <a:latin typeface="Arial" panose="020B0604020202020204" pitchFamily="34" charset="0"/>
+                <a:ea typeface="Calibri" panose="020F0502020204030204" pitchFamily="34" charset="0"/>
+                <a:cs typeface="Arial" panose="020B0604020202020204" pitchFamily="34" charset="0"/>
+              </a:rPr>
+              <a:t>   4.4 Liikkumisen ja interaktiivisuuden lisääminen peliin</a:t>
+            </a:r>
+            <a:endParaRPr lang="fi-FI" altLang="en-FI" sz="700" dirty="0"/>
+          </a:p>
+          <a:p>
+            <a:pPr marL="0" lvl="0" indent="0" defTabSz="914400" eaLnBrk="0" fontAlgn="base" hangingPunct="0">
+              <a:lnSpc>
+                <a:spcPct val="120000"/>
+              </a:lnSpc>
+              <a:spcBef>
+                <a:spcPct val="0"/>
+              </a:spcBef>
+              <a:spcAft>
+                <a:spcPct val="0"/>
+              </a:spcAft>
+              <a:buClrTx/>
+              <a:buNone/>
+              <a:tabLst>
+                <a:tab pos="304800" algn="l"/>
+                <a:tab pos="6113463" algn="r"/>
+              </a:tabLst>
+            </a:pPr>
+            <a:r>
+              <a:rPr lang="fi-FI" altLang="en-FI" dirty="0">
+                <a:latin typeface="Arial" panose="020B0604020202020204" pitchFamily="34" charset="0"/>
+                <a:ea typeface="Calibri" panose="020F0502020204030204" pitchFamily="34" charset="0"/>
+                <a:cs typeface="Arial" panose="020B0604020202020204" pitchFamily="34" charset="0"/>
+              </a:rPr>
+              <a:t>   4.5 Äänet</a:t>
+            </a:r>
+            <a:endParaRPr lang="fi-FI" altLang="en-FI" sz="700" dirty="0"/>
+          </a:p>
+          <a:p>
+            <a:pPr marL="0" lvl="0" indent="0" defTabSz="914400" eaLnBrk="0" fontAlgn="base" hangingPunct="0">
+              <a:lnSpc>
+                <a:spcPct val="170000"/>
+              </a:lnSpc>
+              <a:spcBef>
+                <a:spcPct val="0"/>
+              </a:spcBef>
+              <a:spcAft>
+                <a:spcPct val="0"/>
+              </a:spcAft>
+              <a:buClrTx/>
+              <a:buNone/>
+              <a:tabLst>
+                <a:tab pos="304800" algn="l"/>
+                <a:tab pos="6113463" algn="r"/>
+              </a:tabLst>
+            </a:pPr>
+            <a:r>
+              <a:rPr lang="fi-FI" altLang="en-FI" b="1" dirty="0">
+                <a:latin typeface="Arial" panose="020B0604020202020204" pitchFamily="34" charset="0"/>
+                <a:ea typeface="Calibri" panose="020F0502020204030204" pitchFamily="34" charset="0"/>
+                <a:cs typeface="Arial" panose="020B0604020202020204" pitchFamily="34" charset="0"/>
+              </a:rPr>
+              <a:t>5 YHTEENVETO</a:t>
+            </a:r>
+            <a:endParaRPr lang="fi-FI" altLang="en-FI" sz="700" dirty="0"/>
+          </a:p>
+          <a:p>
+            <a:pPr marL="0" lvl="0" indent="0" defTabSz="914400" eaLnBrk="0" fontAlgn="base" hangingPunct="0">
+              <a:spcBef>
+                <a:spcPct val="0"/>
+              </a:spcBef>
+              <a:spcAft>
+                <a:spcPct val="0"/>
+              </a:spcAft>
+              <a:buClrTx/>
+              <a:buNone/>
+              <a:tabLst>
+                <a:tab pos="304800" algn="l"/>
+                <a:tab pos="6113463" algn="r"/>
+              </a:tabLst>
+            </a:pPr>
+            <a:r>
+              <a:rPr lang="fi-FI" altLang="en-FI" b="1" dirty="0">
+                <a:latin typeface="Arial" panose="020B0604020202020204" pitchFamily="34" charset="0"/>
+                <a:ea typeface="Calibri" panose="020F0502020204030204" pitchFamily="34" charset="0"/>
+                <a:cs typeface="Arial" panose="020B0604020202020204" pitchFamily="34" charset="0"/>
+              </a:rPr>
+              <a:t>LÄHTEET</a:t>
+            </a:r>
+            <a:endParaRPr lang="fi-FI" altLang="en-FI" sz="2800" dirty="0">
+              <a:latin typeface="Arial" panose="020B0604020202020204" pitchFamily="34" charset="0"/>
+            </a:endParaRPr>
+          </a:p>
+          <a:p>
+            <a:endParaRPr lang="en-FI" dirty="0"/>
+          </a:p>
+        </p:txBody>
+      </p:sp>
+      <p:sp>
+        <p:nvSpPr>
+          <p:cNvPr id="8" name="Content Placeholder 7">
+            <a:extLst>
+              <a:ext uri="{FF2B5EF4-FFF2-40B4-BE49-F238E27FC236}">
+                <a16:creationId xmlns:a16="http://schemas.microsoft.com/office/drawing/2014/main" id="{CFADBEF2-32DB-4001-8FA4-5441D67F613A}"/>
+              </a:ext>
+            </a:extLst>
+          </p:cNvPr>
+          <p:cNvSpPr>
+            <a:spLocks noGrp="1"/>
+          </p:cNvSpPr>
+          <p:nvPr>
+            <p:ph sz="half" idx="1"/>
+          </p:nvPr>
+        </p:nvSpPr>
+        <p:spPr/>
+        <p:txBody>
+          <a:bodyPr>
+            <a:normAutofit fontScale="77500" lnSpcReduction="20000"/>
+          </a:bodyPr>
+          <a:lstStyle/>
+          <a:p>
+            <a:pPr marL="0" lvl="0" indent="0" defTabSz="914400" eaLnBrk="0" fontAlgn="base" hangingPunct="0">
+              <a:lnSpc>
+                <a:spcPct val="160000"/>
+              </a:lnSpc>
+              <a:spcBef>
+                <a:spcPct val="0"/>
+              </a:spcBef>
+              <a:spcAft>
+                <a:spcPct val="0"/>
+              </a:spcAft>
+              <a:buClrTx/>
+              <a:buNone/>
+              <a:tabLst>
+                <a:tab pos="304800" algn="l"/>
+                <a:tab pos="6113463" algn="r"/>
+              </a:tabLst>
+            </a:pPr>
+            <a:r>
+              <a:rPr lang="fi-FI" altLang="en-FI" b="1" dirty="0">
+                <a:latin typeface="Arial" panose="020B0604020202020204" pitchFamily="34" charset="0"/>
+                <a:ea typeface="Times New Roman" panose="02020603050405020304" pitchFamily="18" charset="0"/>
+                <a:cs typeface="Arial" panose="020B0604020202020204" pitchFamily="34" charset="0"/>
+              </a:rPr>
+              <a:t>1 JOHDANTO</a:t>
+            </a:r>
+            <a:endParaRPr lang="fi-FI" altLang="en-FI" sz="700" dirty="0"/>
+          </a:p>
+          <a:p>
+            <a:pPr marL="0" indent="0" defTabSz="914400" eaLnBrk="0" fontAlgn="base" hangingPunct="0">
+              <a:lnSpc>
+                <a:spcPct val="160000"/>
+              </a:lnSpc>
+              <a:spcBef>
+                <a:spcPct val="0"/>
+              </a:spcBef>
+              <a:spcAft>
+                <a:spcPct val="0"/>
+              </a:spcAft>
+              <a:buClrTx/>
+              <a:buNone/>
+              <a:tabLst>
+                <a:tab pos="304800" algn="l"/>
+                <a:tab pos="6113463" algn="r"/>
+              </a:tabLst>
+            </a:pPr>
+            <a:r>
+              <a:rPr lang="fi-FI" altLang="en-FI" b="1" dirty="0">
+                <a:latin typeface="Arial" panose="020B0604020202020204" pitchFamily="34" charset="0"/>
+                <a:ea typeface="Calibri" panose="020F0502020204030204" pitchFamily="34" charset="0"/>
+                <a:cs typeface="Arial" panose="020B0604020202020204" pitchFamily="34" charset="0"/>
+              </a:rPr>
+              <a:t>2 KÄYTETYT MENETELMÄT</a:t>
+            </a:r>
+            <a:endParaRPr lang="fi-FI" altLang="en-FI" sz="700" dirty="0"/>
+          </a:p>
+          <a:p>
+            <a:pPr marL="0" lvl="0" indent="0" defTabSz="914400" eaLnBrk="0" fontAlgn="base" hangingPunct="0">
+              <a:lnSpc>
+                <a:spcPct val="120000"/>
+              </a:lnSpc>
+              <a:spcBef>
+                <a:spcPct val="0"/>
+              </a:spcBef>
+              <a:spcAft>
+                <a:spcPct val="0"/>
+              </a:spcAft>
+              <a:buClrTx/>
+              <a:buNone/>
+              <a:tabLst>
+                <a:tab pos="304800" algn="l"/>
+                <a:tab pos="6113463" algn="r"/>
+              </a:tabLst>
+            </a:pPr>
+            <a:r>
+              <a:rPr lang="fi-FI" altLang="en-FI" dirty="0">
+                <a:latin typeface="Arial" panose="020B0604020202020204" pitchFamily="34" charset="0"/>
+                <a:ea typeface="Calibri" panose="020F0502020204030204" pitchFamily="34" charset="0"/>
+                <a:cs typeface="Arial" panose="020B0604020202020204" pitchFamily="34" charset="0"/>
+              </a:rPr>
+              <a:t>   2.1 Menetelmistä yleisesti</a:t>
+            </a:r>
+            <a:endParaRPr lang="fi-FI" altLang="en-FI" sz="700" dirty="0"/>
+          </a:p>
+          <a:p>
+            <a:pPr marL="0" lvl="0" indent="0" defTabSz="914400" eaLnBrk="0" fontAlgn="base" hangingPunct="0">
+              <a:lnSpc>
+                <a:spcPct val="120000"/>
+              </a:lnSpc>
+              <a:spcBef>
+                <a:spcPct val="0"/>
+              </a:spcBef>
+              <a:spcAft>
+                <a:spcPct val="0"/>
+              </a:spcAft>
+              <a:buClrTx/>
+              <a:buNone/>
+              <a:tabLst>
+                <a:tab pos="304800" algn="l"/>
+                <a:tab pos="6113463" algn="r"/>
+              </a:tabLst>
+            </a:pPr>
+            <a:r>
+              <a:rPr lang="fi-FI" altLang="en-FI" dirty="0">
+                <a:latin typeface="Arial" panose="020B0604020202020204" pitchFamily="34" charset="0"/>
+                <a:ea typeface="Calibri" panose="020F0502020204030204" pitchFamily="34" charset="0"/>
+                <a:cs typeface="Arial" panose="020B0604020202020204" pitchFamily="34" charset="0"/>
+              </a:rPr>
+              <a:t>   2.2 OpenGL</a:t>
+            </a:r>
+            <a:endParaRPr lang="fi-FI" altLang="en-FI" sz="700" dirty="0"/>
+          </a:p>
+          <a:p>
+            <a:pPr marL="0" lvl="0" indent="0" defTabSz="914400" eaLnBrk="0" fontAlgn="base" hangingPunct="0">
+              <a:lnSpc>
+                <a:spcPct val="120000"/>
+              </a:lnSpc>
+              <a:spcBef>
+                <a:spcPct val="0"/>
+              </a:spcBef>
+              <a:spcAft>
+                <a:spcPct val="0"/>
+              </a:spcAft>
+              <a:buClrTx/>
+              <a:buNone/>
+              <a:tabLst>
+                <a:tab pos="304800" algn="l"/>
+                <a:tab pos="6113463" algn="r"/>
+              </a:tabLst>
+            </a:pPr>
+            <a:r>
+              <a:rPr lang="fi-FI" altLang="en-FI" dirty="0">
+                <a:latin typeface="Arial" panose="020B0604020202020204" pitchFamily="34" charset="0"/>
+                <a:ea typeface="Calibri" panose="020F0502020204030204" pitchFamily="34" charset="0"/>
+                <a:cs typeface="Arial" panose="020B0604020202020204" pitchFamily="34" charset="0"/>
+              </a:rPr>
+              <a:t>   2.3 GLFW</a:t>
+            </a:r>
+            <a:endParaRPr lang="fi-FI" altLang="en-FI" sz="700" dirty="0"/>
+          </a:p>
+          <a:p>
+            <a:pPr marL="0" lvl="0" indent="0" defTabSz="914400" eaLnBrk="0" fontAlgn="base" hangingPunct="0">
+              <a:lnSpc>
+                <a:spcPct val="120000"/>
+              </a:lnSpc>
+              <a:spcBef>
+                <a:spcPct val="0"/>
+              </a:spcBef>
+              <a:spcAft>
+                <a:spcPct val="0"/>
+              </a:spcAft>
+              <a:buClrTx/>
+              <a:buNone/>
+              <a:tabLst>
+                <a:tab pos="304800" algn="l"/>
+                <a:tab pos="6113463" algn="r"/>
+              </a:tabLst>
+            </a:pPr>
+            <a:r>
+              <a:rPr lang="fi-FI" altLang="en-FI" dirty="0">
+                <a:latin typeface="Arial" panose="020B0604020202020204" pitchFamily="34" charset="0"/>
+                <a:ea typeface="Calibri" panose="020F0502020204030204" pitchFamily="34" charset="0"/>
+                <a:cs typeface="Arial" panose="020B0604020202020204" pitchFamily="34" charset="0"/>
+              </a:rPr>
+              <a:t>   2.4 GLAD</a:t>
+            </a:r>
+            <a:endParaRPr lang="fi-FI" altLang="en-FI" sz="700" dirty="0"/>
+          </a:p>
+          <a:p>
+            <a:pPr marL="0" lvl="0" indent="0" defTabSz="914400" eaLnBrk="0" fontAlgn="base" hangingPunct="0">
+              <a:lnSpc>
+                <a:spcPct val="120000"/>
+              </a:lnSpc>
+              <a:spcBef>
+                <a:spcPct val="0"/>
+              </a:spcBef>
+              <a:spcAft>
+                <a:spcPct val="0"/>
+              </a:spcAft>
+              <a:buClrTx/>
+              <a:buNone/>
+              <a:tabLst>
+                <a:tab pos="304800" algn="l"/>
+                <a:tab pos="6113463" algn="r"/>
+              </a:tabLst>
+            </a:pPr>
+            <a:r>
+              <a:rPr lang="fi-FI" altLang="en-FI" dirty="0">
+                <a:latin typeface="Arial" panose="020B0604020202020204" pitchFamily="34" charset="0"/>
+                <a:ea typeface="Calibri" panose="020F0502020204030204" pitchFamily="34" charset="0"/>
+                <a:cs typeface="Arial" panose="020B0604020202020204" pitchFamily="34" charset="0"/>
+              </a:rPr>
+              <a:t>   2.5 </a:t>
+            </a:r>
+            <a:r>
+              <a:rPr lang="fi-FI" altLang="en-FI" dirty="0" err="1">
+                <a:latin typeface="Arial" panose="020B0604020202020204" pitchFamily="34" charset="0"/>
+                <a:ea typeface="Calibri" panose="020F0502020204030204" pitchFamily="34" charset="0"/>
+                <a:cs typeface="Arial" panose="020B0604020202020204" pitchFamily="34" charset="0"/>
+              </a:rPr>
+              <a:t>OpenAL</a:t>
+            </a:r>
+            <a:endParaRPr lang="fi-FI" altLang="en-FI" sz="700" dirty="0"/>
+          </a:p>
+          <a:p>
+            <a:pPr marL="0" lvl="0" indent="0" defTabSz="914400" eaLnBrk="0" fontAlgn="base" hangingPunct="0">
+              <a:lnSpc>
+                <a:spcPct val="170000"/>
+              </a:lnSpc>
+              <a:spcBef>
+                <a:spcPct val="0"/>
+              </a:spcBef>
+              <a:spcAft>
+                <a:spcPct val="0"/>
+              </a:spcAft>
+              <a:buClrTx/>
+              <a:buNone/>
+              <a:tabLst>
+                <a:tab pos="304800" algn="l"/>
+                <a:tab pos="6113463" algn="r"/>
+              </a:tabLst>
+            </a:pPr>
+            <a:r>
+              <a:rPr lang="fi-FI" altLang="en-FI" b="1" dirty="0">
+                <a:latin typeface="Arial" panose="020B0604020202020204" pitchFamily="34" charset="0"/>
+                <a:ea typeface="Calibri" panose="020F0502020204030204" pitchFamily="34" charset="0"/>
+                <a:cs typeface="Arial" panose="020B0604020202020204" pitchFamily="34" charset="0"/>
+              </a:rPr>
+              <a:t>3 SUUNNITTELU</a:t>
+            </a:r>
+            <a:endParaRPr lang="fi-FI" altLang="en-FI" sz="700" dirty="0"/>
+          </a:p>
+          <a:p>
+            <a:pPr marL="0" lvl="0" indent="0" defTabSz="914400" eaLnBrk="0" fontAlgn="base" hangingPunct="0">
+              <a:lnSpc>
+                <a:spcPct val="120000"/>
+              </a:lnSpc>
+              <a:spcBef>
+                <a:spcPct val="0"/>
+              </a:spcBef>
+              <a:spcAft>
+                <a:spcPct val="0"/>
+              </a:spcAft>
+              <a:buClrTx/>
+              <a:buNone/>
+              <a:tabLst>
+                <a:tab pos="304800" algn="l"/>
+                <a:tab pos="6113463" algn="r"/>
+              </a:tabLst>
+            </a:pPr>
+            <a:r>
+              <a:rPr lang="fi-FI" altLang="en-FI" dirty="0">
+                <a:latin typeface="Arial" panose="020B0604020202020204" pitchFamily="34" charset="0"/>
+                <a:ea typeface="Calibri" panose="020F0502020204030204" pitchFamily="34" charset="0"/>
+                <a:cs typeface="Arial" panose="020B0604020202020204" pitchFamily="34" charset="0"/>
+              </a:rPr>
+              <a:t>   3.1 Idean synty</a:t>
+            </a:r>
+            <a:endParaRPr lang="fi-FI" altLang="en-FI" sz="700" dirty="0"/>
+          </a:p>
+          <a:p>
+            <a:pPr marL="0" lvl="0" indent="0" defTabSz="914400" eaLnBrk="0" fontAlgn="base" hangingPunct="0">
+              <a:lnSpc>
+                <a:spcPct val="120000"/>
+              </a:lnSpc>
+              <a:spcBef>
+                <a:spcPct val="0"/>
+              </a:spcBef>
+              <a:spcAft>
+                <a:spcPct val="0"/>
+              </a:spcAft>
+              <a:buClrTx/>
+              <a:buNone/>
+              <a:tabLst>
+                <a:tab pos="304800" algn="l"/>
+                <a:tab pos="6113463" algn="r"/>
+              </a:tabLst>
+            </a:pPr>
+            <a:r>
+              <a:rPr lang="fi-FI" altLang="en-FI" dirty="0">
+                <a:latin typeface="Arial" panose="020B0604020202020204" pitchFamily="34" charset="0"/>
+                <a:ea typeface="Calibri" panose="020F0502020204030204" pitchFamily="34" charset="0"/>
+                <a:cs typeface="Arial" panose="020B0604020202020204" pitchFamily="34" charset="0"/>
+              </a:rPr>
+              <a:t>   3.2 Pelin eri tilat</a:t>
+            </a:r>
+            <a:endParaRPr lang="fi-FI" altLang="en-FI" sz="700" dirty="0"/>
+          </a:p>
+          <a:p>
+            <a:pPr marL="0" lvl="0" indent="0" defTabSz="914400" eaLnBrk="0" fontAlgn="base" hangingPunct="0">
+              <a:lnSpc>
+                <a:spcPct val="120000"/>
+              </a:lnSpc>
+              <a:spcBef>
+                <a:spcPct val="0"/>
+              </a:spcBef>
+              <a:spcAft>
+                <a:spcPct val="0"/>
+              </a:spcAft>
+              <a:buClrTx/>
+              <a:buNone/>
+              <a:tabLst>
+                <a:tab pos="304800" algn="l"/>
+                <a:tab pos="6113463" algn="r"/>
+              </a:tabLst>
+            </a:pPr>
+            <a:r>
+              <a:rPr lang="fi-FI" altLang="en-FI" dirty="0">
+                <a:latin typeface="Arial" panose="020B0604020202020204" pitchFamily="34" charset="0"/>
+                <a:ea typeface="Calibri" panose="020F0502020204030204" pitchFamily="34" charset="0"/>
+                <a:cs typeface="Arial" panose="020B0604020202020204" pitchFamily="34" charset="0"/>
+              </a:rPr>
+              <a:t>      3.2.1 Kenttä</a:t>
+            </a:r>
+            <a:endParaRPr lang="fi-FI" altLang="en-FI" sz="700" dirty="0"/>
+          </a:p>
+          <a:p>
+            <a:pPr marL="0" lvl="0" indent="0" defTabSz="914400" eaLnBrk="0" fontAlgn="base" hangingPunct="0">
+              <a:lnSpc>
+                <a:spcPct val="120000"/>
+              </a:lnSpc>
+              <a:spcBef>
+                <a:spcPct val="0"/>
+              </a:spcBef>
+              <a:spcAft>
+                <a:spcPct val="0"/>
+              </a:spcAft>
+              <a:buClrTx/>
+              <a:buNone/>
+              <a:tabLst>
+                <a:tab pos="304800" algn="l"/>
+                <a:tab pos="6113463" algn="r"/>
+              </a:tabLst>
+            </a:pPr>
+            <a:r>
+              <a:rPr lang="fi-FI" altLang="en-FI" dirty="0">
+                <a:latin typeface="Arial" panose="020B0604020202020204" pitchFamily="34" charset="0"/>
+                <a:ea typeface="Calibri" panose="020F0502020204030204" pitchFamily="34" charset="0"/>
+                <a:cs typeface="Arial" panose="020B0604020202020204" pitchFamily="34" charset="0"/>
+              </a:rPr>
+              <a:t>      3.2.2 Taistelu</a:t>
+            </a:r>
+            <a:endParaRPr lang="fi-FI" altLang="en-FI" sz="700" dirty="0"/>
+          </a:p>
+          <a:p>
+            <a:pPr marL="0" lvl="0" indent="0" defTabSz="914400" eaLnBrk="0" fontAlgn="base" hangingPunct="0">
+              <a:lnSpc>
+                <a:spcPct val="120000"/>
+              </a:lnSpc>
+              <a:spcBef>
+                <a:spcPct val="0"/>
+              </a:spcBef>
+              <a:spcAft>
+                <a:spcPct val="0"/>
+              </a:spcAft>
+              <a:buClrTx/>
+              <a:buNone/>
+              <a:tabLst>
+                <a:tab pos="304800" algn="l"/>
+                <a:tab pos="6113463" algn="r"/>
+              </a:tabLst>
+            </a:pPr>
+            <a:r>
+              <a:rPr lang="fi-FI" altLang="en-FI" dirty="0">
+                <a:latin typeface="Arial" panose="020B0604020202020204" pitchFamily="34" charset="0"/>
+                <a:ea typeface="Calibri" panose="020F0502020204030204" pitchFamily="34" charset="0"/>
+                <a:cs typeface="Arial" panose="020B0604020202020204" pitchFamily="34" charset="0"/>
+              </a:rPr>
+              <a:t>      3.2.3 Valikko</a:t>
+            </a:r>
+            <a:endParaRPr lang="fi-FI" altLang="en-FI" sz="700" dirty="0"/>
+          </a:p>
+          <a:p>
+            <a:pPr marL="0" lvl="0" indent="0" defTabSz="914400" eaLnBrk="0" fontAlgn="base" hangingPunct="0">
+              <a:lnSpc>
+                <a:spcPct val="120000"/>
+              </a:lnSpc>
+              <a:spcBef>
+                <a:spcPct val="0"/>
+              </a:spcBef>
+              <a:spcAft>
+                <a:spcPct val="0"/>
+              </a:spcAft>
+              <a:buClrTx/>
+              <a:buNone/>
+              <a:tabLst>
+                <a:tab pos="304800" algn="l"/>
+                <a:tab pos="6113463" algn="r"/>
+              </a:tabLst>
+            </a:pPr>
+            <a:r>
+              <a:rPr lang="fi-FI" altLang="en-FI" dirty="0">
+                <a:latin typeface="Arial" panose="020B0604020202020204" pitchFamily="34" charset="0"/>
+                <a:ea typeface="Calibri" panose="020F0502020204030204" pitchFamily="34" charset="0"/>
+                <a:cs typeface="Arial" panose="020B0604020202020204" pitchFamily="34" charset="0"/>
+              </a:rPr>
+              <a:t>   3.3 Pelin kentät</a:t>
+            </a:r>
+            <a:endParaRPr lang="fi-FI" altLang="en-FI" sz="700" dirty="0"/>
+          </a:p>
+          <a:p>
+            <a:endParaRPr lang="en-FI" dirty="0"/>
           </a:p>
         </p:txBody>
       </p:sp>
@@ -3731,6 +4026,98 @@
           <a:bodyPr/>
           <a:lstStyle/>
           <a:p>
+            <a:r>
+              <a:rPr lang="fi-FI" dirty="0"/>
+              <a:t>OpenGL 4 </a:t>
+            </a:r>
+            <a:r>
+              <a:rPr lang="fi-FI" dirty="0" err="1"/>
+              <a:t>Shading</a:t>
+            </a:r>
+            <a:r>
+              <a:rPr lang="fi-FI" dirty="0"/>
+              <a:t> Language </a:t>
+            </a:r>
+            <a:r>
+              <a:rPr lang="fi-FI" dirty="0" err="1"/>
+              <a:t>Cookbook</a:t>
+            </a:r>
+            <a:r>
+              <a:rPr lang="fi-FI" dirty="0"/>
+              <a:t> Second Edition. David </a:t>
+            </a:r>
+            <a:r>
+              <a:rPr lang="fi-FI" dirty="0" err="1"/>
+              <a:t>Wolff</a:t>
+            </a:r>
+            <a:r>
+              <a:rPr lang="fi-FI" dirty="0"/>
+              <a:t> 2013</a:t>
+            </a:r>
+          </a:p>
+          <a:p>
+            <a:r>
+              <a:rPr lang="fi-FI" dirty="0" err="1"/>
+              <a:t>Game</a:t>
+            </a:r>
+            <a:r>
+              <a:rPr lang="fi-FI" dirty="0"/>
+              <a:t> Engine Architecture, Third Edition. Jason </a:t>
+            </a:r>
+            <a:r>
+              <a:rPr lang="fi-FI" dirty="0" err="1"/>
+              <a:t>Gregory</a:t>
+            </a:r>
+            <a:r>
+              <a:rPr lang="fi-FI" dirty="0"/>
+              <a:t> 2018</a:t>
+            </a:r>
+          </a:p>
+          <a:p>
+            <a:r>
+              <a:rPr lang="fi-FI" dirty="0" err="1"/>
+              <a:t>Learn</a:t>
+            </a:r>
+            <a:r>
+              <a:rPr lang="fi-FI" dirty="0"/>
+              <a:t> OpenGL. </a:t>
+            </a:r>
+            <a:r>
+              <a:rPr lang="fi-FI" dirty="0" err="1"/>
+              <a:t>Joey</a:t>
+            </a:r>
+            <a:r>
+              <a:rPr lang="fi-FI" dirty="0"/>
+              <a:t> de </a:t>
+            </a:r>
+            <a:r>
+              <a:rPr lang="fi-FI" dirty="0" err="1"/>
+              <a:t>Vries</a:t>
+            </a:r>
+            <a:r>
+              <a:rPr lang="fi-FI" dirty="0"/>
+              <a:t> 2017</a:t>
+            </a:r>
+          </a:p>
+          <a:p>
+            <a:r>
+              <a:rPr lang="fi-FI" dirty="0"/>
+              <a:t>OpenGL-</a:t>
+            </a:r>
+            <a:r>
+              <a:rPr lang="fi-FI" dirty="0" err="1"/>
+              <a:t>tutorial</a:t>
+            </a:r>
+            <a:r>
+              <a:rPr lang="fi-FI" dirty="0"/>
+              <a:t> www-sivusto. </a:t>
+            </a:r>
+            <a:r>
+              <a:rPr lang="fi-FI" dirty="0">
+                <a:hlinkClick r:id="rId2"/>
+              </a:rPr>
+              <a:t>http://www.opengl-tutorial.org/</a:t>
+            </a:r>
             <a:endParaRPr lang="fi-FI" dirty="0"/>
           </a:p>
         </p:txBody>
@@ -3765,340 +4152,10 @@
           <a:chExt cx="0" cy="0"/>
         </a:xfrm>
       </p:grpSpPr>
-      <p:sp>
-        <p:nvSpPr>
-          <p:cNvPr id="2" name="Otsikko 1"/>
-          <p:cNvSpPr>
-            <a:spLocks noGrp="1"/>
-          </p:cNvSpPr>
-          <p:nvPr>
-            <p:ph type="title"/>
-          </p:nvPr>
-        </p:nvSpPr>
-        <p:spPr/>
-        <p:txBody>
-          <a:bodyPr/>
-          <a:lstStyle/>
-          <a:p>
-            <a:r>
-              <a:rPr lang="fi-FI" dirty="0"/>
-              <a:t>Otsikko </a:t>
-            </a:r>
-            <a:r>
-              <a:rPr lang="fi-FI" dirty="0" err="1"/>
-              <a:t>Arial</a:t>
-            </a:r>
-            <a:r>
-              <a:rPr lang="fi-FI" dirty="0"/>
-              <a:t> </a:t>
-            </a:r>
-            <a:r>
-              <a:rPr lang="fi-FI" dirty="0" err="1"/>
-              <a:t>Bold</a:t>
-            </a:r>
-            <a:r>
-              <a:rPr lang="fi-FI" dirty="0"/>
-              <a:t> 32 </a:t>
-            </a:r>
-            <a:r>
-              <a:rPr lang="fi-FI" dirty="0" err="1"/>
-              <a:t>pt</a:t>
-            </a:r>
-            <a:endParaRPr lang="fi-FI" dirty="0"/>
-          </a:p>
-        </p:txBody>
-      </p:sp>
-      <p:sp>
-        <p:nvSpPr>
-          <p:cNvPr id="3" name="Sisällön paikkamerkki 2"/>
-          <p:cNvSpPr>
-            <a:spLocks noGrp="1"/>
-          </p:cNvSpPr>
-          <p:nvPr>
-            <p:ph idx="1"/>
-          </p:nvPr>
-        </p:nvSpPr>
-        <p:spPr/>
-        <p:txBody>
-          <a:bodyPr/>
-          <a:lstStyle/>
-          <a:p>
-            <a:r>
-              <a:rPr lang="fi-FI" dirty="0"/>
-              <a:t>Teksti </a:t>
-            </a:r>
-            <a:r>
-              <a:rPr lang="fi-FI" dirty="0" err="1"/>
-              <a:t>Arial</a:t>
-            </a:r>
-            <a:r>
-              <a:rPr lang="fi-FI" dirty="0"/>
-              <a:t> </a:t>
-            </a:r>
-            <a:r>
-              <a:rPr lang="fi-FI" dirty="0" err="1"/>
-              <a:t>regular</a:t>
-            </a:r>
-            <a:r>
-              <a:rPr lang="fi-FI" dirty="0"/>
-              <a:t> 18 </a:t>
-            </a:r>
-            <a:r>
-              <a:rPr lang="fi-FI" dirty="0" err="1"/>
-              <a:t>pt</a:t>
-            </a:r>
-            <a:endParaRPr lang="fi-FI" dirty="0"/>
-          </a:p>
-        </p:txBody>
-      </p:sp>
     </p:spTree>
     <p:extLst>
       <p:ext uri="{BB962C8B-B14F-4D97-AF65-F5344CB8AC3E}">
-        <p14:creationId xmlns:p14="http://schemas.microsoft.com/office/powerpoint/2010/main" val="23270589"/>
-      </p:ext>
-    </p:extLst>
-  </p:cSld>
-  <p:clrMapOvr>
-    <a:masterClrMapping/>
-  </p:clrMapOvr>
-</p:sld>
-</file>
-
-<file path=ppt/slides/slide8.xml><?xml version="1.0" encoding="utf-8"?>
-<p:sld xmlns:a="http://schemas.openxmlformats.org/drawingml/2006/main" xmlns:r="http://schemas.openxmlformats.org/officeDocument/2006/relationships" xmlns:p="http://schemas.openxmlformats.org/presentationml/2006/main">
-  <p:cSld>
-    <p:spTree>
-      <p:nvGrpSpPr>
-        <p:cNvPr id="1" name=""/>
-        <p:cNvGrpSpPr/>
-        <p:nvPr/>
-      </p:nvGrpSpPr>
-      <p:grpSpPr>
-        <a:xfrm>
-          <a:off x="0" y="0"/>
-          <a:ext cx="0" cy="0"/>
-          <a:chOff x="0" y="0"/>
-          <a:chExt cx="0" cy="0"/>
-        </a:xfrm>
-      </p:grpSpPr>
-      <p:sp>
-        <p:nvSpPr>
-          <p:cNvPr id="2" name="Otsikko 1"/>
-          <p:cNvSpPr>
-            <a:spLocks noGrp="1"/>
-          </p:cNvSpPr>
-          <p:nvPr>
-            <p:ph type="title"/>
-          </p:nvPr>
-        </p:nvSpPr>
-        <p:spPr/>
-        <p:txBody>
-          <a:bodyPr/>
-          <a:lstStyle/>
-          <a:p>
-            <a:r>
-              <a:rPr lang="fi-FI" dirty="0"/>
-              <a:t>Otsikko </a:t>
-            </a:r>
-            <a:r>
-              <a:rPr lang="fi-FI" dirty="0" err="1"/>
-              <a:t>Arial</a:t>
-            </a:r>
-            <a:r>
-              <a:rPr lang="fi-FI" dirty="0"/>
-              <a:t> </a:t>
-            </a:r>
-            <a:r>
-              <a:rPr lang="fi-FI" dirty="0" err="1"/>
-              <a:t>Bold</a:t>
-            </a:r>
-            <a:r>
-              <a:rPr lang="fi-FI" dirty="0"/>
-              <a:t> 32 </a:t>
-            </a:r>
-            <a:r>
-              <a:rPr lang="fi-FI" dirty="0" err="1"/>
-              <a:t>pt</a:t>
-            </a:r>
-            <a:endParaRPr lang="fi-FI" dirty="0"/>
-          </a:p>
-        </p:txBody>
-      </p:sp>
-      <p:sp>
-        <p:nvSpPr>
-          <p:cNvPr id="3" name="Sisällön paikkamerkki 2"/>
-          <p:cNvSpPr>
-            <a:spLocks noGrp="1"/>
-          </p:cNvSpPr>
-          <p:nvPr>
-            <p:ph sz="half" idx="1"/>
-          </p:nvPr>
-        </p:nvSpPr>
-        <p:spPr/>
-        <p:txBody>
-          <a:bodyPr/>
-          <a:lstStyle/>
-          <a:p>
-            <a:r>
-              <a:rPr lang="fi-FI" dirty="0"/>
-              <a:t>Teksti </a:t>
-            </a:r>
-            <a:r>
-              <a:rPr lang="fi-FI" dirty="0" err="1"/>
-              <a:t>Arial</a:t>
-            </a:r>
-            <a:r>
-              <a:rPr lang="fi-FI" dirty="0"/>
-              <a:t> </a:t>
-            </a:r>
-            <a:r>
-              <a:rPr lang="fi-FI" dirty="0" err="1"/>
-              <a:t>regular</a:t>
-            </a:r>
-            <a:r>
-              <a:rPr lang="fi-FI" dirty="0"/>
-              <a:t> 18 </a:t>
-            </a:r>
-            <a:r>
-              <a:rPr lang="fi-FI" dirty="0" err="1"/>
-              <a:t>pt</a:t>
-            </a:r>
-            <a:endParaRPr lang="fi-FI" dirty="0"/>
-          </a:p>
-        </p:txBody>
-      </p:sp>
-      <p:sp>
-        <p:nvSpPr>
-          <p:cNvPr id="4" name="Sisällön paikkamerkki 3"/>
-          <p:cNvSpPr>
-            <a:spLocks noGrp="1"/>
-          </p:cNvSpPr>
-          <p:nvPr>
-            <p:ph sz="half" idx="2"/>
-          </p:nvPr>
-        </p:nvSpPr>
-        <p:spPr/>
-        <p:txBody>
-          <a:bodyPr/>
-          <a:lstStyle/>
-          <a:p>
-            <a:r>
-              <a:rPr lang="fi-FI" dirty="0"/>
-              <a:t>Teksti </a:t>
-            </a:r>
-            <a:r>
-              <a:rPr lang="fi-FI" dirty="0" err="1"/>
-              <a:t>Arial</a:t>
-            </a:r>
-            <a:r>
-              <a:rPr lang="fi-FI" dirty="0"/>
-              <a:t> </a:t>
-            </a:r>
-            <a:r>
-              <a:rPr lang="fi-FI" dirty="0" err="1"/>
-              <a:t>regular</a:t>
-            </a:r>
-            <a:r>
-              <a:rPr lang="fi-FI" dirty="0"/>
-              <a:t> 18 </a:t>
-            </a:r>
-            <a:r>
-              <a:rPr lang="fi-FI" dirty="0" err="1"/>
-              <a:t>pt</a:t>
-            </a:r>
-            <a:endParaRPr lang="fi-FI" dirty="0"/>
-          </a:p>
-        </p:txBody>
-      </p:sp>
-    </p:spTree>
-    <p:extLst>
-      <p:ext uri="{BB962C8B-B14F-4D97-AF65-F5344CB8AC3E}">
-        <p14:creationId xmlns:p14="http://schemas.microsoft.com/office/powerpoint/2010/main" val="2577125771"/>
-      </p:ext>
-    </p:extLst>
-  </p:cSld>
-  <p:clrMapOvr>
-    <a:masterClrMapping/>
-  </p:clrMapOvr>
-</p:sld>
-</file>
-
-<file path=ppt/slides/slide9.xml><?xml version="1.0" encoding="utf-8"?>
-<p:sld xmlns:a="http://schemas.openxmlformats.org/drawingml/2006/main" xmlns:r="http://schemas.openxmlformats.org/officeDocument/2006/relationships" xmlns:p="http://schemas.openxmlformats.org/presentationml/2006/main">
-  <p:cSld>
-    <p:spTree>
-      <p:nvGrpSpPr>
-        <p:cNvPr id="1" name=""/>
-        <p:cNvGrpSpPr/>
-        <p:nvPr/>
-      </p:nvGrpSpPr>
-      <p:grpSpPr>
-        <a:xfrm>
-          <a:off x="0" y="0"/>
-          <a:ext cx="0" cy="0"/>
-          <a:chOff x="0" y="0"/>
-          <a:chExt cx="0" cy="0"/>
-        </a:xfrm>
-      </p:grpSpPr>
-      <p:sp>
-        <p:nvSpPr>
-          <p:cNvPr id="2" name="Kuvan paikkamerkki 1"/>
-          <p:cNvSpPr>
-            <a:spLocks noGrp="1"/>
-          </p:cNvSpPr>
-          <p:nvPr>
-            <p:ph type="pic" sz="quarter" idx="10"/>
-          </p:nvPr>
-        </p:nvSpPr>
-        <p:spPr/>
-      </p:sp>
-      <p:sp>
-        <p:nvSpPr>
-          <p:cNvPr id="3" name="Otsikko 2"/>
-          <p:cNvSpPr>
-            <a:spLocks noGrp="1"/>
-          </p:cNvSpPr>
-          <p:nvPr>
-            <p:ph type="title"/>
-          </p:nvPr>
-        </p:nvSpPr>
-        <p:spPr/>
-        <p:txBody>
-          <a:bodyPr/>
-          <a:lstStyle/>
-          <a:p>
-            <a:r>
-              <a:rPr lang="fi-FI" dirty="0"/>
-              <a:t>Otsikko </a:t>
-            </a:r>
-            <a:r>
-              <a:rPr lang="fi-FI" dirty="0" err="1"/>
-              <a:t>Arial</a:t>
-            </a:r>
-            <a:r>
-              <a:rPr lang="fi-FI" dirty="0"/>
-              <a:t> </a:t>
-            </a:r>
-            <a:r>
-              <a:rPr lang="fi-FI" dirty="0" err="1"/>
-              <a:t>Bold</a:t>
-            </a:r>
-            <a:r>
-              <a:rPr lang="fi-FI" dirty="0"/>
-              <a:t> 32 </a:t>
-            </a:r>
-            <a:r>
-              <a:rPr lang="fi-FI" dirty="0" err="1"/>
-              <a:t>pt</a:t>
-            </a:r>
-            <a:endParaRPr lang="fi-FI" dirty="0"/>
-          </a:p>
-        </p:txBody>
-      </p:sp>
-    </p:spTree>
-    <p:extLst>
-      <p:ext uri="{BB962C8B-B14F-4D97-AF65-F5344CB8AC3E}">
-        <p14:creationId xmlns:p14="http://schemas.microsoft.com/office/powerpoint/2010/main" val="784671822"/>
+        <p14:creationId xmlns:p14="http://schemas.microsoft.com/office/powerpoint/2010/main" val="1578200342"/>
       </p:ext>
     </p:extLst>
   </p:cSld>
@@ -4438,16 +4495,6 @@
 </file>
 
 <file path=customXml/item2.xml><?xml version="1.0" encoding="utf-8"?>
-<p:properties xmlns:p="http://schemas.microsoft.com/office/2006/metadata/properties" xmlns:xsi="http://www.w3.org/2001/XMLSchema-instance" xmlns:pc="http://schemas.microsoft.com/office/infopath/2007/PartnerControls">
-  <documentManagement>
-    <a07c3fd0247140d68b99fdbcf50c8190 xmlns="25e7f6bf-72c1-4870-aa83-3dac08eebaf4">
-      <Terms xmlns="http://schemas.microsoft.com/office/infopath/2007/PartnerControls"/>
-    </a07c3fd0247140d68b99fdbcf50c8190>
-  </documentManagement>
-</p:properties>
-</file>
-
-<file path=customXml/item3.xml><?xml version="1.0" encoding="utf-8"?>
 <ct:contentTypeSchema xmlns:ct="http://schemas.microsoft.com/office/2006/metadata/contentType" xmlns:ma="http://schemas.microsoft.com/office/2006/metadata/properties/metaAttributes" ct:_="" ma:_="" ma:contentTypeName="Opiskelijan dokumentti" ma:contentTypeID="0x01010037B05E0131324A0B8546E2B74A3551720066715E58BB154D46B523EFBA37C1155F" ma:contentTypeVersion="18" ma:contentTypeDescription="Luo uusi asiakirja." ma:contentTypeScope="" ma:versionID="01d3a2b9ce251a60336541a44c862101">
   <xsd:schema xmlns:xsd="http://www.w3.org/2001/XMLSchema" xmlns:xs="http://www.w3.org/2001/XMLSchema" xmlns:p="http://schemas.microsoft.com/office/2006/metadata/properties" xmlns:ns3="25e7f6bf-72c1-4870-aa83-3dac08eebaf4" targetNamespace="http://schemas.microsoft.com/office/2006/metadata/properties" ma:root="true" ma:fieldsID="2c4f371124eba3358195a1be8cff0d5f" ns3:_="">
     <xsd:import namespace="25e7f6bf-72c1-4870-aa83-3dac08eebaf4"/>
@@ -4575,6 +4622,16 @@
 </ct:contentTypeSchema>
 </file>
 
+<file path=customXml/item3.xml><?xml version="1.0" encoding="utf-8"?>
+<p:properties xmlns:p="http://schemas.microsoft.com/office/2006/metadata/properties" xmlns:xsi="http://www.w3.org/2001/XMLSchema-instance" xmlns:pc="http://schemas.microsoft.com/office/infopath/2007/PartnerControls">
+  <documentManagement>
+    <a07c3fd0247140d68b99fdbcf50c8190 xmlns="25e7f6bf-72c1-4870-aa83-3dac08eebaf4">
+      <Terms xmlns="http://schemas.microsoft.com/office/infopath/2007/PartnerControls"/>
+    </a07c3fd0247140d68b99fdbcf50c8190>
+  </documentManagement>
+</p:properties>
+</file>
+
 <file path=customXml/itemProps1.xml><?xml version="1.0" encoding="utf-8"?>
 <ds:datastoreItem xmlns:ds="http://schemas.openxmlformats.org/officeDocument/2006/customXml" ds:itemID="{E4F4751A-FFB1-49A1-895C-66005EA66C56}">
   <ds:schemaRefs>
@@ -4584,16 +4641,6 @@
 </file>
 
 <file path=customXml/itemProps2.xml><?xml version="1.0" encoding="utf-8"?>
-<ds:datastoreItem xmlns:ds="http://schemas.openxmlformats.org/officeDocument/2006/customXml" ds:itemID="{73A9BBC0-0279-4D7C-AB77-BCE83234F2CC}">
-  <ds:schemaRefs>
-    <ds:schemaRef ds:uri="http://schemas.microsoft.com/office/2006/metadata/properties"/>
-    <ds:schemaRef ds:uri="http://schemas.microsoft.com/office/infopath/2007/PartnerControls"/>
-    <ds:schemaRef ds:uri="25e7f6bf-72c1-4870-aa83-3dac08eebaf4"/>
-  </ds:schemaRefs>
-</ds:datastoreItem>
-</file>
-
-<file path=customXml/itemProps3.xml><?xml version="1.0" encoding="utf-8"?>
 <ds:datastoreItem xmlns:ds="http://schemas.openxmlformats.org/officeDocument/2006/customXml" ds:itemID="{2E029B85-A6FD-48C0-BB02-8834B6636E8B}">
   <ds:schemaRefs>
     <ds:schemaRef ds:uri="http://schemas.microsoft.com/office/2006/metadata/contentType"/>
@@ -4609,4 +4656,14 @@
     <ds:schemaRef ds:uri="http://schemas.microsoft.com/internal/obd"/>
   </ds:schemaRefs>
 </ds:datastoreItem>
+</file>
+
+<file path=customXml/itemProps3.xml><?xml version="1.0" encoding="utf-8"?>
+<ds:datastoreItem xmlns:ds="http://schemas.openxmlformats.org/officeDocument/2006/customXml" ds:itemID="{73A9BBC0-0279-4D7C-AB77-BCE83234F2CC}">
+  <ds:schemaRefs>
+    <ds:schemaRef ds:uri="http://schemas.microsoft.com/office/2006/metadata/properties"/>
+    <ds:schemaRef ds:uri="http://schemas.microsoft.com/office/infopath/2007/PartnerControls"/>
+    <ds:schemaRef ds:uri="25e7f6bf-72c1-4870-aa83-3dac08eebaf4"/>
+  </ds:schemaRefs>
+</ds:datastoreItem>
 </file>
--- a/Presentation/GLJRPGSeminaariXAMK.pptx
+++ b/Presentation/GLJRPGSeminaariXAMK.pptx
@@ -3301,7 +3301,7 @@
         <p:spPr/>
         <p:txBody>
           <a:bodyPr>
-            <a:normAutofit fontScale="77500" lnSpcReduction="20000"/>
+            <a:normAutofit fontScale="62500" lnSpcReduction="20000"/>
           </a:bodyPr>
           <a:lstStyle/>
           <a:p>
@@ -3551,7 +3551,7 @@
         <p:spPr/>
         <p:txBody>
           <a:bodyPr>
-            <a:normAutofit fontScale="77500" lnSpcReduction="20000"/>
+            <a:normAutofit fontScale="62500" lnSpcReduction="20000"/>
           </a:bodyPr>
           <a:lstStyle/>
           <a:p>
@@ -3634,9 +3634,17 @@
                 <a:ea typeface="Calibri" panose="020F0502020204030204" pitchFamily="34" charset="0"/>
                 <a:cs typeface="Arial" panose="020B0604020202020204" pitchFamily="34" charset="0"/>
               </a:rPr>
-              <a:t>   2.1 Menetelmistä yleisesti</a:t>
-            </a:r>
-            <a:endParaRPr lang="fi-FI" altLang="en-FI" sz="700" dirty="0"/>
+              <a:t>   </a:t>
+            </a:r>
+            <a:r>
+              <a:rPr lang="fi-FI" altLang="en-FI" sz="1900" dirty="0">
+                <a:latin typeface="Arial" panose="020B0604020202020204" pitchFamily="34" charset="0"/>
+                <a:ea typeface="Calibri" panose="020F0502020204030204" pitchFamily="34" charset="0"/>
+                <a:cs typeface="Arial" panose="020B0604020202020204" pitchFamily="34" charset="0"/>
+              </a:rPr>
+              <a:t>2.1 OpenGL</a:t>
+            </a:r>
+            <a:endParaRPr lang="fi-FI" altLang="en-FI" sz="1900" dirty="0"/>
           </a:p>
           <a:p>
             <a:pPr marL="0" lvl="0" indent="0" defTabSz="914400" eaLnBrk="0" fontAlgn="base" hangingPunct="0">
@@ -3657,14 +3665,14 @@
               </a:tabLst>
             </a:pPr>
             <a:r>
-              <a:rPr lang="fi-FI" altLang="en-FI" dirty="0">
+              <a:rPr lang="fi-FI" altLang="en-FI" sz="1900" dirty="0">
                 <a:latin typeface="Arial" panose="020B0604020202020204" pitchFamily="34" charset="0"/>
                 <a:ea typeface="Calibri" panose="020F0502020204030204" pitchFamily="34" charset="0"/>
                 <a:cs typeface="Arial" panose="020B0604020202020204" pitchFamily="34" charset="0"/>
               </a:rPr>
-              <a:t>   2.2 OpenGL</a:t>
-            </a:r>
-            <a:endParaRPr lang="fi-FI" altLang="en-FI" sz="700" dirty="0"/>
+              <a:t>   2.2 GLFW</a:t>
+            </a:r>
+            <a:endParaRPr lang="fi-FI" altLang="en-FI" sz="1900" dirty="0"/>
           </a:p>
           <a:p>
             <a:pPr marL="0" lvl="0" indent="0" defTabSz="914400" eaLnBrk="0" fontAlgn="base" hangingPunct="0">
@@ -3685,17 +3693,16 @@
               </a:tabLst>
             </a:pPr>
             <a:r>
-              <a:rPr lang="fi-FI" altLang="en-FI" dirty="0">
+              <a:rPr lang="fi-FI" altLang="en-FI" sz="1900" dirty="0">
                 <a:latin typeface="Arial" panose="020B0604020202020204" pitchFamily="34" charset="0"/>
                 <a:ea typeface="Calibri" panose="020F0502020204030204" pitchFamily="34" charset="0"/>
                 <a:cs typeface="Arial" panose="020B0604020202020204" pitchFamily="34" charset="0"/>
               </a:rPr>
-              <a:t>   2.3 GLFW</a:t>
-            </a:r>
-            <a:endParaRPr lang="fi-FI" altLang="en-FI" sz="700" dirty="0"/>
-          </a:p>
-          <a:p>
-            <a:pPr marL="0" lvl="0" indent="0" defTabSz="914400" eaLnBrk="0" fontAlgn="base" hangingPunct="0">
+              <a:t>   2.3 GLAD</a:t>
+            </a:r>
+          </a:p>
+          <a:p>
+            <a:pPr marL="0" indent="0" defTabSz="914400" eaLnBrk="0" fontAlgn="base" hangingPunct="0">
               <a:lnSpc>
                 <a:spcPct val="120000"/>
               </a:lnSpc>
@@ -3713,14 +3720,17 @@
               </a:tabLst>
             </a:pPr>
             <a:r>
-              <a:rPr lang="fi-FI" altLang="en-FI" dirty="0">
+              <a:rPr lang="fi-FI" altLang="en-FI" sz="1900" dirty="0">
                 <a:latin typeface="Arial" panose="020B0604020202020204" pitchFamily="34" charset="0"/>
-                <a:ea typeface="Calibri" panose="020F0502020204030204" pitchFamily="34" charset="0"/>
                 <a:cs typeface="Arial" panose="020B0604020202020204" pitchFamily="34" charset="0"/>
               </a:rPr>
-              <a:t>   2.4 GLAD</a:t>
-            </a:r>
-            <a:endParaRPr lang="fi-FI" altLang="en-FI" sz="700" dirty="0"/>
+              <a:t>   2.4 GLSL</a:t>
+            </a:r>
+            <a:endParaRPr lang="fi-FI" altLang="en-FI" sz="1900" dirty="0">
+              <a:latin typeface="Arial" panose="020B0604020202020204" pitchFamily="34" charset="0"/>
+              <a:ea typeface="Calibri" panose="020F0502020204030204" pitchFamily="34" charset="0"/>
+              <a:cs typeface="Arial" panose="020B0604020202020204" pitchFamily="34" charset="0"/>
+            </a:endParaRPr>
           </a:p>
           <a:p>
             <a:pPr marL="0" lvl="0" indent="0" defTabSz="914400" eaLnBrk="0" fontAlgn="base" hangingPunct="0">
@@ -3741,21 +3751,147 @@
               </a:tabLst>
             </a:pPr>
             <a:r>
-              <a:rPr lang="fi-FI" altLang="en-FI" dirty="0">
+              <a:rPr lang="fi-FI" altLang="en-FI" sz="1900" dirty="0">
+                <a:latin typeface="Arial" panose="020B0604020202020204" pitchFamily="34" charset="0"/>
+                <a:cs typeface="Arial" panose="020B0604020202020204" pitchFamily="34" charset="0"/>
+              </a:rPr>
+              <a:t>   2.5 GLM</a:t>
+            </a:r>
+            <a:endParaRPr lang="fi-FI" altLang="en-FI" sz="1900" dirty="0"/>
+          </a:p>
+          <a:p>
+            <a:pPr marL="0" lvl="0" indent="0" defTabSz="914400" eaLnBrk="0" fontAlgn="base" hangingPunct="0">
+              <a:lnSpc>
+                <a:spcPct val="120000"/>
+              </a:lnSpc>
+              <a:spcBef>
+                <a:spcPct val="0"/>
+              </a:spcBef>
+              <a:spcAft>
+                <a:spcPct val="0"/>
+              </a:spcAft>
+              <a:buClrTx/>
+              <a:buNone/>
+              <a:tabLst>
+                <a:tab pos="304800" algn="l"/>
+                <a:tab pos="6113463" algn="r"/>
+              </a:tabLst>
+            </a:pPr>
+            <a:r>
+              <a:rPr lang="fi-FI" altLang="en-FI" sz="1900" dirty="0">
                 <a:latin typeface="Arial" panose="020B0604020202020204" pitchFamily="34" charset="0"/>
                 <a:ea typeface="Calibri" panose="020F0502020204030204" pitchFamily="34" charset="0"/>
                 <a:cs typeface="Arial" panose="020B0604020202020204" pitchFamily="34" charset="0"/>
               </a:rPr>
-              <a:t>   2.5 </a:t>
-            </a:r>
-            <a:r>
-              <a:rPr lang="fi-FI" altLang="en-FI" dirty="0" err="1">
+              <a:t>   2.6 </a:t>
+            </a:r>
+            <a:r>
+              <a:rPr lang="fi-FI" altLang="en-FI" sz="1900" dirty="0" err="1">
                 <a:latin typeface="Arial" panose="020B0604020202020204" pitchFamily="34" charset="0"/>
                 <a:ea typeface="Calibri" panose="020F0502020204030204" pitchFamily="34" charset="0"/>
                 <a:cs typeface="Arial" panose="020B0604020202020204" pitchFamily="34" charset="0"/>
               </a:rPr>
               <a:t>OpenAL</a:t>
             </a:r>
+            <a:endParaRPr lang="fi-FI" altLang="en-FI" sz="1900" dirty="0">
+              <a:latin typeface="Arial" panose="020B0604020202020204" pitchFamily="34" charset="0"/>
+              <a:ea typeface="Calibri" panose="020F0502020204030204" pitchFamily="34" charset="0"/>
+              <a:cs typeface="Arial" panose="020B0604020202020204" pitchFamily="34" charset="0"/>
+            </a:endParaRPr>
+          </a:p>
+          <a:p>
+            <a:pPr marL="0" lvl="0" indent="0" defTabSz="914400" eaLnBrk="0" fontAlgn="base" hangingPunct="0">
+              <a:lnSpc>
+                <a:spcPct val="120000"/>
+              </a:lnSpc>
+              <a:spcBef>
+                <a:spcPct val="0"/>
+              </a:spcBef>
+              <a:spcAft>
+                <a:spcPct val="0"/>
+              </a:spcAft>
+              <a:buClrTx/>
+              <a:buNone/>
+              <a:tabLst>
+                <a:tab pos="304800" algn="l"/>
+                <a:tab pos="6113463" algn="r"/>
+              </a:tabLst>
+            </a:pPr>
+            <a:r>
+              <a:rPr lang="fi-FI" altLang="en-FI" sz="1900" dirty="0">
+                <a:latin typeface="Arial" panose="020B0604020202020204" pitchFamily="34" charset="0"/>
+                <a:ea typeface="Calibri" panose="020F0502020204030204" pitchFamily="34" charset="0"/>
+                <a:cs typeface="Arial" panose="020B0604020202020204" pitchFamily="34" charset="0"/>
+              </a:rPr>
+              <a:t>   2.7 </a:t>
+            </a:r>
+            <a:r>
+              <a:rPr lang="fi-FI" altLang="en-FI" sz="1900" dirty="0" err="1">
+                <a:latin typeface="Arial" panose="020B0604020202020204" pitchFamily="34" charset="0"/>
+                <a:ea typeface="Calibri" panose="020F0502020204030204" pitchFamily="34" charset="0"/>
+                <a:cs typeface="Arial" panose="020B0604020202020204" pitchFamily="34" charset="0"/>
+              </a:rPr>
+              <a:t>MinGW</a:t>
+            </a:r>
+            <a:endParaRPr lang="fi-FI" altLang="en-FI" sz="1900" dirty="0">
+              <a:latin typeface="Arial" panose="020B0604020202020204" pitchFamily="34" charset="0"/>
+              <a:ea typeface="Calibri" panose="020F0502020204030204" pitchFamily="34" charset="0"/>
+              <a:cs typeface="Arial" panose="020B0604020202020204" pitchFamily="34" charset="0"/>
+            </a:endParaRPr>
+          </a:p>
+          <a:p>
+            <a:pPr marL="0" indent="0" defTabSz="914400" eaLnBrk="0" fontAlgn="base" hangingPunct="0">
+              <a:lnSpc>
+                <a:spcPct val="120000"/>
+              </a:lnSpc>
+              <a:spcBef>
+                <a:spcPct val="0"/>
+              </a:spcBef>
+              <a:spcAft>
+                <a:spcPct val="0"/>
+              </a:spcAft>
+              <a:buClrTx/>
+              <a:buNone/>
+              <a:tabLst>
+                <a:tab pos="304800" algn="l"/>
+                <a:tab pos="6113463" algn="r"/>
+              </a:tabLst>
+            </a:pPr>
+            <a:r>
+              <a:rPr lang="fi-FI" altLang="en-FI" sz="1900">
+                <a:latin typeface="Arial" panose="020B0604020202020204" pitchFamily="34" charset="0"/>
+                <a:ea typeface="Calibri" panose="020F0502020204030204" pitchFamily="34" charset="0"/>
+                <a:cs typeface="Arial" panose="020B0604020202020204" pitchFamily="34" charset="0"/>
+              </a:rPr>
+              <a:t>   2.8 </a:t>
+            </a:r>
+            <a:r>
+              <a:rPr lang="fi-FI" altLang="en-FI" sz="1900" dirty="0">
+                <a:latin typeface="Arial" panose="020B0604020202020204" pitchFamily="34" charset="0"/>
+                <a:ea typeface="Calibri" panose="020F0502020204030204" pitchFamily="34" charset="0"/>
+                <a:cs typeface="Arial" panose="020B0604020202020204" pitchFamily="34" charset="0"/>
+              </a:rPr>
+              <a:t>Versionhallinta</a:t>
+            </a:r>
+          </a:p>
+          <a:p>
+            <a:pPr marL="0" lvl="0" indent="0" defTabSz="914400" eaLnBrk="0" fontAlgn="base" hangingPunct="0">
+              <a:lnSpc>
+                <a:spcPct val="120000"/>
+              </a:lnSpc>
+              <a:spcBef>
+                <a:spcPct val="0"/>
+              </a:spcBef>
+              <a:spcAft>
+                <a:spcPct val="0"/>
+              </a:spcAft>
+              <a:buClrTx/>
+              <a:buNone/>
+              <a:tabLst>
+                <a:tab pos="304800" algn="l"/>
+                <a:tab pos="6113463" algn="r"/>
+              </a:tabLst>
+            </a:pPr>
             <a:endParaRPr lang="fi-FI" altLang="en-FI" sz="700" dirty="0"/>
           </a:p>
           <a:p>

--- a/Presentation/GLJRPGSeminaariXAMK.pptx
+++ b/Presentation/GLJRPGSeminaariXAMK.pptx
@@ -3386,7 +3386,6 @@
               </a:rPr>
               <a:t>   4.2 Pelimaailman piirtäminen näytölle</a:t>
             </a:r>
-            <a:endParaRPr lang="fi-FI" altLang="en-FI" sz="700" dirty="0"/>
           </a:p>
           <a:p>
             <a:pPr marL="0" lvl="0" indent="0" defTabSz="914400" eaLnBrk="0" fontAlgn="base" hangingPunct="0">
@@ -3412,7 +3411,7 @@
                 <a:ea typeface="Calibri" panose="020F0502020204030204" pitchFamily="34" charset="0"/>
                 <a:cs typeface="Arial" panose="020B0604020202020204" pitchFamily="34" charset="0"/>
               </a:rPr>
-              <a:t>   4.3 3d-mallien lataaminen</a:t>
+              <a:t>   4.3 Kameran määrittely</a:t>
             </a:r>
             <a:endParaRPr lang="fi-FI" altLang="en-FI" sz="700" dirty="0"/>
           </a:p>
@@ -3440,7 +3439,7 @@
                 <a:ea typeface="Calibri" panose="020F0502020204030204" pitchFamily="34" charset="0"/>
                 <a:cs typeface="Arial" panose="020B0604020202020204" pitchFamily="34" charset="0"/>
               </a:rPr>
-              <a:t>   4.4 Liikkumisen ja interaktiivisuuden lisääminen peliin</a:t>
+              <a:t>   4.4 3d-mallien lataaminen</a:t>
             </a:r>
             <a:endParaRPr lang="fi-FI" altLang="en-FI" sz="700" dirty="0"/>
           </a:p>
@@ -3468,7 +3467,35 @@
                 <a:ea typeface="Calibri" panose="020F0502020204030204" pitchFamily="34" charset="0"/>
                 <a:cs typeface="Arial" panose="020B0604020202020204" pitchFamily="34" charset="0"/>
               </a:rPr>
-              <a:t>   4.5 Äänet</a:t>
+              <a:t>   4.5 Liikkumisen ja interaktiivisuuden lisääminen peliin</a:t>
+            </a:r>
+            <a:endParaRPr lang="fi-FI" altLang="en-FI" sz="700" dirty="0"/>
+          </a:p>
+          <a:p>
+            <a:pPr marL="0" lvl="0" indent="0" defTabSz="914400" eaLnBrk="0" fontAlgn="base" hangingPunct="0">
+              <a:lnSpc>
+                <a:spcPct val="120000"/>
+              </a:lnSpc>
+              <a:spcBef>
+                <a:spcPct val="0"/>
+              </a:spcBef>
+              <a:spcAft>
+                <a:spcPct val="0"/>
+              </a:spcAft>
+              <a:buClrTx/>
+              <a:buNone/>
+              <a:tabLst>
+                <a:tab pos="304800" algn="l"/>
+                <a:tab pos="6113463" algn="r"/>
+              </a:tabLst>
+            </a:pPr>
+            <a:r>
+              <a:rPr lang="fi-FI" altLang="en-FI" dirty="0">
+                <a:latin typeface="Arial" panose="020B0604020202020204" pitchFamily="34" charset="0"/>
+                <a:ea typeface="Calibri" panose="020F0502020204030204" pitchFamily="34" charset="0"/>
+                <a:cs typeface="Arial" panose="020B0604020202020204" pitchFamily="34" charset="0"/>
+              </a:rPr>
+              <a:t>   4.6 Äänet</a:t>
             </a:r>
             <a:endParaRPr lang="fi-FI" altLang="en-FI" sz="700" dirty="0"/>
           </a:p>
@@ -4622,12 +4649,13 @@
 </file>
 
 <file path=customXml/item1.xml><?xml version="1.0" encoding="utf-8"?>
-<?mso-contentType ?>
-<FormTemplates xmlns="http://schemas.microsoft.com/sharepoint/v3/contenttype/forms">
-  <Display>DocumentLibraryForm</Display>
-  <Edit>DocumentLibraryForm</Edit>
-  <New>DocumentLibraryForm</New>
-</FormTemplates>
+<p:properties xmlns:p="http://schemas.microsoft.com/office/2006/metadata/properties" xmlns:xsi="http://www.w3.org/2001/XMLSchema-instance" xmlns:pc="http://schemas.microsoft.com/office/infopath/2007/PartnerControls">
+  <documentManagement>
+    <a07c3fd0247140d68b99fdbcf50c8190 xmlns="25e7f6bf-72c1-4870-aa83-3dac08eebaf4">
+      <Terms xmlns="http://schemas.microsoft.com/office/infopath/2007/PartnerControls"/>
+    </a07c3fd0247140d68b99fdbcf50c8190>
+  </documentManagement>
+</p:properties>
 </file>
 
 <file path=customXml/item2.xml><?xml version="1.0" encoding="utf-8"?>
@@ -4759,19 +4787,20 @@
 </file>
 
 <file path=customXml/item3.xml><?xml version="1.0" encoding="utf-8"?>
-<p:properties xmlns:p="http://schemas.microsoft.com/office/2006/metadata/properties" xmlns:xsi="http://www.w3.org/2001/XMLSchema-instance" xmlns:pc="http://schemas.microsoft.com/office/infopath/2007/PartnerControls">
-  <documentManagement>
-    <a07c3fd0247140d68b99fdbcf50c8190 xmlns="25e7f6bf-72c1-4870-aa83-3dac08eebaf4">
-      <Terms xmlns="http://schemas.microsoft.com/office/infopath/2007/PartnerControls"/>
-    </a07c3fd0247140d68b99fdbcf50c8190>
-  </documentManagement>
-</p:properties>
+<?mso-contentType ?>
+<FormTemplates xmlns="http://schemas.microsoft.com/sharepoint/v3/contenttype/forms">
+  <Display>DocumentLibraryForm</Display>
+  <Edit>DocumentLibraryForm</Edit>
+  <New>DocumentLibraryForm</New>
+</FormTemplates>
 </file>
 
 <file path=customXml/itemProps1.xml><?xml version="1.0" encoding="utf-8"?>
-<ds:datastoreItem xmlns:ds="http://schemas.openxmlformats.org/officeDocument/2006/customXml" ds:itemID="{E4F4751A-FFB1-49A1-895C-66005EA66C56}">
+<ds:datastoreItem xmlns:ds="http://schemas.openxmlformats.org/officeDocument/2006/customXml" ds:itemID="{73A9BBC0-0279-4D7C-AB77-BCE83234F2CC}">
   <ds:schemaRefs>
-    <ds:schemaRef ds:uri="http://schemas.microsoft.com/sharepoint/v3/contenttype/forms"/>
+    <ds:schemaRef ds:uri="http://schemas.microsoft.com/office/2006/metadata/properties"/>
+    <ds:schemaRef ds:uri="http://schemas.microsoft.com/office/infopath/2007/PartnerControls"/>
+    <ds:schemaRef ds:uri="25e7f6bf-72c1-4870-aa83-3dac08eebaf4"/>
   </ds:schemaRefs>
 </ds:datastoreItem>
 </file>
@@ -4795,11 +4824,9 @@
 </file>
 
 <file path=customXml/itemProps3.xml><?xml version="1.0" encoding="utf-8"?>
-<ds:datastoreItem xmlns:ds="http://schemas.openxmlformats.org/officeDocument/2006/customXml" ds:itemID="{73A9BBC0-0279-4D7C-AB77-BCE83234F2CC}">
+<ds:datastoreItem xmlns:ds="http://schemas.openxmlformats.org/officeDocument/2006/customXml" ds:itemID="{E4F4751A-FFB1-49A1-895C-66005EA66C56}">
   <ds:schemaRefs>
-    <ds:schemaRef ds:uri="http://schemas.microsoft.com/office/2006/metadata/properties"/>
-    <ds:schemaRef ds:uri="http://schemas.microsoft.com/office/infopath/2007/PartnerControls"/>
-    <ds:schemaRef ds:uri="25e7f6bf-72c1-4870-aa83-3dac08eebaf4"/>
+    <ds:schemaRef ds:uri="http://schemas.microsoft.com/sharepoint/v3/contenttype/forms"/>
   </ds:schemaRefs>
 </ds:datastoreItem>
 </file>
--- a/Presentation/GLJRPGSeminaariXAMK.pptx
+++ b/Presentation/GLJRPGSeminaariXAMK.pptx
@@ -4,6 +4,9 @@
   <p:sldMasterIdLst>
     <p:sldMasterId id="2147483648" r:id="rId4"/>
   </p:sldMasterIdLst>
+  <p:notesMasterIdLst>
+    <p:notesMasterId r:id="rId12"/>
+  </p:notesMasterIdLst>
   <p:sldIdLst>
     <p:sldId id="256" r:id="rId5"/>
     <p:sldId id="257" r:id="rId6"/>
@@ -127,6 +130,2257 @@
     </p:ext>
   </p:extLst>
 </p:presentation>
+</file>
+
+<file path=ppt/notesMasters/notesMaster1.xml><?xml version="1.0" encoding="utf-8"?>
+<p:notesMaster xmlns:a="http://schemas.openxmlformats.org/drawingml/2006/main" xmlns:r="http://schemas.openxmlformats.org/officeDocument/2006/relationships" xmlns:p="http://schemas.openxmlformats.org/presentationml/2006/main">
+  <p:cSld>
+    <p:bg>
+      <p:bgRef idx="1001">
+        <a:schemeClr val="bg1"/>
+      </p:bgRef>
+    </p:bg>
+    <p:spTree>
+      <p:nvGrpSpPr>
+        <p:cNvPr id="1" name=""/>
+        <p:cNvGrpSpPr/>
+        <p:nvPr/>
+      </p:nvGrpSpPr>
+      <p:grpSpPr>
+        <a:xfrm>
+          <a:off x="0" y="0"/>
+          <a:ext cx="0" cy="0"/>
+          <a:chOff x="0" y="0"/>
+          <a:chExt cx="0" cy="0"/>
+        </a:xfrm>
+      </p:grpSpPr>
+      <p:sp>
+        <p:nvSpPr>
+          <p:cNvPr id="2" name="Header Placeholder 1"/>
+          <p:cNvSpPr>
+            <a:spLocks noGrp="1"/>
+          </p:cNvSpPr>
+          <p:nvPr>
+            <p:ph type="hdr" sz="quarter"/>
+          </p:nvPr>
+        </p:nvSpPr>
+        <p:spPr>
+          <a:xfrm>
+            <a:off x="0" y="0"/>
+            <a:ext cx="2971800" cy="458788"/>
+          </a:xfrm>
+          <a:prstGeom prst="rect">
+            <a:avLst/>
+          </a:prstGeom>
+        </p:spPr>
+        <p:txBody>
+          <a:bodyPr vert="horz" lIns="91440" tIns="45720" rIns="91440" bIns="45720" rtlCol="0"/>
+          <a:lstStyle>
+            <a:lvl1pPr algn="l">
+              <a:defRPr sz="1200"/>
+            </a:lvl1pPr>
+          </a:lstStyle>
+          <a:p>
+            <a:endParaRPr lang="en-US"/>
+          </a:p>
+        </p:txBody>
+      </p:sp>
+      <p:sp>
+        <p:nvSpPr>
+          <p:cNvPr id="3" name="Date Placeholder 2"/>
+          <p:cNvSpPr>
+            <a:spLocks noGrp="1"/>
+          </p:cNvSpPr>
+          <p:nvPr>
+            <p:ph type="dt" idx="1"/>
+          </p:nvPr>
+        </p:nvSpPr>
+        <p:spPr>
+          <a:xfrm>
+            <a:off x="3884613" y="0"/>
+            <a:ext cx="2971800" cy="458788"/>
+          </a:xfrm>
+          <a:prstGeom prst="rect">
+            <a:avLst/>
+          </a:prstGeom>
+        </p:spPr>
+        <p:txBody>
+          <a:bodyPr vert="horz" lIns="91440" tIns="45720" rIns="91440" bIns="45720" rtlCol="0"/>
+          <a:lstStyle>
+            <a:lvl1pPr algn="r">
+              <a:defRPr sz="1200"/>
+            </a:lvl1pPr>
+          </a:lstStyle>
+          <a:p>
+            <a:fld id="{997DDE6A-8FD4-4BA5-8925-9C5BE442C160}" type="datetimeFigureOut">
+              <a:rPr lang="en-US" smtClean="0"/>
+              <a:t>20-10-19</a:t>
+            </a:fld>
+            <a:endParaRPr lang="en-US"/>
+          </a:p>
+        </p:txBody>
+      </p:sp>
+      <p:sp>
+        <p:nvSpPr>
+          <p:cNvPr id="4" name="Slide Image Placeholder 3"/>
+          <p:cNvSpPr>
+            <a:spLocks noGrp="1" noRot="1" noChangeAspect="1"/>
+          </p:cNvSpPr>
+          <p:nvPr>
+            <p:ph type="sldImg" idx="2"/>
+          </p:nvPr>
+        </p:nvSpPr>
+        <p:spPr>
+          <a:xfrm>
+            <a:off x="1371600" y="1143000"/>
+            <a:ext cx="4114800" cy="3086100"/>
+          </a:xfrm>
+          <a:prstGeom prst="rect">
+            <a:avLst/>
+          </a:prstGeom>
+          <a:noFill/>
+          <a:ln w="12700">
+            <a:solidFill>
+              <a:prstClr val="black"/>
+            </a:solidFill>
+          </a:ln>
+        </p:spPr>
+        <p:txBody>
+          <a:bodyPr vert="horz" lIns="91440" tIns="45720" rIns="91440" bIns="45720" rtlCol="0" anchor="ctr"/>
+          <a:lstStyle/>
+          <a:p>
+            <a:endParaRPr lang="en-US"/>
+          </a:p>
+        </p:txBody>
+      </p:sp>
+      <p:sp>
+        <p:nvSpPr>
+          <p:cNvPr id="5" name="Notes Placeholder 4"/>
+          <p:cNvSpPr>
+            <a:spLocks noGrp="1"/>
+          </p:cNvSpPr>
+          <p:nvPr>
+            <p:ph type="body" sz="quarter" idx="3"/>
+          </p:nvPr>
+        </p:nvSpPr>
+        <p:spPr>
+          <a:xfrm>
+            <a:off x="685800" y="4400550"/>
+            <a:ext cx="5486400" cy="3600450"/>
+          </a:xfrm>
+          <a:prstGeom prst="rect">
+            <a:avLst/>
+          </a:prstGeom>
+        </p:spPr>
+        <p:txBody>
+          <a:bodyPr vert="horz" lIns="91440" tIns="45720" rIns="91440" bIns="45720" rtlCol="0"/>
+          <a:lstStyle/>
+          <a:p>
+            <a:pPr lvl="0"/>
+            <a:r>
+              <a:rPr lang="en-US"/>
+              <a:t>Click to edit Master text styles</a:t>
+            </a:r>
+          </a:p>
+          <a:p>
+            <a:pPr lvl="1"/>
+            <a:r>
+              <a:rPr lang="en-US"/>
+              <a:t>Second level</a:t>
+            </a:r>
+          </a:p>
+          <a:p>
+            <a:pPr lvl="2"/>
+            <a:r>
+              <a:rPr lang="en-US"/>
+              <a:t>Third level</a:t>
+            </a:r>
+          </a:p>
+          <a:p>
+            <a:pPr lvl="3"/>
+            <a:r>
+              <a:rPr lang="en-US"/>
+              <a:t>Fourth level</a:t>
+            </a:r>
+          </a:p>
+          <a:p>
+            <a:pPr lvl="4"/>
+            <a:r>
+              <a:rPr lang="en-US"/>
+              <a:t>Fifth level</a:t>
+            </a:r>
+          </a:p>
+        </p:txBody>
+      </p:sp>
+      <p:sp>
+        <p:nvSpPr>
+          <p:cNvPr id="6" name="Footer Placeholder 5"/>
+          <p:cNvSpPr>
+            <a:spLocks noGrp="1"/>
+          </p:cNvSpPr>
+          <p:nvPr>
+            <p:ph type="ftr" sz="quarter" idx="4"/>
+          </p:nvPr>
+        </p:nvSpPr>
+        <p:spPr>
+          <a:xfrm>
+            <a:off x="0" y="8685213"/>
+            <a:ext cx="2971800" cy="458787"/>
+          </a:xfrm>
+          <a:prstGeom prst="rect">
+            <a:avLst/>
+          </a:prstGeom>
+        </p:spPr>
+        <p:txBody>
+          <a:bodyPr vert="horz" lIns="91440" tIns="45720" rIns="91440" bIns="45720" rtlCol="0" anchor="b"/>
+          <a:lstStyle>
+            <a:lvl1pPr algn="l">
+              <a:defRPr sz="1200"/>
+            </a:lvl1pPr>
+          </a:lstStyle>
+          <a:p>
+            <a:endParaRPr lang="en-US"/>
+          </a:p>
+        </p:txBody>
+      </p:sp>
+      <p:sp>
+        <p:nvSpPr>
+          <p:cNvPr id="7" name="Slide Number Placeholder 6"/>
+          <p:cNvSpPr>
+            <a:spLocks noGrp="1"/>
+          </p:cNvSpPr>
+          <p:nvPr>
+            <p:ph type="sldNum" sz="quarter" idx="5"/>
+          </p:nvPr>
+        </p:nvSpPr>
+        <p:spPr>
+          <a:xfrm>
+            <a:off x="3884613" y="8685213"/>
+            <a:ext cx="2971800" cy="458787"/>
+          </a:xfrm>
+          <a:prstGeom prst="rect">
+            <a:avLst/>
+          </a:prstGeom>
+        </p:spPr>
+        <p:txBody>
+          <a:bodyPr vert="horz" lIns="91440" tIns="45720" rIns="91440" bIns="45720" rtlCol="0" anchor="b"/>
+          <a:lstStyle>
+            <a:lvl1pPr algn="r">
+              <a:defRPr sz="1200"/>
+            </a:lvl1pPr>
+          </a:lstStyle>
+          <a:p>
+            <a:fld id="{1E423D94-705C-4504-911F-B0FC4EFA50F0}" type="slidenum">
+              <a:rPr lang="en-US" smtClean="0"/>
+              <a:t>‹#›</a:t>
+            </a:fld>
+            <a:endParaRPr lang="en-US"/>
+          </a:p>
+        </p:txBody>
+      </p:sp>
+    </p:spTree>
+    <p:extLst>
+      <p:ext uri="{BB962C8B-B14F-4D97-AF65-F5344CB8AC3E}">
+        <p14:creationId xmlns:p14="http://schemas.microsoft.com/office/powerpoint/2010/main" val="1807249689"/>
+      </p:ext>
+    </p:extLst>
+  </p:cSld>
+  <p:clrMap bg1="lt1" tx1="dk1" bg2="lt2" tx2="dk2" accent1="accent1" accent2="accent2" accent3="accent3" accent4="accent4" accent5="accent5" accent6="accent6" hlink="hlink" folHlink="folHlink"/>
+  <p:notesStyle>
+    <a:lvl1pPr marL="0" algn="l" defTabSz="914400" rtl="0" eaLnBrk="1" latinLnBrk="0" hangingPunct="1">
+      <a:defRPr sz="1200" kern="1200">
+        <a:solidFill>
+          <a:schemeClr val="tx1"/>
+        </a:solidFill>
+        <a:latin typeface="+mn-lt"/>
+        <a:ea typeface="+mn-ea"/>
+        <a:cs typeface="+mn-cs"/>
+      </a:defRPr>
+    </a:lvl1pPr>
+    <a:lvl2pPr marL="457200" algn="l" defTabSz="914400" rtl="0" eaLnBrk="1" latinLnBrk="0" hangingPunct="1">
+      <a:defRPr sz="1200" kern="1200">
+        <a:solidFill>
+          <a:schemeClr val="tx1"/>
+        </a:solidFill>
+        <a:latin typeface="+mn-lt"/>
+        <a:ea typeface="+mn-ea"/>
+        <a:cs typeface="+mn-cs"/>
+      </a:defRPr>
+    </a:lvl2pPr>
+    <a:lvl3pPr marL="914400" algn="l" defTabSz="914400" rtl="0" eaLnBrk="1" latinLnBrk="0" hangingPunct="1">
+      <a:defRPr sz="1200" kern="1200">
+        <a:solidFill>
+          <a:schemeClr val="tx1"/>
+        </a:solidFill>
+        <a:latin typeface="+mn-lt"/>
+        <a:ea typeface="+mn-ea"/>
+        <a:cs typeface="+mn-cs"/>
+      </a:defRPr>
+    </a:lvl3pPr>
+    <a:lvl4pPr marL="1371600" algn="l" defTabSz="914400" rtl="0" eaLnBrk="1" latinLnBrk="0" hangingPunct="1">
+      <a:defRPr sz="1200" kern="1200">
+        <a:solidFill>
+          <a:schemeClr val="tx1"/>
+        </a:solidFill>
+        <a:latin typeface="+mn-lt"/>
+        <a:ea typeface="+mn-ea"/>
+        <a:cs typeface="+mn-cs"/>
+      </a:defRPr>
+    </a:lvl4pPr>
+    <a:lvl5pPr marL="1828800" algn="l" defTabSz="914400" rtl="0" eaLnBrk="1" latinLnBrk="0" hangingPunct="1">
+      <a:defRPr sz="1200" kern="1200">
+        <a:solidFill>
+          <a:schemeClr val="tx1"/>
+        </a:solidFill>
+        <a:latin typeface="+mn-lt"/>
+        <a:ea typeface="+mn-ea"/>
+        <a:cs typeface="+mn-cs"/>
+      </a:defRPr>
+    </a:lvl5pPr>
+    <a:lvl6pPr marL="2286000" algn="l" defTabSz="914400" rtl="0" eaLnBrk="1" latinLnBrk="0" hangingPunct="1">
+      <a:defRPr sz="1200" kern="1200">
+        <a:solidFill>
+          <a:schemeClr val="tx1"/>
+        </a:solidFill>
+        <a:latin typeface="+mn-lt"/>
+        <a:ea typeface="+mn-ea"/>
+        <a:cs typeface="+mn-cs"/>
+      </a:defRPr>
+    </a:lvl6pPr>
+    <a:lvl7pPr marL="2743200" algn="l" defTabSz="914400" rtl="0" eaLnBrk="1" latinLnBrk="0" hangingPunct="1">
+      <a:defRPr sz="1200" kern="1200">
+        <a:solidFill>
+          <a:schemeClr val="tx1"/>
+        </a:solidFill>
+        <a:latin typeface="+mn-lt"/>
+        <a:ea typeface="+mn-ea"/>
+        <a:cs typeface="+mn-cs"/>
+      </a:defRPr>
+    </a:lvl7pPr>
+    <a:lvl8pPr marL="3200400" algn="l" defTabSz="914400" rtl="0" eaLnBrk="1" latinLnBrk="0" hangingPunct="1">
+      <a:defRPr sz="1200" kern="1200">
+        <a:solidFill>
+          <a:schemeClr val="tx1"/>
+        </a:solidFill>
+        <a:latin typeface="+mn-lt"/>
+        <a:ea typeface="+mn-ea"/>
+        <a:cs typeface="+mn-cs"/>
+      </a:defRPr>
+    </a:lvl8pPr>
+    <a:lvl9pPr marL="3657600" algn="l" defTabSz="914400" rtl="0" eaLnBrk="1" latinLnBrk="0" hangingPunct="1">
+      <a:defRPr sz="1200" kern="1200">
+        <a:solidFill>
+          <a:schemeClr val="tx1"/>
+        </a:solidFill>
+        <a:latin typeface="+mn-lt"/>
+        <a:ea typeface="+mn-ea"/>
+        <a:cs typeface="+mn-cs"/>
+      </a:defRPr>
+    </a:lvl9pPr>
+  </p:notesStyle>
+</p:notesMaster>
+</file>
+
+<file path=ppt/notesSlides/notesSlide1.xml><?xml version="1.0" encoding="utf-8"?>
+<p:notes xmlns:a="http://schemas.openxmlformats.org/drawingml/2006/main" xmlns:r="http://schemas.openxmlformats.org/officeDocument/2006/relationships" xmlns:p="http://schemas.openxmlformats.org/presentationml/2006/main">
+  <p:cSld>
+    <p:spTree>
+      <p:nvGrpSpPr>
+        <p:cNvPr id="1" name=""/>
+        <p:cNvGrpSpPr/>
+        <p:nvPr/>
+      </p:nvGrpSpPr>
+      <p:grpSpPr>
+        <a:xfrm>
+          <a:off x="0" y="0"/>
+          <a:ext cx="0" cy="0"/>
+          <a:chOff x="0" y="0"/>
+          <a:chExt cx="0" cy="0"/>
+        </a:xfrm>
+      </p:grpSpPr>
+      <p:sp>
+        <p:nvSpPr>
+          <p:cNvPr id="2" name="Slide Image Placeholder 1"/>
+          <p:cNvSpPr>
+            <a:spLocks noGrp="1" noRot="1" noChangeAspect="1"/>
+          </p:cNvSpPr>
+          <p:nvPr>
+            <p:ph type="sldImg"/>
+          </p:nvPr>
+        </p:nvSpPr>
+        <p:spPr/>
+      </p:sp>
+      <p:sp>
+        <p:nvSpPr>
+          <p:cNvPr id="3" name="Notes Placeholder 2"/>
+          <p:cNvSpPr>
+            <a:spLocks noGrp="1"/>
+          </p:cNvSpPr>
+          <p:nvPr>
+            <p:ph type="body" idx="1"/>
+          </p:nvPr>
+        </p:nvSpPr>
+        <p:spPr/>
+        <p:txBody>
+          <a:bodyPr/>
+          <a:lstStyle/>
+          <a:p>
+            <a:r>
+              <a:rPr lang="en-US" dirty="0" err="1"/>
+              <a:t>Pidän</a:t>
+            </a:r>
+            <a:r>
+              <a:rPr lang="en-US" dirty="0"/>
+              <a:t> </a:t>
+            </a:r>
+            <a:r>
+              <a:rPr lang="en-US" dirty="0" err="1"/>
+              <a:t>tänää</a:t>
+            </a:r>
+            <a:r>
+              <a:rPr lang="en-US" dirty="0"/>
+              <a:t> </a:t>
+            </a:r>
+            <a:r>
+              <a:rPr lang="en-US" dirty="0" err="1"/>
+              <a:t>tän</a:t>
+            </a:r>
+            <a:r>
+              <a:rPr lang="en-US" dirty="0"/>
+              <a:t> </a:t>
+            </a:r>
+            <a:r>
+              <a:rPr lang="en-US" dirty="0" err="1"/>
+              <a:t>alotus</a:t>
+            </a:r>
+            <a:r>
+              <a:rPr lang="en-US" dirty="0"/>
+              <a:t> </a:t>
+            </a:r>
+            <a:r>
+              <a:rPr lang="en-US" dirty="0" err="1"/>
+              <a:t>seminaarin</a:t>
+            </a:r>
+            <a:r>
+              <a:rPr lang="en-US" dirty="0"/>
+              <a:t> </a:t>
+            </a:r>
+            <a:r>
+              <a:rPr lang="en-US" dirty="0" err="1"/>
+              <a:t>miu</a:t>
+            </a:r>
+            <a:r>
+              <a:rPr lang="en-US" dirty="0"/>
+              <a:t> </a:t>
+            </a:r>
+            <a:r>
+              <a:rPr lang="en-US" dirty="0" err="1"/>
+              <a:t>opinnäytetyölle</a:t>
+            </a:r>
+            <a:r>
+              <a:rPr lang="en-US" dirty="0"/>
+              <a:t> </a:t>
+            </a:r>
+            <a:r>
+              <a:rPr lang="en-US" dirty="0" err="1"/>
+              <a:t>aiheena</a:t>
+            </a:r>
+            <a:r>
+              <a:rPr lang="en-US" dirty="0"/>
+              <a:t> </a:t>
+            </a:r>
+            <a:r>
+              <a:rPr lang="en-US" dirty="0" err="1"/>
+              <a:t>Roolipelidemo</a:t>
+            </a:r>
+            <a:r>
+              <a:rPr lang="en-US" dirty="0"/>
+              <a:t> </a:t>
+            </a:r>
+            <a:r>
+              <a:rPr lang="en-US" dirty="0" err="1"/>
+              <a:t>OpenGL:llä</a:t>
+            </a:r>
+            <a:r>
+              <a:rPr lang="en-US" dirty="0"/>
+              <a:t>.</a:t>
+            </a:r>
+          </a:p>
+        </p:txBody>
+      </p:sp>
+      <p:sp>
+        <p:nvSpPr>
+          <p:cNvPr id="4" name="Slide Number Placeholder 3"/>
+          <p:cNvSpPr>
+            <a:spLocks noGrp="1"/>
+          </p:cNvSpPr>
+          <p:nvPr>
+            <p:ph type="sldNum" sz="quarter" idx="5"/>
+          </p:nvPr>
+        </p:nvSpPr>
+        <p:spPr/>
+        <p:txBody>
+          <a:bodyPr/>
+          <a:lstStyle/>
+          <a:p>
+            <a:fld id="{1E423D94-705C-4504-911F-B0FC4EFA50F0}" type="slidenum">
+              <a:rPr lang="en-US" smtClean="0"/>
+              <a:t>1</a:t>
+            </a:fld>
+            <a:endParaRPr lang="en-US"/>
+          </a:p>
+        </p:txBody>
+      </p:sp>
+    </p:spTree>
+    <p:extLst>
+      <p:ext uri="{BB962C8B-B14F-4D97-AF65-F5344CB8AC3E}">
+        <p14:creationId xmlns:p14="http://schemas.microsoft.com/office/powerpoint/2010/main" val="2841969661"/>
+      </p:ext>
+    </p:extLst>
+  </p:cSld>
+  <p:clrMapOvr>
+    <a:masterClrMapping/>
+  </p:clrMapOvr>
+</p:notes>
+</file>
+
+<file path=ppt/notesSlides/notesSlide2.xml><?xml version="1.0" encoding="utf-8"?>
+<p:notes xmlns:a="http://schemas.openxmlformats.org/drawingml/2006/main" xmlns:r="http://schemas.openxmlformats.org/officeDocument/2006/relationships" xmlns:p="http://schemas.openxmlformats.org/presentationml/2006/main">
+  <p:cSld>
+    <p:spTree>
+      <p:nvGrpSpPr>
+        <p:cNvPr id="1" name=""/>
+        <p:cNvGrpSpPr/>
+        <p:nvPr/>
+      </p:nvGrpSpPr>
+      <p:grpSpPr>
+        <a:xfrm>
+          <a:off x="0" y="0"/>
+          <a:ext cx="0" cy="0"/>
+          <a:chOff x="0" y="0"/>
+          <a:chExt cx="0" cy="0"/>
+        </a:xfrm>
+      </p:grpSpPr>
+      <p:sp>
+        <p:nvSpPr>
+          <p:cNvPr id="2" name="Slide Image Placeholder 1"/>
+          <p:cNvSpPr>
+            <a:spLocks noGrp="1" noRot="1" noChangeAspect="1"/>
+          </p:cNvSpPr>
+          <p:nvPr>
+            <p:ph type="sldImg"/>
+          </p:nvPr>
+        </p:nvSpPr>
+        <p:spPr/>
+      </p:sp>
+      <p:sp>
+        <p:nvSpPr>
+          <p:cNvPr id="3" name="Notes Placeholder 2"/>
+          <p:cNvSpPr>
+            <a:spLocks noGrp="1"/>
+          </p:cNvSpPr>
+          <p:nvPr>
+            <p:ph type="body" idx="1"/>
+          </p:nvPr>
+        </p:nvSpPr>
+        <p:spPr/>
+        <p:txBody>
+          <a:bodyPr/>
+          <a:lstStyle/>
+          <a:p>
+            <a:r>
+              <a:rPr lang="en-US" dirty="0" err="1"/>
+              <a:t>Aikataulu</a:t>
+            </a:r>
+            <a:r>
+              <a:rPr lang="en-US" dirty="0"/>
+              <a:t> </a:t>
+            </a:r>
+            <a:r>
+              <a:rPr lang="en-US" dirty="0" err="1"/>
+              <a:t>täl</a:t>
+            </a:r>
+            <a:r>
+              <a:rPr lang="en-US" dirty="0"/>
+              <a:t> </a:t>
+            </a:r>
+            <a:r>
+              <a:rPr lang="en-US" dirty="0" err="1"/>
+              <a:t>opinnäytetyöllä</a:t>
+            </a:r>
+            <a:r>
+              <a:rPr lang="en-US" dirty="0"/>
+              <a:t> </a:t>
+            </a:r>
+            <a:r>
+              <a:rPr lang="en-US" dirty="0" err="1"/>
+              <a:t>olis</a:t>
+            </a:r>
+            <a:r>
+              <a:rPr lang="en-US" dirty="0"/>
+              <a:t> et </a:t>
+            </a:r>
+            <a:r>
+              <a:rPr lang="en-US" dirty="0" err="1"/>
+              <a:t>ite</a:t>
+            </a:r>
+            <a:r>
+              <a:rPr lang="en-US" dirty="0"/>
+              <a:t> </a:t>
+            </a:r>
+            <a:r>
+              <a:rPr lang="en-US" dirty="0" err="1"/>
+              <a:t>projekti</a:t>
+            </a:r>
+            <a:r>
+              <a:rPr lang="en-US" dirty="0"/>
+              <a:t> </a:t>
+            </a:r>
+            <a:r>
+              <a:rPr lang="en-US" dirty="0" err="1"/>
+              <a:t>olis</a:t>
+            </a:r>
+            <a:r>
+              <a:rPr lang="en-US" dirty="0"/>
+              <a:t> </a:t>
+            </a:r>
+            <a:r>
+              <a:rPr lang="en-US" dirty="0" err="1"/>
+              <a:t>valmis</a:t>
+            </a:r>
+            <a:r>
+              <a:rPr lang="en-US" dirty="0"/>
+              <a:t> </a:t>
+            </a:r>
+            <a:r>
+              <a:rPr lang="en-US" dirty="0" err="1"/>
+              <a:t>tossa</a:t>
+            </a:r>
+            <a:r>
+              <a:rPr lang="en-US" dirty="0"/>
+              <a:t> </a:t>
+            </a:r>
+            <a:r>
+              <a:rPr lang="en-US" dirty="0" err="1"/>
+              <a:t>marraskuun</a:t>
+            </a:r>
+            <a:r>
+              <a:rPr lang="en-US" dirty="0"/>
+              <a:t> </a:t>
+            </a:r>
+            <a:r>
+              <a:rPr lang="en-US" dirty="0" err="1"/>
+              <a:t>loppupuolella</a:t>
+            </a:r>
+            <a:r>
+              <a:rPr lang="en-US" dirty="0"/>
+              <a:t>, </a:t>
+            </a:r>
+            <a:r>
+              <a:rPr lang="en-US" dirty="0" err="1"/>
+              <a:t>samoihi</a:t>
+            </a:r>
+            <a:r>
+              <a:rPr lang="en-US" dirty="0"/>
+              <a:t> </a:t>
+            </a:r>
+            <a:r>
+              <a:rPr lang="en-US" dirty="0" err="1"/>
+              <a:t>aikoihi</a:t>
+            </a:r>
+            <a:r>
+              <a:rPr lang="en-US" dirty="0"/>
+              <a:t> </a:t>
+            </a:r>
+            <a:r>
+              <a:rPr lang="en-US" dirty="0" err="1"/>
+              <a:t>ku</a:t>
+            </a:r>
+            <a:r>
+              <a:rPr lang="en-US" dirty="0"/>
+              <a:t> </a:t>
+            </a:r>
+            <a:r>
+              <a:rPr lang="en-US" dirty="0" err="1"/>
+              <a:t>piän</a:t>
+            </a:r>
+            <a:r>
+              <a:rPr lang="en-US" dirty="0"/>
+              <a:t> ton </a:t>
+            </a:r>
+            <a:r>
+              <a:rPr lang="en-US" dirty="0" err="1"/>
+              <a:t>tokan</a:t>
+            </a:r>
+            <a:r>
+              <a:rPr lang="en-US" dirty="0"/>
+              <a:t> </a:t>
+            </a:r>
+            <a:r>
+              <a:rPr lang="en-US" dirty="0" err="1"/>
+              <a:t>seminaarin</a:t>
+            </a:r>
+            <a:r>
+              <a:rPr lang="en-US" dirty="0"/>
+              <a:t>. Ja sit </a:t>
+            </a:r>
+            <a:r>
+              <a:rPr lang="en-US" dirty="0" err="1"/>
+              <a:t>viimene</a:t>
+            </a:r>
+            <a:r>
+              <a:rPr lang="en-US" dirty="0"/>
+              <a:t> </a:t>
+            </a:r>
+            <a:r>
+              <a:rPr lang="en-US" dirty="0" err="1"/>
+              <a:t>seminaari</a:t>
+            </a:r>
+            <a:r>
+              <a:rPr lang="en-US" dirty="0"/>
+              <a:t> </a:t>
+            </a:r>
+            <a:r>
+              <a:rPr lang="en-US" dirty="0" err="1"/>
+              <a:t>olis</a:t>
+            </a:r>
+            <a:r>
+              <a:rPr lang="en-US" dirty="0"/>
+              <a:t> </a:t>
+            </a:r>
+            <a:r>
+              <a:rPr lang="en-US" dirty="0" err="1"/>
+              <a:t>joulukuussa</a:t>
+            </a:r>
+            <a:r>
+              <a:rPr lang="en-US" dirty="0"/>
+              <a:t>. </a:t>
+            </a:r>
+          </a:p>
+        </p:txBody>
+      </p:sp>
+      <p:sp>
+        <p:nvSpPr>
+          <p:cNvPr id="4" name="Slide Number Placeholder 3"/>
+          <p:cNvSpPr>
+            <a:spLocks noGrp="1"/>
+          </p:cNvSpPr>
+          <p:nvPr>
+            <p:ph type="sldNum" sz="quarter" idx="5"/>
+          </p:nvPr>
+        </p:nvSpPr>
+        <p:spPr/>
+        <p:txBody>
+          <a:bodyPr/>
+          <a:lstStyle/>
+          <a:p>
+            <a:fld id="{1E423D94-705C-4504-911F-B0FC4EFA50F0}" type="slidenum">
+              <a:rPr lang="en-US" smtClean="0"/>
+              <a:t>2</a:t>
+            </a:fld>
+            <a:endParaRPr lang="en-US"/>
+          </a:p>
+        </p:txBody>
+      </p:sp>
+    </p:spTree>
+    <p:extLst>
+      <p:ext uri="{BB962C8B-B14F-4D97-AF65-F5344CB8AC3E}">
+        <p14:creationId xmlns:p14="http://schemas.microsoft.com/office/powerpoint/2010/main" val="1109478744"/>
+      </p:ext>
+    </p:extLst>
+  </p:cSld>
+  <p:clrMapOvr>
+    <a:masterClrMapping/>
+  </p:clrMapOvr>
+</p:notes>
+</file>
+
+<file path=ppt/notesSlides/notesSlide3.xml><?xml version="1.0" encoding="utf-8"?>
+<p:notes xmlns:a="http://schemas.openxmlformats.org/drawingml/2006/main" xmlns:r="http://schemas.openxmlformats.org/officeDocument/2006/relationships" xmlns:p="http://schemas.openxmlformats.org/presentationml/2006/main">
+  <p:cSld>
+    <p:spTree>
+      <p:nvGrpSpPr>
+        <p:cNvPr id="1" name=""/>
+        <p:cNvGrpSpPr/>
+        <p:nvPr/>
+      </p:nvGrpSpPr>
+      <p:grpSpPr>
+        <a:xfrm>
+          <a:off x="0" y="0"/>
+          <a:ext cx="0" cy="0"/>
+          <a:chOff x="0" y="0"/>
+          <a:chExt cx="0" cy="0"/>
+        </a:xfrm>
+      </p:grpSpPr>
+      <p:sp>
+        <p:nvSpPr>
+          <p:cNvPr id="2" name="Slide Image Placeholder 1"/>
+          <p:cNvSpPr>
+            <a:spLocks noGrp="1" noRot="1" noChangeAspect="1"/>
+          </p:cNvSpPr>
+          <p:nvPr>
+            <p:ph type="sldImg"/>
+          </p:nvPr>
+        </p:nvSpPr>
+        <p:spPr/>
+      </p:sp>
+      <p:sp>
+        <p:nvSpPr>
+          <p:cNvPr id="3" name="Notes Placeholder 2"/>
+          <p:cNvSpPr>
+            <a:spLocks noGrp="1"/>
+          </p:cNvSpPr>
+          <p:nvPr>
+            <p:ph type="body" idx="1"/>
+          </p:nvPr>
+        </p:nvSpPr>
+        <p:spPr/>
+        <p:txBody>
+          <a:bodyPr/>
+          <a:lstStyle/>
+          <a:p>
+            <a:r>
+              <a:rPr lang="en-US" dirty="0" err="1"/>
+              <a:t>Mistä</a:t>
+            </a:r>
+            <a:r>
+              <a:rPr lang="en-US" dirty="0"/>
+              <a:t> </a:t>
+            </a:r>
+            <a:r>
+              <a:rPr lang="en-US" dirty="0" err="1"/>
+              <a:t>tää</a:t>
+            </a:r>
+            <a:r>
+              <a:rPr lang="en-US" dirty="0"/>
+              <a:t> idea </a:t>
+            </a:r>
+            <a:r>
+              <a:rPr lang="en-US" dirty="0" err="1"/>
+              <a:t>synty</a:t>
+            </a:r>
+            <a:r>
+              <a:rPr lang="en-US" dirty="0"/>
+              <a:t>, </a:t>
+            </a:r>
+            <a:r>
+              <a:rPr lang="en-US" dirty="0" err="1"/>
+              <a:t>miks</a:t>
+            </a:r>
+            <a:r>
+              <a:rPr lang="en-US" dirty="0"/>
+              <a:t> </a:t>
+            </a:r>
+            <a:r>
+              <a:rPr lang="en-US" dirty="0" err="1"/>
+              <a:t>roolipelidemo</a:t>
+            </a:r>
+            <a:r>
+              <a:rPr lang="en-US" dirty="0"/>
+              <a:t> ja </a:t>
+            </a:r>
+            <a:r>
+              <a:rPr lang="en-US" dirty="0" err="1"/>
+              <a:t>miks</a:t>
+            </a:r>
+            <a:r>
+              <a:rPr lang="en-US" dirty="0"/>
+              <a:t> just </a:t>
+            </a:r>
+            <a:r>
+              <a:rPr lang="en-US" dirty="0" err="1"/>
+              <a:t>opengl:llä</a:t>
+            </a:r>
+            <a:r>
+              <a:rPr lang="en-US" dirty="0"/>
+              <a:t>? </a:t>
+            </a:r>
+            <a:r>
+              <a:rPr lang="en-US" dirty="0" err="1"/>
+              <a:t>Roolipeli</a:t>
+            </a:r>
+            <a:r>
+              <a:rPr lang="en-US" dirty="0"/>
+              <a:t> </a:t>
+            </a:r>
+            <a:r>
+              <a:rPr lang="en-US" dirty="0" err="1"/>
+              <a:t>sen</a:t>
+            </a:r>
+            <a:r>
+              <a:rPr lang="en-US" dirty="0"/>
+              <a:t> </a:t>
+            </a:r>
+            <a:r>
+              <a:rPr lang="en-US" dirty="0" err="1"/>
+              <a:t>takia</a:t>
+            </a:r>
+            <a:r>
+              <a:rPr lang="en-US" dirty="0"/>
+              <a:t> </a:t>
+            </a:r>
+            <a:r>
+              <a:rPr lang="en-US" dirty="0" err="1"/>
+              <a:t>että</a:t>
+            </a:r>
+            <a:r>
+              <a:rPr lang="en-US" dirty="0"/>
+              <a:t> </a:t>
+            </a:r>
+            <a:r>
+              <a:rPr lang="en-US" dirty="0" err="1"/>
+              <a:t>tykkäsin</a:t>
+            </a:r>
+            <a:r>
+              <a:rPr lang="en-US" dirty="0"/>
+              <a:t> </a:t>
+            </a:r>
+            <a:r>
+              <a:rPr lang="en-US" dirty="0" err="1"/>
+              <a:t>lapsena</a:t>
+            </a:r>
+            <a:r>
+              <a:rPr lang="en-US" dirty="0"/>
+              <a:t> </a:t>
+            </a:r>
+            <a:r>
+              <a:rPr lang="en-US" dirty="0" err="1"/>
+              <a:t>pelata</a:t>
+            </a:r>
+            <a:r>
+              <a:rPr lang="en-US" dirty="0"/>
+              <a:t> </a:t>
+            </a:r>
+            <a:r>
+              <a:rPr lang="en-US" dirty="0" err="1"/>
+              <a:t>playstation</a:t>
+            </a:r>
+            <a:r>
+              <a:rPr lang="en-US" dirty="0"/>
+              <a:t> 1 </a:t>
+            </a:r>
+            <a:r>
+              <a:rPr lang="en-US" dirty="0" err="1"/>
+              <a:t>aikoina</a:t>
+            </a:r>
+            <a:r>
+              <a:rPr lang="en-US" dirty="0"/>
+              <a:t> </a:t>
+            </a:r>
+            <a:r>
+              <a:rPr lang="en-US" dirty="0" err="1"/>
+              <a:t>paljo</a:t>
+            </a:r>
+            <a:r>
+              <a:rPr lang="en-US" dirty="0"/>
+              <a:t> </a:t>
+            </a:r>
+            <a:r>
+              <a:rPr lang="en-US" dirty="0" err="1"/>
+              <a:t>kolmiulotteisia</a:t>
+            </a:r>
+            <a:r>
+              <a:rPr lang="en-US" dirty="0"/>
+              <a:t> </a:t>
+            </a:r>
+            <a:r>
+              <a:rPr lang="en-US" dirty="0" err="1"/>
+              <a:t>roolipeleijä</a:t>
+            </a:r>
+            <a:r>
+              <a:rPr lang="en-US" dirty="0"/>
+              <a:t> </a:t>
+            </a:r>
+            <a:r>
+              <a:rPr lang="en-US" dirty="0" err="1"/>
+              <a:t>joita</a:t>
+            </a:r>
+            <a:r>
+              <a:rPr lang="en-US" dirty="0"/>
+              <a:t> </a:t>
+            </a:r>
+            <a:r>
+              <a:rPr lang="en-US" dirty="0" err="1"/>
+              <a:t>siihe</a:t>
+            </a:r>
+            <a:r>
+              <a:rPr lang="en-US" dirty="0"/>
+              <a:t> </a:t>
+            </a:r>
+            <a:r>
+              <a:rPr lang="en-US" dirty="0" err="1"/>
+              <a:t>aikaa</a:t>
+            </a:r>
+            <a:r>
+              <a:rPr lang="en-US" dirty="0"/>
+              <a:t> </a:t>
+            </a:r>
+            <a:r>
+              <a:rPr lang="en-US" dirty="0" err="1"/>
+              <a:t>oli</a:t>
+            </a:r>
+            <a:r>
+              <a:rPr lang="en-US" dirty="0"/>
+              <a:t> </a:t>
+            </a:r>
+            <a:r>
+              <a:rPr lang="en-US" dirty="0" err="1"/>
+              <a:t>paljon</a:t>
+            </a:r>
+            <a:r>
+              <a:rPr lang="en-US" dirty="0"/>
+              <a:t>. *</a:t>
+            </a:r>
+            <a:r>
+              <a:rPr lang="en-US" dirty="0" err="1"/>
+              <a:t>ClLICK</a:t>
+            </a:r>
+            <a:r>
+              <a:rPr lang="en-US" dirty="0"/>
+              <a:t>* Final fantasy </a:t>
+            </a:r>
+            <a:r>
+              <a:rPr lang="en-US" dirty="0" err="1"/>
+              <a:t>seiskaa</a:t>
+            </a:r>
+            <a:r>
+              <a:rPr lang="en-US" dirty="0"/>
+              <a:t>, The Legend of </a:t>
+            </a:r>
+            <a:r>
+              <a:rPr lang="en-US" dirty="0" err="1"/>
+              <a:t>dragoonia</a:t>
+            </a:r>
+            <a:r>
+              <a:rPr lang="en-US" dirty="0"/>
+              <a:t>, </a:t>
+            </a:r>
+            <a:r>
+              <a:rPr lang="en-US" dirty="0" err="1"/>
+              <a:t>chono</a:t>
+            </a:r>
+            <a:r>
+              <a:rPr lang="en-US" dirty="0"/>
+              <a:t> cross, legend of </a:t>
+            </a:r>
+            <a:r>
+              <a:rPr lang="en-US" dirty="0" err="1"/>
+              <a:t>legaia</a:t>
+            </a:r>
+            <a:r>
+              <a:rPr lang="en-US" dirty="0"/>
+              <a:t>, </a:t>
+            </a:r>
+            <a:r>
+              <a:rPr lang="en-US" dirty="0" err="1"/>
+              <a:t>tän</a:t>
+            </a:r>
+            <a:r>
+              <a:rPr lang="en-US" dirty="0"/>
+              <a:t> </a:t>
+            </a:r>
+            <a:r>
+              <a:rPr lang="en-US" dirty="0" err="1"/>
+              <a:t>tyyppisiä</a:t>
+            </a:r>
+            <a:r>
+              <a:rPr lang="en-US" dirty="0"/>
+              <a:t> </a:t>
+            </a:r>
+            <a:r>
+              <a:rPr lang="en-US" dirty="0" err="1"/>
+              <a:t>pelejä</a:t>
+            </a:r>
+            <a:r>
+              <a:rPr lang="en-US" dirty="0"/>
+              <a:t> </a:t>
+            </a:r>
+            <a:r>
+              <a:rPr lang="en-US" dirty="0" err="1"/>
+              <a:t>oli</a:t>
+            </a:r>
+            <a:r>
+              <a:rPr lang="en-US" dirty="0"/>
+              <a:t> </a:t>
+            </a:r>
+            <a:r>
+              <a:rPr lang="en-US" dirty="0" err="1"/>
+              <a:t>paljo</a:t>
+            </a:r>
+            <a:r>
+              <a:rPr lang="en-US" dirty="0"/>
+              <a:t>. </a:t>
+            </a:r>
+            <a:r>
+              <a:rPr lang="en-US" dirty="0" err="1"/>
+              <a:t>Tykkään</a:t>
+            </a:r>
+            <a:r>
+              <a:rPr lang="en-US" dirty="0"/>
+              <a:t> </a:t>
+            </a:r>
+            <a:r>
+              <a:rPr lang="en-US" dirty="0" err="1"/>
+              <a:t>pelata</a:t>
+            </a:r>
+            <a:r>
+              <a:rPr lang="en-US" dirty="0"/>
+              <a:t> </a:t>
+            </a:r>
+            <a:r>
+              <a:rPr lang="en-US" dirty="0" err="1"/>
+              <a:t>tän</a:t>
+            </a:r>
+            <a:r>
+              <a:rPr lang="en-US" dirty="0"/>
+              <a:t> </a:t>
+            </a:r>
+            <a:r>
+              <a:rPr lang="en-US" dirty="0" err="1"/>
+              <a:t>tyyppisiä</a:t>
+            </a:r>
+            <a:r>
+              <a:rPr lang="en-US" dirty="0"/>
+              <a:t> </a:t>
+            </a:r>
+            <a:r>
+              <a:rPr lang="en-US" dirty="0" err="1"/>
+              <a:t>pelejä</a:t>
+            </a:r>
+            <a:r>
+              <a:rPr lang="en-US" dirty="0"/>
+              <a:t> </a:t>
+            </a:r>
+            <a:r>
+              <a:rPr lang="en-US" dirty="0" err="1"/>
+              <a:t>ni</a:t>
+            </a:r>
+            <a:r>
+              <a:rPr lang="en-US" dirty="0"/>
+              <a:t> teen </a:t>
+            </a:r>
+            <a:r>
+              <a:rPr lang="en-US" dirty="0" err="1"/>
+              <a:t>mieluiten</a:t>
+            </a:r>
+            <a:r>
+              <a:rPr lang="en-US" dirty="0"/>
+              <a:t> </a:t>
+            </a:r>
+            <a:r>
+              <a:rPr lang="en-US" dirty="0" err="1"/>
+              <a:t>opparin</a:t>
+            </a:r>
+            <a:r>
+              <a:rPr lang="en-US" dirty="0"/>
+              <a:t> </a:t>
+            </a:r>
+            <a:r>
+              <a:rPr lang="en-US" dirty="0" err="1"/>
+              <a:t>tän</a:t>
+            </a:r>
+            <a:r>
+              <a:rPr lang="en-US" dirty="0"/>
+              <a:t> </a:t>
+            </a:r>
+            <a:r>
+              <a:rPr lang="en-US" dirty="0" err="1"/>
+              <a:t>tyyppisestä</a:t>
+            </a:r>
+            <a:r>
+              <a:rPr lang="en-US" dirty="0"/>
+              <a:t> </a:t>
+            </a:r>
+            <a:r>
+              <a:rPr lang="en-US" dirty="0" err="1"/>
+              <a:t>pelistä</a:t>
+            </a:r>
+            <a:r>
+              <a:rPr lang="en-US" dirty="0"/>
+              <a:t>. Ja </a:t>
+            </a:r>
+            <a:r>
+              <a:rPr lang="en-US" dirty="0" err="1"/>
+              <a:t>OpenGLän</a:t>
+            </a:r>
+            <a:r>
+              <a:rPr lang="en-US" dirty="0"/>
+              <a:t> </a:t>
+            </a:r>
+            <a:r>
+              <a:rPr lang="en-US" dirty="0" err="1"/>
+              <a:t>valitsin</a:t>
+            </a:r>
+            <a:r>
+              <a:rPr lang="en-US" dirty="0"/>
+              <a:t> </a:t>
+            </a:r>
+            <a:r>
+              <a:rPr lang="en-US" dirty="0" err="1"/>
+              <a:t>siks</a:t>
+            </a:r>
+            <a:r>
+              <a:rPr lang="en-US" dirty="0"/>
+              <a:t> et </a:t>
+            </a:r>
+            <a:r>
+              <a:rPr lang="en-US" dirty="0" err="1"/>
+              <a:t>halusin</a:t>
+            </a:r>
+            <a:r>
+              <a:rPr lang="en-US" dirty="0"/>
+              <a:t> </a:t>
+            </a:r>
+            <a:r>
+              <a:rPr lang="en-US" dirty="0" err="1"/>
+              <a:t>haastaa</a:t>
+            </a:r>
+            <a:r>
+              <a:rPr lang="en-US" dirty="0"/>
+              <a:t> </a:t>
+            </a:r>
+            <a:r>
+              <a:rPr lang="en-US" dirty="0" err="1"/>
+              <a:t>itteni</a:t>
+            </a:r>
+            <a:r>
+              <a:rPr lang="en-US" dirty="0"/>
+              <a:t> ja </a:t>
+            </a:r>
+            <a:r>
+              <a:rPr lang="en-US" dirty="0" err="1"/>
+              <a:t>tutustua</a:t>
+            </a:r>
+            <a:r>
+              <a:rPr lang="en-US" dirty="0"/>
+              <a:t> </a:t>
+            </a:r>
+            <a:r>
+              <a:rPr lang="en-US" dirty="0" err="1"/>
+              <a:t>ehkä</a:t>
+            </a:r>
+            <a:r>
+              <a:rPr lang="en-US" dirty="0"/>
+              <a:t> </a:t>
+            </a:r>
+            <a:r>
+              <a:rPr lang="en-US" dirty="0" err="1"/>
+              <a:t>vähä</a:t>
+            </a:r>
+            <a:r>
+              <a:rPr lang="en-US" dirty="0"/>
+              <a:t> </a:t>
+            </a:r>
+            <a:r>
+              <a:rPr lang="en-US" dirty="0" err="1"/>
+              <a:t>enemmä</a:t>
+            </a:r>
+            <a:r>
+              <a:rPr lang="en-US" dirty="0"/>
+              <a:t> </a:t>
+            </a:r>
+            <a:r>
+              <a:rPr lang="en-US" dirty="0" err="1"/>
+              <a:t>myös</a:t>
+            </a:r>
+            <a:r>
+              <a:rPr lang="en-US" dirty="0"/>
+              <a:t> </a:t>
+            </a:r>
+            <a:r>
+              <a:rPr lang="en-US" dirty="0" err="1"/>
+              <a:t>pelimoottorin</a:t>
+            </a:r>
+            <a:r>
+              <a:rPr lang="en-US" dirty="0"/>
+              <a:t> </a:t>
+            </a:r>
+            <a:r>
+              <a:rPr lang="en-US" dirty="0" err="1"/>
+              <a:t>toteutukseen</a:t>
+            </a:r>
+            <a:r>
+              <a:rPr lang="en-US" dirty="0"/>
+              <a:t>. (</a:t>
+            </a:r>
+            <a:r>
+              <a:rPr lang="en-US" dirty="0" err="1"/>
+              <a:t>Unityl</a:t>
+            </a:r>
+            <a:r>
+              <a:rPr lang="en-US" dirty="0"/>
+              <a:t> ja unreal engine demon </a:t>
+            </a:r>
+            <a:r>
+              <a:rPr lang="en-US" dirty="0" err="1"/>
+              <a:t>teko</a:t>
+            </a:r>
+            <a:r>
+              <a:rPr lang="en-US" dirty="0"/>
+              <a:t> </a:t>
+            </a:r>
+            <a:r>
+              <a:rPr lang="en-US" dirty="0" err="1"/>
+              <a:t>olis</a:t>
+            </a:r>
+            <a:r>
+              <a:rPr lang="en-US" dirty="0"/>
+              <a:t> </a:t>
+            </a:r>
+            <a:r>
+              <a:rPr lang="en-US" dirty="0" err="1"/>
+              <a:t>ollu</a:t>
+            </a:r>
+            <a:r>
+              <a:rPr lang="en-US" dirty="0"/>
+              <a:t> </a:t>
+            </a:r>
+            <a:r>
+              <a:rPr lang="en-US" dirty="0" err="1"/>
+              <a:t>tosi</a:t>
+            </a:r>
+            <a:r>
+              <a:rPr lang="en-US" dirty="0"/>
+              <a:t> </a:t>
+            </a:r>
+            <a:r>
+              <a:rPr lang="en-US" dirty="0" err="1"/>
+              <a:t>nopee</a:t>
+            </a:r>
+            <a:r>
+              <a:rPr lang="en-US" dirty="0"/>
+              <a:t>)</a:t>
+            </a:r>
+          </a:p>
+        </p:txBody>
+      </p:sp>
+      <p:sp>
+        <p:nvSpPr>
+          <p:cNvPr id="4" name="Slide Number Placeholder 3"/>
+          <p:cNvSpPr>
+            <a:spLocks noGrp="1"/>
+          </p:cNvSpPr>
+          <p:nvPr>
+            <p:ph type="sldNum" sz="quarter" idx="5"/>
+          </p:nvPr>
+        </p:nvSpPr>
+        <p:spPr/>
+        <p:txBody>
+          <a:bodyPr/>
+          <a:lstStyle/>
+          <a:p>
+            <a:fld id="{1E423D94-705C-4504-911F-B0FC4EFA50F0}" type="slidenum">
+              <a:rPr lang="en-US" smtClean="0"/>
+              <a:t>3</a:t>
+            </a:fld>
+            <a:endParaRPr lang="en-US"/>
+          </a:p>
+        </p:txBody>
+      </p:sp>
+    </p:spTree>
+    <p:extLst>
+      <p:ext uri="{BB962C8B-B14F-4D97-AF65-F5344CB8AC3E}">
+        <p14:creationId xmlns:p14="http://schemas.microsoft.com/office/powerpoint/2010/main" val="2341075325"/>
+      </p:ext>
+    </p:extLst>
+  </p:cSld>
+  <p:clrMapOvr>
+    <a:masterClrMapping/>
+  </p:clrMapOvr>
+</p:notes>
+</file>
+
+<file path=ppt/notesSlides/notesSlide4.xml><?xml version="1.0" encoding="utf-8"?>
+<p:notes xmlns:a="http://schemas.openxmlformats.org/drawingml/2006/main" xmlns:r="http://schemas.openxmlformats.org/officeDocument/2006/relationships" xmlns:p="http://schemas.openxmlformats.org/presentationml/2006/main">
+  <p:cSld>
+    <p:spTree>
+      <p:nvGrpSpPr>
+        <p:cNvPr id="1" name=""/>
+        <p:cNvGrpSpPr/>
+        <p:nvPr/>
+      </p:nvGrpSpPr>
+      <p:grpSpPr>
+        <a:xfrm>
+          <a:off x="0" y="0"/>
+          <a:ext cx="0" cy="0"/>
+          <a:chOff x="0" y="0"/>
+          <a:chExt cx="0" cy="0"/>
+        </a:xfrm>
+      </p:grpSpPr>
+      <p:sp>
+        <p:nvSpPr>
+          <p:cNvPr id="2" name="Slide Image Placeholder 1"/>
+          <p:cNvSpPr>
+            <a:spLocks noGrp="1" noRot="1" noChangeAspect="1"/>
+          </p:cNvSpPr>
+          <p:nvPr>
+            <p:ph type="sldImg"/>
+          </p:nvPr>
+        </p:nvSpPr>
+        <p:spPr/>
+      </p:sp>
+      <p:sp>
+        <p:nvSpPr>
+          <p:cNvPr id="3" name="Notes Placeholder 2"/>
+          <p:cNvSpPr>
+            <a:spLocks noGrp="1"/>
+          </p:cNvSpPr>
+          <p:nvPr>
+            <p:ph type="body" idx="1"/>
+          </p:nvPr>
+        </p:nvSpPr>
+        <p:spPr/>
+        <p:txBody>
+          <a:bodyPr/>
+          <a:lstStyle/>
+          <a:p>
+            <a:r>
+              <a:rPr lang="en-US" dirty="0" err="1"/>
+              <a:t>Kuten</a:t>
+            </a:r>
+            <a:r>
+              <a:rPr lang="en-US" dirty="0"/>
+              <a:t> </a:t>
+            </a:r>
+            <a:r>
+              <a:rPr lang="en-US" dirty="0" err="1"/>
+              <a:t>tossa</a:t>
+            </a:r>
+            <a:r>
+              <a:rPr lang="en-US" dirty="0"/>
+              <a:t> </a:t>
+            </a:r>
+            <a:r>
+              <a:rPr lang="en-US" dirty="0" err="1"/>
+              <a:t>tuli</a:t>
+            </a:r>
+            <a:r>
+              <a:rPr lang="en-US" dirty="0"/>
+              <a:t> </a:t>
+            </a:r>
+            <a:r>
+              <a:rPr lang="en-US" dirty="0" err="1"/>
+              <a:t>mainittua</a:t>
+            </a:r>
+            <a:r>
+              <a:rPr lang="en-US" dirty="0"/>
+              <a:t> </a:t>
+            </a:r>
+            <a:r>
+              <a:rPr lang="en-US" dirty="0" err="1"/>
+              <a:t>ni</a:t>
+            </a:r>
+            <a:r>
+              <a:rPr lang="en-US" dirty="0"/>
+              <a:t> </a:t>
+            </a:r>
+            <a:r>
+              <a:rPr lang="en-US" dirty="0" err="1"/>
+              <a:t>OpenGL:ää</a:t>
+            </a:r>
+            <a:r>
+              <a:rPr lang="en-US" dirty="0"/>
+              <a:t> </a:t>
+            </a:r>
+            <a:r>
+              <a:rPr lang="en-US" dirty="0" err="1"/>
+              <a:t>käytetään</a:t>
+            </a:r>
+            <a:r>
+              <a:rPr lang="en-US" dirty="0"/>
+              <a:t>. OpenGL o </a:t>
+            </a:r>
+            <a:r>
+              <a:rPr lang="en-US" dirty="0" err="1"/>
+              <a:t>ohjelmointirajapinta</a:t>
+            </a:r>
+            <a:r>
+              <a:rPr lang="en-US" dirty="0"/>
+              <a:t> 2 ja 3d </a:t>
+            </a:r>
+            <a:r>
+              <a:rPr lang="en-US" dirty="0" err="1"/>
+              <a:t>grafiikan</a:t>
+            </a:r>
+            <a:r>
+              <a:rPr lang="en-US" dirty="0"/>
+              <a:t> </a:t>
+            </a:r>
+            <a:r>
+              <a:rPr lang="en-US" dirty="0" err="1"/>
+              <a:t>piirtämiseen</a:t>
+            </a:r>
+            <a:r>
+              <a:rPr lang="en-US" dirty="0"/>
+              <a:t>. </a:t>
+            </a:r>
+            <a:r>
+              <a:rPr lang="en-US" dirty="0" err="1"/>
+              <a:t>Tän</a:t>
+            </a:r>
+            <a:r>
+              <a:rPr lang="en-US" dirty="0"/>
+              <a:t> </a:t>
+            </a:r>
+            <a:r>
+              <a:rPr lang="en-US" dirty="0" err="1"/>
+              <a:t>projektin</a:t>
+            </a:r>
+            <a:r>
+              <a:rPr lang="en-US" dirty="0"/>
+              <a:t> </a:t>
+            </a:r>
+            <a:r>
+              <a:rPr lang="en-US" dirty="0" err="1"/>
+              <a:t>toteuttamisee</a:t>
+            </a:r>
+            <a:r>
+              <a:rPr lang="en-US" dirty="0"/>
+              <a:t> </a:t>
+            </a:r>
+            <a:r>
+              <a:rPr lang="en-US" dirty="0" err="1"/>
+              <a:t>tullaa</a:t>
+            </a:r>
+            <a:r>
+              <a:rPr lang="en-US" dirty="0"/>
+              <a:t> </a:t>
+            </a:r>
+            <a:r>
+              <a:rPr lang="en-US" dirty="0" err="1"/>
+              <a:t>myös</a:t>
+            </a:r>
+            <a:r>
+              <a:rPr lang="en-US" dirty="0"/>
+              <a:t> </a:t>
+            </a:r>
+            <a:r>
+              <a:rPr lang="en-US" dirty="0" err="1"/>
+              <a:t>käyttämää</a:t>
+            </a:r>
+            <a:r>
+              <a:rPr lang="en-US" dirty="0"/>
+              <a:t> </a:t>
+            </a:r>
+            <a:r>
+              <a:rPr lang="en-US" dirty="0" err="1"/>
+              <a:t>monia</a:t>
+            </a:r>
+            <a:r>
+              <a:rPr lang="en-US" dirty="0"/>
+              <a:t> </a:t>
+            </a:r>
+            <a:r>
+              <a:rPr lang="en-US" dirty="0" err="1"/>
+              <a:t>erilaisia</a:t>
+            </a:r>
+            <a:r>
+              <a:rPr lang="en-US" dirty="0"/>
+              <a:t> </a:t>
+            </a:r>
+            <a:r>
+              <a:rPr lang="en-US" dirty="0" err="1"/>
+              <a:t>ohjelmistokirjastoja</a:t>
+            </a:r>
+            <a:r>
+              <a:rPr lang="en-US" dirty="0"/>
+              <a:t>, </a:t>
+            </a:r>
+            <a:r>
+              <a:rPr lang="en-US" dirty="0" err="1"/>
+              <a:t>esimerkiks</a:t>
+            </a:r>
+            <a:r>
+              <a:rPr lang="en-US" dirty="0"/>
+              <a:t> </a:t>
+            </a:r>
+            <a:r>
+              <a:rPr lang="en-US" dirty="0" err="1"/>
+              <a:t>ääniä</a:t>
+            </a:r>
+            <a:r>
+              <a:rPr lang="en-US" dirty="0"/>
+              <a:t> </a:t>
+            </a:r>
+            <a:r>
+              <a:rPr lang="en-US" dirty="0" err="1"/>
+              <a:t>varten</a:t>
+            </a:r>
+            <a:r>
+              <a:rPr lang="en-US" dirty="0"/>
+              <a:t> </a:t>
+            </a:r>
+            <a:r>
+              <a:rPr lang="en-US" dirty="0" err="1"/>
+              <a:t>käytetään</a:t>
+            </a:r>
+            <a:r>
+              <a:rPr lang="en-US" dirty="0"/>
+              <a:t> </a:t>
+            </a:r>
+            <a:r>
+              <a:rPr lang="en-US" dirty="0" err="1"/>
+              <a:t>OpenAL:ää</a:t>
+            </a:r>
+            <a:r>
+              <a:rPr lang="en-US" dirty="0"/>
+              <a:t>, sit on GLM </a:t>
+            </a:r>
+            <a:r>
+              <a:rPr lang="en-US" dirty="0" err="1"/>
+              <a:t>eli</a:t>
+            </a:r>
+            <a:r>
+              <a:rPr lang="en-US" dirty="0"/>
+              <a:t> </a:t>
+            </a:r>
+            <a:r>
+              <a:rPr lang="en-US" dirty="0" err="1"/>
+              <a:t>ohjelmistokirjasto</a:t>
+            </a:r>
+            <a:r>
+              <a:rPr lang="en-US" dirty="0"/>
+              <a:t> </a:t>
+            </a:r>
+            <a:r>
+              <a:rPr lang="en-US" dirty="0" err="1"/>
+              <a:t>joka</a:t>
+            </a:r>
+            <a:r>
+              <a:rPr lang="en-US" dirty="0"/>
+              <a:t> </a:t>
+            </a:r>
+            <a:r>
+              <a:rPr lang="en-US" dirty="0" err="1"/>
+              <a:t>sisältää</a:t>
+            </a:r>
+            <a:r>
+              <a:rPr lang="en-US" dirty="0"/>
+              <a:t> </a:t>
+            </a:r>
+            <a:r>
+              <a:rPr lang="en-US" dirty="0" err="1"/>
+              <a:t>vektori</a:t>
+            </a:r>
+            <a:r>
+              <a:rPr lang="en-US" dirty="0"/>
+              <a:t> ja </a:t>
+            </a:r>
+            <a:r>
+              <a:rPr lang="en-US" dirty="0" err="1"/>
+              <a:t>matriisilaskentaa</a:t>
+            </a:r>
+            <a:r>
+              <a:rPr lang="en-US" dirty="0"/>
+              <a:t> </a:t>
+            </a:r>
+            <a:r>
+              <a:rPr lang="en-US" dirty="0" err="1"/>
+              <a:t>liittyviä</a:t>
+            </a:r>
+            <a:r>
+              <a:rPr lang="en-US" dirty="0"/>
+              <a:t> </a:t>
+            </a:r>
+            <a:r>
+              <a:rPr lang="en-US" dirty="0" err="1"/>
+              <a:t>funktioita</a:t>
+            </a:r>
+            <a:r>
+              <a:rPr lang="en-US" dirty="0"/>
+              <a:t>. Ja </a:t>
+            </a:r>
+            <a:r>
+              <a:rPr lang="en-US" dirty="0" err="1"/>
+              <a:t>suurin</a:t>
+            </a:r>
+            <a:r>
+              <a:rPr lang="en-US" dirty="0"/>
+              <a:t> </a:t>
+            </a:r>
+            <a:r>
+              <a:rPr lang="en-US" dirty="0" err="1"/>
+              <a:t>osa</a:t>
+            </a:r>
+            <a:r>
+              <a:rPr lang="en-US" dirty="0"/>
+              <a:t> </a:t>
+            </a:r>
+            <a:r>
+              <a:rPr lang="en-US" dirty="0" err="1"/>
+              <a:t>työstä</a:t>
+            </a:r>
+            <a:r>
+              <a:rPr lang="en-US" dirty="0"/>
+              <a:t> </a:t>
+            </a:r>
+            <a:r>
+              <a:rPr lang="en-US" dirty="0" err="1"/>
+              <a:t>tulee</a:t>
+            </a:r>
+            <a:r>
+              <a:rPr lang="en-US" dirty="0"/>
+              <a:t> </a:t>
+            </a:r>
+            <a:r>
+              <a:rPr lang="en-US" dirty="0" err="1"/>
+              <a:t>olemaan</a:t>
+            </a:r>
+            <a:r>
+              <a:rPr lang="en-US" dirty="0"/>
+              <a:t> </a:t>
+            </a:r>
+            <a:r>
+              <a:rPr lang="en-US" dirty="0" err="1"/>
+              <a:t>tota</a:t>
+            </a:r>
+            <a:r>
+              <a:rPr lang="en-US" dirty="0"/>
+              <a:t> </a:t>
+            </a:r>
+            <a:r>
+              <a:rPr lang="en-US" dirty="0" err="1"/>
+              <a:t>ite</a:t>
+            </a:r>
+            <a:r>
+              <a:rPr lang="en-US" dirty="0"/>
+              <a:t> </a:t>
+            </a:r>
+            <a:r>
+              <a:rPr lang="en-US" dirty="0" err="1"/>
+              <a:t>pelimoottorin</a:t>
+            </a:r>
+            <a:r>
+              <a:rPr lang="en-US" dirty="0"/>
+              <a:t> </a:t>
+            </a:r>
+            <a:r>
+              <a:rPr lang="en-US" dirty="0" err="1"/>
+              <a:t>osien</a:t>
+            </a:r>
+            <a:r>
+              <a:rPr lang="en-US" dirty="0"/>
+              <a:t> </a:t>
+            </a:r>
+            <a:r>
+              <a:rPr lang="en-US" dirty="0" err="1"/>
+              <a:t>koodausta</a:t>
+            </a:r>
+            <a:r>
+              <a:rPr lang="en-US" dirty="0"/>
+              <a:t>, </a:t>
+            </a:r>
+            <a:r>
+              <a:rPr lang="en-US" dirty="0" err="1"/>
+              <a:t>koska</a:t>
+            </a:r>
+            <a:r>
+              <a:rPr lang="en-US" dirty="0"/>
+              <a:t> </a:t>
+            </a:r>
+            <a:r>
+              <a:rPr lang="en-US" dirty="0" err="1"/>
+              <a:t>siihe</a:t>
+            </a:r>
+            <a:r>
+              <a:rPr lang="en-US" dirty="0"/>
+              <a:t> </a:t>
+            </a:r>
+            <a:r>
+              <a:rPr lang="en-US" dirty="0" err="1"/>
+              <a:t>liittyy</a:t>
+            </a:r>
+            <a:r>
+              <a:rPr lang="en-US" dirty="0"/>
+              <a:t> </a:t>
+            </a:r>
+            <a:r>
+              <a:rPr lang="en-US" dirty="0" err="1"/>
+              <a:t>aika</a:t>
+            </a:r>
+            <a:r>
+              <a:rPr lang="en-US" dirty="0"/>
+              <a:t> </a:t>
+            </a:r>
+            <a:r>
+              <a:rPr lang="en-US" dirty="0" err="1"/>
+              <a:t>paljo</a:t>
+            </a:r>
+            <a:r>
+              <a:rPr lang="en-US" dirty="0"/>
+              <a:t>. Just </a:t>
+            </a:r>
+            <a:r>
+              <a:rPr lang="en-US" dirty="0" err="1"/>
+              <a:t>ruudulle</a:t>
+            </a:r>
+            <a:r>
+              <a:rPr lang="en-US" dirty="0"/>
+              <a:t> </a:t>
+            </a:r>
+            <a:r>
+              <a:rPr lang="en-US" dirty="0" err="1"/>
+              <a:t>piirtämine</a:t>
+            </a:r>
+            <a:r>
+              <a:rPr lang="en-US" dirty="0"/>
+              <a:t>, </a:t>
+            </a:r>
+            <a:r>
+              <a:rPr lang="en-US" dirty="0" err="1"/>
+              <a:t>äänien</a:t>
+            </a:r>
+            <a:r>
+              <a:rPr lang="en-US" dirty="0"/>
+              <a:t> </a:t>
+            </a:r>
+            <a:r>
+              <a:rPr lang="en-US" dirty="0" err="1"/>
+              <a:t>lataus</a:t>
+            </a:r>
+            <a:r>
+              <a:rPr lang="en-US" dirty="0"/>
+              <a:t> WAV </a:t>
+            </a:r>
+            <a:r>
+              <a:rPr lang="en-US" dirty="0" err="1"/>
+              <a:t>tiedostosta</a:t>
+            </a:r>
+            <a:r>
+              <a:rPr lang="en-US" dirty="0"/>
+              <a:t> ja </a:t>
+            </a:r>
+            <a:r>
+              <a:rPr lang="en-US" dirty="0" err="1"/>
+              <a:t>mallien</a:t>
+            </a:r>
+            <a:r>
+              <a:rPr lang="en-US" dirty="0"/>
+              <a:t> </a:t>
+            </a:r>
+            <a:r>
+              <a:rPr lang="en-US" dirty="0" err="1"/>
+              <a:t>lataus</a:t>
+            </a:r>
+            <a:r>
+              <a:rPr lang="en-US" dirty="0"/>
+              <a:t> obj </a:t>
+            </a:r>
+            <a:r>
+              <a:rPr lang="en-US" dirty="0" err="1"/>
+              <a:t>tiedostoista</a:t>
+            </a:r>
+            <a:r>
+              <a:rPr lang="en-US" dirty="0"/>
+              <a:t>, </a:t>
+            </a:r>
+            <a:r>
+              <a:rPr lang="en-US" dirty="0" err="1"/>
+              <a:t>yksinkertaset</a:t>
+            </a:r>
+            <a:r>
+              <a:rPr lang="en-US" dirty="0"/>
+              <a:t> </a:t>
+            </a:r>
+            <a:r>
+              <a:rPr lang="en-US" dirty="0" err="1"/>
+              <a:t>collisionit</a:t>
+            </a:r>
+            <a:r>
+              <a:rPr lang="en-US" dirty="0"/>
+              <a:t>.</a:t>
+            </a:r>
+          </a:p>
+        </p:txBody>
+      </p:sp>
+      <p:sp>
+        <p:nvSpPr>
+          <p:cNvPr id="4" name="Slide Number Placeholder 3"/>
+          <p:cNvSpPr>
+            <a:spLocks noGrp="1"/>
+          </p:cNvSpPr>
+          <p:nvPr>
+            <p:ph type="sldNum" sz="quarter" idx="5"/>
+          </p:nvPr>
+        </p:nvSpPr>
+        <p:spPr/>
+        <p:txBody>
+          <a:bodyPr/>
+          <a:lstStyle/>
+          <a:p>
+            <a:fld id="{1E423D94-705C-4504-911F-B0FC4EFA50F0}" type="slidenum">
+              <a:rPr lang="en-US" smtClean="0"/>
+              <a:t>4</a:t>
+            </a:fld>
+            <a:endParaRPr lang="en-US"/>
+          </a:p>
+        </p:txBody>
+      </p:sp>
+    </p:spTree>
+    <p:extLst>
+      <p:ext uri="{BB962C8B-B14F-4D97-AF65-F5344CB8AC3E}">
+        <p14:creationId xmlns:p14="http://schemas.microsoft.com/office/powerpoint/2010/main" val="3839854037"/>
+      </p:ext>
+    </p:extLst>
+  </p:cSld>
+  <p:clrMapOvr>
+    <a:masterClrMapping/>
+  </p:clrMapOvr>
+</p:notes>
+</file>
+
+<file path=ppt/notesSlides/notesSlide5.xml><?xml version="1.0" encoding="utf-8"?>
+<p:notes xmlns:a="http://schemas.openxmlformats.org/drawingml/2006/main" xmlns:r="http://schemas.openxmlformats.org/officeDocument/2006/relationships" xmlns:p="http://schemas.openxmlformats.org/presentationml/2006/main">
+  <p:cSld>
+    <p:spTree>
+      <p:nvGrpSpPr>
+        <p:cNvPr id="1" name=""/>
+        <p:cNvGrpSpPr/>
+        <p:nvPr/>
+      </p:nvGrpSpPr>
+      <p:grpSpPr>
+        <a:xfrm>
+          <a:off x="0" y="0"/>
+          <a:ext cx="0" cy="0"/>
+          <a:chOff x="0" y="0"/>
+          <a:chExt cx="0" cy="0"/>
+        </a:xfrm>
+      </p:grpSpPr>
+      <p:sp>
+        <p:nvSpPr>
+          <p:cNvPr id="2" name="Slide Image Placeholder 1"/>
+          <p:cNvSpPr>
+            <a:spLocks noGrp="1" noRot="1" noChangeAspect="1"/>
+          </p:cNvSpPr>
+          <p:nvPr>
+            <p:ph type="sldImg"/>
+          </p:nvPr>
+        </p:nvSpPr>
+        <p:spPr/>
+      </p:sp>
+      <p:sp>
+        <p:nvSpPr>
+          <p:cNvPr id="3" name="Notes Placeholder 2"/>
+          <p:cNvSpPr>
+            <a:spLocks noGrp="1"/>
+          </p:cNvSpPr>
+          <p:nvPr>
+            <p:ph type="body" idx="1"/>
+          </p:nvPr>
+        </p:nvSpPr>
+        <p:spPr/>
+        <p:txBody>
+          <a:bodyPr/>
+          <a:lstStyle/>
+          <a:p>
+            <a:r>
+              <a:rPr lang="en-US" dirty="0" err="1"/>
+              <a:t>Siinä</a:t>
+            </a:r>
+            <a:r>
+              <a:rPr lang="en-US" dirty="0"/>
+              <a:t> </a:t>
+            </a:r>
+            <a:r>
+              <a:rPr lang="en-US" dirty="0" err="1"/>
+              <a:t>olis</a:t>
+            </a:r>
+            <a:r>
+              <a:rPr lang="en-US" dirty="0"/>
+              <a:t> </a:t>
+            </a:r>
+            <a:r>
+              <a:rPr lang="en-US" dirty="0" err="1"/>
+              <a:t>toi</a:t>
+            </a:r>
+            <a:r>
+              <a:rPr lang="en-US" dirty="0"/>
+              <a:t> </a:t>
+            </a:r>
+            <a:r>
+              <a:rPr lang="en-US" dirty="0" err="1"/>
+              <a:t>sisällysluettelon</a:t>
+            </a:r>
+            <a:r>
+              <a:rPr lang="en-US" dirty="0"/>
+              <a:t> </a:t>
+            </a:r>
+            <a:r>
+              <a:rPr lang="en-US" dirty="0" err="1"/>
+              <a:t>hahmotelma</a:t>
+            </a:r>
+            <a:r>
+              <a:rPr lang="en-US" dirty="0"/>
+              <a:t>. Eli </a:t>
+            </a:r>
+            <a:r>
+              <a:rPr lang="en-US" dirty="0" err="1"/>
+              <a:t>tos</a:t>
+            </a:r>
+            <a:r>
+              <a:rPr lang="en-US" dirty="0"/>
+              <a:t> </a:t>
+            </a:r>
+            <a:r>
+              <a:rPr lang="en-US" dirty="0" err="1"/>
+              <a:t>opparissa</a:t>
+            </a:r>
+            <a:r>
+              <a:rPr lang="en-US" dirty="0"/>
+              <a:t> </a:t>
+            </a:r>
+            <a:r>
+              <a:rPr lang="en-US" dirty="0" err="1"/>
+              <a:t>aluks</a:t>
+            </a:r>
+            <a:r>
+              <a:rPr lang="en-US" dirty="0"/>
+              <a:t> </a:t>
+            </a:r>
+            <a:r>
+              <a:rPr lang="en-US" dirty="0" err="1"/>
+              <a:t>kerron</a:t>
+            </a:r>
+            <a:r>
+              <a:rPr lang="en-US" dirty="0"/>
+              <a:t> </a:t>
+            </a:r>
+            <a:r>
+              <a:rPr lang="en-US" dirty="0" err="1"/>
+              <a:t>mitä</a:t>
+            </a:r>
+            <a:r>
+              <a:rPr lang="en-US" dirty="0"/>
+              <a:t> </a:t>
+            </a:r>
+            <a:r>
+              <a:rPr lang="en-US" dirty="0" err="1"/>
+              <a:t>eri</a:t>
+            </a:r>
+            <a:r>
+              <a:rPr lang="en-US" dirty="0"/>
+              <a:t> </a:t>
+            </a:r>
+            <a:r>
+              <a:rPr lang="en-US" dirty="0" err="1"/>
+              <a:t>ohjelmistokirjastoi</a:t>
+            </a:r>
+            <a:r>
+              <a:rPr lang="en-US" dirty="0"/>
+              <a:t> ja </a:t>
+            </a:r>
+            <a:r>
+              <a:rPr lang="en-US" dirty="0" err="1"/>
+              <a:t>ohjelmii</a:t>
+            </a:r>
+            <a:r>
+              <a:rPr lang="en-US" dirty="0"/>
+              <a:t> on </a:t>
+            </a:r>
+            <a:r>
+              <a:rPr lang="en-US" dirty="0" err="1"/>
+              <a:t>käytetty</a:t>
+            </a:r>
+            <a:r>
+              <a:rPr lang="en-US" dirty="0"/>
+              <a:t>, sit </a:t>
+            </a:r>
+            <a:r>
+              <a:rPr lang="en-US" dirty="0" err="1"/>
+              <a:t>vähä</a:t>
+            </a:r>
+            <a:r>
+              <a:rPr lang="en-US" dirty="0"/>
+              <a:t> </a:t>
+            </a:r>
+            <a:r>
+              <a:rPr lang="en-US" dirty="0" err="1"/>
+              <a:t>siit</a:t>
+            </a:r>
+            <a:r>
+              <a:rPr lang="en-US" dirty="0"/>
+              <a:t> </a:t>
+            </a:r>
+            <a:r>
+              <a:rPr lang="en-US" dirty="0" err="1"/>
+              <a:t>projektin</a:t>
+            </a:r>
+            <a:r>
+              <a:rPr lang="en-US" dirty="0"/>
+              <a:t> </a:t>
+            </a:r>
+            <a:r>
+              <a:rPr lang="en-US" dirty="0" err="1"/>
+              <a:t>suunnittelusta</a:t>
+            </a:r>
+            <a:r>
+              <a:rPr lang="en-US" dirty="0"/>
+              <a:t> ja sit </a:t>
+            </a:r>
+            <a:r>
+              <a:rPr lang="en-US" dirty="0" err="1"/>
+              <a:t>ite</a:t>
+            </a:r>
+            <a:r>
+              <a:rPr lang="en-US" dirty="0"/>
+              <a:t> </a:t>
+            </a:r>
+            <a:r>
+              <a:rPr lang="en-US" dirty="0" err="1"/>
+              <a:t>toteutuksest</a:t>
+            </a:r>
+            <a:r>
+              <a:rPr lang="en-US" dirty="0"/>
+              <a:t>.</a:t>
+            </a:r>
+          </a:p>
+        </p:txBody>
+      </p:sp>
+      <p:sp>
+        <p:nvSpPr>
+          <p:cNvPr id="4" name="Slide Number Placeholder 3"/>
+          <p:cNvSpPr>
+            <a:spLocks noGrp="1"/>
+          </p:cNvSpPr>
+          <p:nvPr>
+            <p:ph type="sldNum" sz="quarter" idx="5"/>
+          </p:nvPr>
+        </p:nvSpPr>
+        <p:spPr/>
+        <p:txBody>
+          <a:bodyPr/>
+          <a:lstStyle/>
+          <a:p>
+            <a:fld id="{1E423D94-705C-4504-911F-B0FC4EFA50F0}" type="slidenum">
+              <a:rPr lang="en-US" smtClean="0"/>
+              <a:t>5</a:t>
+            </a:fld>
+            <a:endParaRPr lang="en-US"/>
+          </a:p>
+        </p:txBody>
+      </p:sp>
+    </p:spTree>
+    <p:extLst>
+      <p:ext uri="{BB962C8B-B14F-4D97-AF65-F5344CB8AC3E}">
+        <p14:creationId xmlns:p14="http://schemas.microsoft.com/office/powerpoint/2010/main" val="1754838001"/>
+      </p:ext>
+    </p:extLst>
+  </p:cSld>
+  <p:clrMapOvr>
+    <a:masterClrMapping/>
+  </p:clrMapOvr>
+</p:notes>
+</file>
+
+<file path=ppt/notesSlides/notesSlide6.xml><?xml version="1.0" encoding="utf-8"?>
+<p:notes xmlns:a="http://schemas.openxmlformats.org/drawingml/2006/main" xmlns:r="http://schemas.openxmlformats.org/officeDocument/2006/relationships" xmlns:p="http://schemas.openxmlformats.org/presentationml/2006/main">
+  <p:cSld>
+    <p:spTree>
+      <p:nvGrpSpPr>
+        <p:cNvPr id="1" name=""/>
+        <p:cNvGrpSpPr/>
+        <p:nvPr/>
+      </p:nvGrpSpPr>
+      <p:grpSpPr>
+        <a:xfrm>
+          <a:off x="0" y="0"/>
+          <a:ext cx="0" cy="0"/>
+          <a:chOff x="0" y="0"/>
+          <a:chExt cx="0" cy="0"/>
+        </a:xfrm>
+      </p:grpSpPr>
+      <p:sp>
+        <p:nvSpPr>
+          <p:cNvPr id="2" name="Slide Image Placeholder 1"/>
+          <p:cNvSpPr>
+            <a:spLocks noGrp="1" noRot="1" noChangeAspect="1"/>
+          </p:cNvSpPr>
+          <p:nvPr>
+            <p:ph type="sldImg"/>
+          </p:nvPr>
+        </p:nvSpPr>
+        <p:spPr/>
+      </p:sp>
+      <p:sp>
+        <p:nvSpPr>
+          <p:cNvPr id="3" name="Notes Placeholder 2"/>
+          <p:cNvSpPr>
+            <a:spLocks noGrp="1"/>
+          </p:cNvSpPr>
+          <p:nvPr>
+            <p:ph type="body" idx="1"/>
+          </p:nvPr>
+        </p:nvSpPr>
+        <p:spPr/>
+        <p:txBody>
+          <a:bodyPr/>
+          <a:lstStyle/>
+          <a:p>
+            <a:r>
+              <a:rPr lang="en-US" dirty="0"/>
+              <a:t>Ja </a:t>
+            </a:r>
+            <a:r>
+              <a:rPr lang="en-US" dirty="0" err="1"/>
+              <a:t>täs</a:t>
+            </a:r>
+            <a:r>
+              <a:rPr lang="en-US" dirty="0"/>
+              <a:t> on </a:t>
+            </a:r>
+            <a:r>
+              <a:rPr lang="en-US" dirty="0" err="1"/>
+              <a:t>miu</a:t>
+            </a:r>
+            <a:r>
+              <a:rPr lang="en-US" dirty="0"/>
+              <a:t> </a:t>
+            </a:r>
+            <a:r>
+              <a:rPr lang="en-US" dirty="0" err="1"/>
+              <a:t>lähteet</a:t>
+            </a:r>
+            <a:r>
+              <a:rPr lang="en-US"/>
+              <a:t>.</a:t>
+            </a:r>
+          </a:p>
+        </p:txBody>
+      </p:sp>
+      <p:sp>
+        <p:nvSpPr>
+          <p:cNvPr id="4" name="Slide Number Placeholder 3"/>
+          <p:cNvSpPr>
+            <a:spLocks noGrp="1"/>
+          </p:cNvSpPr>
+          <p:nvPr>
+            <p:ph type="sldNum" sz="quarter" idx="5"/>
+          </p:nvPr>
+        </p:nvSpPr>
+        <p:spPr/>
+        <p:txBody>
+          <a:bodyPr/>
+          <a:lstStyle/>
+          <a:p>
+            <a:fld id="{1E423D94-705C-4504-911F-B0FC4EFA50F0}" type="slidenum">
+              <a:rPr lang="en-US" smtClean="0"/>
+              <a:t>6</a:t>
+            </a:fld>
+            <a:endParaRPr lang="en-US"/>
+          </a:p>
+        </p:txBody>
+      </p:sp>
+    </p:spTree>
+    <p:extLst>
+      <p:ext uri="{BB962C8B-B14F-4D97-AF65-F5344CB8AC3E}">
+        <p14:creationId xmlns:p14="http://schemas.microsoft.com/office/powerpoint/2010/main" val="1979638010"/>
+      </p:ext>
+    </p:extLst>
+  </p:cSld>
+  <p:clrMapOvr>
+    <a:masterClrMapping/>
+  </p:clrMapOvr>
+</p:notes>
 </file>
 
 <file path=ppt/slideLayouts/slideLayout1.xml><?xml version="1.0" encoding="utf-8"?>
@@ -2748,7 +5002,7 @@
           <p:nvPr/>
         </p:nvPicPr>
         <p:blipFill>
-          <a:blip r:embed="rId2"/>
+          <a:blip r:embed="rId3"/>
           <a:stretch>
             <a:fillRect/>
           </a:stretch>
@@ -2784,7 +5038,7 @@
           <p:nvPr/>
         </p:nvPicPr>
         <p:blipFill>
-          <a:blip r:embed="rId3"/>
+          <a:blip r:embed="rId4"/>
           <a:stretch>
             <a:fillRect/>
           </a:stretch>
@@ -2820,7 +5074,7 @@
           <p:nvPr/>
         </p:nvPicPr>
         <p:blipFill>
-          <a:blip r:embed="rId4"/>
+          <a:blip r:embed="rId5"/>
           <a:stretch>
             <a:fillRect/>
           </a:stretch>
@@ -4190,6 +6444,148 @@
           <a:lstStyle/>
           <a:p>
             <a:r>
+              <a:rPr lang="fi-FI" dirty="0" err="1"/>
+              <a:t>Game</a:t>
+            </a:r>
+            <a:r>
+              <a:rPr lang="fi-FI" dirty="0"/>
+              <a:t> </a:t>
+            </a:r>
+            <a:r>
+              <a:rPr lang="fi-FI" dirty="0" err="1"/>
+              <a:t>Coding</a:t>
+            </a:r>
+            <a:r>
+              <a:rPr lang="fi-FI" dirty="0"/>
+              <a:t> Complete, </a:t>
+            </a:r>
+            <a:r>
+              <a:rPr lang="fi-FI" dirty="0" err="1"/>
+              <a:t>Fourth</a:t>
+            </a:r>
+            <a:r>
+              <a:rPr lang="fi-FI" dirty="0"/>
+              <a:t> Edition. Mike </a:t>
+            </a:r>
+            <a:r>
+              <a:rPr lang="fi-FI" dirty="0" err="1"/>
+              <a:t>McShaffry</a:t>
+            </a:r>
+            <a:r>
+              <a:rPr lang="fi-FI" dirty="0"/>
+              <a:t>, David Graham 2013</a:t>
+            </a:r>
+          </a:p>
+          <a:p>
+            <a:r>
+              <a:rPr lang="fi-FI" dirty="0" err="1"/>
+              <a:t>Game</a:t>
+            </a:r>
+            <a:r>
+              <a:rPr lang="fi-FI" dirty="0"/>
+              <a:t> Engine Architecture, Third Edition. Jason </a:t>
+            </a:r>
+            <a:r>
+              <a:rPr lang="fi-FI" dirty="0" err="1"/>
+              <a:t>Gregory</a:t>
+            </a:r>
+            <a:r>
+              <a:rPr lang="fi-FI" dirty="0"/>
+              <a:t> 2018</a:t>
+            </a:r>
+          </a:p>
+          <a:p>
+            <a:r>
+              <a:rPr lang="fi-FI" dirty="0">
+                <a:hlinkClick r:id="rId3"/>
+              </a:rPr>
+              <a:t>https://learnopengl.com/</a:t>
+            </a:r>
+            <a:r>
+              <a:rPr lang="fi-FI" dirty="0"/>
+              <a:t> </a:t>
+            </a:r>
+            <a:r>
+              <a:rPr lang="fi-FI" dirty="0" err="1"/>
+              <a:t>Learn</a:t>
+            </a:r>
+            <a:r>
+              <a:rPr lang="fi-FI" dirty="0"/>
+              <a:t> </a:t>
+            </a:r>
+            <a:r>
+              <a:rPr lang="fi-FI" dirty="0" err="1"/>
+              <a:t>OpenGL:än</a:t>
+            </a:r>
+            <a:r>
+              <a:rPr lang="fi-FI" dirty="0"/>
+              <a:t> www-sivusto. </a:t>
+            </a:r>
+            <a:r>
+              <a:rPr lang="fi-FI" dirty="0" err="1"/>
+              <a:t>Joey</a:t>
+            </a:r>
+            <a:r>
+              <a:rPr lang="fi-FI" dirty="0"/>
+              <a:t> de </a:t>
+            </a:r>
+            <a:r>
+              <a:rPr lang="fi-FI" dirty="0" err="1"/>
+              <a:t>Vries</a:t>
+            </a:r>
+            <a:r>
+              <a:rPr lang="fi-FI" dirty="0"/>
+              <a:t> 2017</a:t>
+            </a:r>
+          </a:p>
+          <a:p>
+            <a:r>
+              <a:rPr lang="fi-FI" dirty="0"/>
+              <a:t>OpenGL Programming Guide, </a:t>
+            </a:r>
+            <a:r>
+              <a:rPr lang="fi-FI" dirty="0" err="1"/>
+              <a:t>Eight</a:t>
+            </a:r>
+            <a:r>
+              <a:rPr lang="fi-FI" dirty="0"/>
+              <a:t> Edition. Dave </a:t>
+            </a:r>
+            <a:r>
+              <a:rPr lang="fi-FI" dirty="0" err="1"/>
+              <a:t>Shreiner</a:t>
+            </a:r>
+            <a:r>
+              <a:rPr lang="fi-FI" dirty="0"/>
+              <a:t>, Graham </a:t>
+            </a:r>
+            <a:r>
+              <a:rPr lang="fi-FI" dirty="0" err="1"/>
+              <a:t>Sellers</a:t>
+            </a:r>
+            <a:r>
+              <a:rPr lang="fi-FI" dirty="0"/>
+              <a:t>, John </a:t>
+            </a:r>
+            <a:r>
+              <a:rPr lang="fi-FI" dirty="0" err="1"/>
+              <a:t>Kessenich</a:t>
+            </a:r>
+            <a:r>
+              <a:rPr lang="fi-FI" dirty="0"/>
+              <a:t> ja Bill </a:t>
+            </a:r>
+            <a:r>
+              <a:rPr lang="fi-FI" dirty="0" err="1"/>
+              <a:t>Licea</a:t>
+            </a:r>
+            <a:r>
+              <a:rPr lang="fi-FI" dirty="0"/>
+              <a:t>-Kane (2013). </a:t>
+            </a:r>
+          </a:p>
+          <a:p>
+            <a:r>
               <a:rPr lang="fi-FI" dirty="0"/>
               <a:t>OpenGL 4 </a:t>
             </a:r>
@@ -4220,50 +6616,6 @@
           </a:p>
           <a:p>
             <a:r>
-              <a:rPr lang="fi-FI" dirty="0" err="1"/>
-              <a:t>Game</a:t>
-            </a:r>
-            <a:r>
-              <a:rPr lang="fi-FI" dirty="0"/>
-              <a:t> Engine Architecture, Third Edition. Jason </a:t>
-            </a:r>
-            <a:r>
-              <a:rPr lang="fi-FI" dirty="0" err="1"/>
-              <a:t>Gregory</a:t>
-            </a:r>
-            <a:r>
-              <a:rPr lang="fi-FI" dirty="0"/>
-              <a:t> 2018</a:t>
-            </a:r>
-          </a:p>
-          <a:p>
-            <a:r>
-              <a:rPr lang="fi-FI" dirty="0" err="1"/>
-              <a:t>Learn</a:t>
-            </a:r>
-            <a:r>
-              <a:rPr lang="fi-FI" dirty="0"/>
-              <a:t> OpenGL. </a:t>
-            </a:r>
-            <a:r>
-              <a:rPr lang="fi-FI" dirty="0" err="1"/>
-              <a:t>Joey</a:t>
-            </a:r>
-            <a:r>
-              <a:rPr lang="fi-FI" dirty="0"/>
-              <a:t> de </a:t>
-            </a:r>
-            <a:r>
-              <a:rPr lang="fi-FI" dirty="0" err="1"/>
-              <a:t>Vries</a:t>
-            </a:r>
-            <a:r>
-              <a:rPr lang="fi-FI" dirty="0"/>
-              <a:t> 2017</a:t>
-            </a:r>
-          </a:p>
-          <a:p>
-            <a:r>
               <a:rPr lang="fi-FI" dirty="0"/>
               <a:t>OpenGL-</a:t>
             </a:r>
@@ -4277,7 +6629,7 @@
             </a:r>
             <a:r>
               <a:rPr lang="fi-FI" dirty="0">
-                <a:hlinkClick r:id="rId2"/>
+                <a:hlinkClick r:id="rId4"/>
               </a:rPr>
               <a:t>http://www.opengl-tutorial.org/</a:t>
             </a:r>
@@ -4648,14 +7000,308 @@
 </a:theme>
 </file>
 
+<file path=ppt/theme/theme2.xml><?xml version="1.0" encoding="utf-8"?>
+<a:theme xmlns:a="http://schemas.openxmlformats.org/drawingml/2006/main" name="Office Theme">
+  <a:themeElements>
+    <a:clrScheme name="Office">
+      <a:dk1>
+        <a:sysClr val="windowText" lastClr="000000"/>
+      </a:dk1>
+      <a:lt1>
+        <a:sysClr val="window" lastClr="FFFFFF"/>
+      </a:lt1>
+      <a:dk2>
+        <a:srgbClr val="44546A"/>
+      </a:dk2>
+      <a:lt2>
+        <a:srgbClr val="E7E6E6"/>
+      </a:lt2>
+      <a:accent1>
+        <a:srgbClr val="4472C4"/>
+      </a:accent1>
+      <a:accent2>
+        <a:srgbClr val="ED7D31"/>
+      </a:accent2>
+      <a:accent3>
+        <a:srgbClr val="A5A5A5"/>
+      </a:accent3>
+      <a:accent4>
+        <a:srgbClr val="FFC000"/>
+      </a:accent4>
+      <a:accent5>
+        <a:srgbClr val="5B9BD5"/>
+      </a:accent5>
+      <a:accent6>
+        <a:srgbClr val="70AD47"/>
+      </a:accent6>
+      <a:hlink>
+        <a:srgbClr val="0563C1"/>
+      </a:hlink>
+      <a:folHlink>
+        <a:srgbClr val="954F72"/>
+      </a:folHlink>
+    </a:clrScheme>
+    <a:fontScheme name="Office">
+      <a:majorFont>
+        <a:latin typeface="Calibri Light" panose="020F0302020204030204"/>
+        <a:ea typeface=""/>
+        <a:cs typeface=""/>
+        <a:font script="Jpan" typeface="游ゴシック Light"/>
+        <a:font script="Hang" typeface="맑은 고딕"/>
+        <a:font script="Hans" typeface="等线 Light"/>
+        <a:font script="Hant" typeface="新細明體"/>
+        <a:font script="Arab" typeface="Times New Roman"/>
+        <a:font script="Hebr" typeface="Times New Roman"/>
+        <a:font script="Thai" typeface="Angsana New"/>
+        <a:font script="Ethi" typeface="Nyala"/>
+        <a:font script="Beng" typeface="Vrinda"/>
+        <a:font script="Gujr" typeface="Shruti"/>
+        <a:font script="Khmr" typeface="MoolBoran"/>
+        <a:font script="Knda" typeface="Tunga"/>
+        <a:font script="Guru" typeface="Raavi"/>
+        <a:font script="Cans" typeface="Euphemia"/>
+        <a:font script="Cher" typeface="Plantagenet Cherokee"/>
+        <a:font script="Yiii" typeface="Microsoft Yi Baiti"/>
+        <a:font script="Tibt" typeface="Microsoft Himalaya"/>
+        <a:font script="Thaa" typeface="MV Boli"/>
+        <a:font script="Deva" typeface="Mangal"/>
+        <a:font script="Telu" typeface="Gautami"/>
+        <a:font script="Taml" typeface="Latha"/>
+        <a:font script="Syrc" typeface="Estrangelo Edessa"/>
+        <a:font script="Orya" typeface="Kalinga"/>
+        <a:font script="Mlym" typeface="Kartika"/>
+        <a:font script="Laoo" typeface="DokChampa"/>
+        <a:font script="Sinh" typeface="Iskoola Pota"/>
+        <a:font script="Mong" typeface="Mongolian Baiti"/>
+        <a:font script="Viet" typeface="Times New Roman"/>
+        <a:font script="Uigh" typeface="Microsoft Uighur"/>
+        <a:font script="Geor" typeface="Sylfaen"/>
+        <a:font script="Armn" typeface="Arial"/>
+        <a:font script="Bugi" typeface="Leelawadee UI"/>
+        <a:font script="Bopo" typeface="Microsoft JhengHei"/>
+        <a:font script="Java" typeface="Javanese Text"/>
+        <a:font script="Lisu" typeface="Segoe UI"/>
+        <a:font script="Mymr" typeface="Myanmar Text"/>
+        <a:font script="Nkoo" typeface="Ebrima"/>
+        <a:font script="Olck" typeface="Nirmala UI"/>
+        <a:font script="Osma" typeface="Ebrima"/>
+        <a:font script="Phag" typeface="Phagspa"/>
+        <a:font script="Syrn" typeface="Estrangelo Edessa"/>
+        <a:font script="Syrj" typeface="Estrangelo Edessa"/>
+        <a:font script="Syre" typeface="Estrangelo Edessa"/>
+        <a:font script="Sora" typeface="Nirmala UI"/>
+        <a:font script="Tale" typeface="Microsoft Tai Le"/>
+        <a:font script="Talu" typeface="Microsoft New Tai Lue"/>
+        <a:font script="Tfng" typeface="Ebrima"/>
+      </a:majorFont>
+      <a:minorFont>
+        <a:latin typeface="Calibri" panose="020F0502020204030204"/>
+        <a:ea typeface=""/>
+        <a:cs typeface=""/>
+        <a:font script="Jpan" typeface="游ゴシック"/>
+        <a:font script="Hang" typeface="맑은 고딕"/>
+        <a:font script="Hans" typeface="等线"/>
+        <a:font script="Hant" typeface="新細明體"/>
+        <a:font script="Arab" typeface="Arial"/>
+        <a:font script="Hebr" typeface="Arial"/>
+        <a:font script="Thai" typeface="Cordia New"/>
+        <a:font script="Ethi" typeface="Nyala"/>
+        <a:font script="Beng" typeface="Vrinda"/>
+        <a:font script="Gujr" typeface="Shruti"/>
+        <a:font script="Khmr" typeface="DaunPenh"/>
+        <a:font script="Knda" typeface="Tunga"/>
+        <a:font script="Guru" typeface="Raavi"/>
+        <a:font script="Cans" typeface="Euphemia"/>
+        <a:font script="Cher" typeface="Plantagenet Cherokee"/>
+        <a:font script="Yiii" typeface="Microsoft Yi Baiti"/>
+        <a:font script="Tibt" typeface="Microsoft Himalaya"/>
+        <a:font script="Thaa" typeface="MV Boli"/>
+        <a:font script="Deva" typeface="Mangal"/>
+        <a:font script="Telu" typeface="Gautami"/>
+        <a:font script="Taml" typeface="Latha"/>
+        <a:font script="Syrc" typeface="Estrangelo Edessa"/>
+        <a:font script="Orya" typeface="Kalinga"/>
+        <a:font script="Mlym" typeface="Kartika"/>
+        <a:font script="Laoo" typeface="DokChampa"/>
+        <a:font script="Sinh" typeface="Iskoola Pota"/>
+        <a:font script="Mong" typeface="Mongolian Baiti"/>
+        <a:font script="Viet" typeface="Arial"/>
+        <a:font script="Uigh" typeface="Microsoft Uighur"/>
+        <a:font script="Geor" typeface="Sylfaen"/>
+        <a:font script="Armn" typeface="Arial"/>
+        <a:font script="Bugi" typeface="Leelawadee UI"/>
+        <a:font script="Bopo" typeface="Microsoft JhengHei"/>
+        <a:font script="Java" typeface="Javanese Text"/>
+        <a:font script="Lisu" typeface="Segoe UI"/>
+        <a:font script="Mymr" typeface="Myanmar Text"/>
+        <a:font script="Nkoo" typeface="Ebrima"/>
+        <a:font script="Olck" typeface="Nirmala UI"/>
+        <a:font script="Osma" typeface="Ebrima"/>
+        <a:font script="Phag" typeface="Phagspa"/>
+        <a:font script="Syrn" typeface="Estrangelo Edessa"/>
+        <a:font script="Syrj" typeface="Estrangelo Edessa"/>
+        <a:font script="Syre" typeface="Estrangelo Edessa"/>
+        <a:font script="Sora" typeface="Nirmala UI"/>
+        <a:font script="Tale" typeface="Microsoft Tai Le"/>
+        <a:font script="Talu" typeface="Microsoft New Tai Lue"/>
+        <a:font script="Tfng" typeface="Ebrima"/>
+      </a:minorFont>
+    </a:fontScheme>
+    <a:fmtScheme name="Office">
+      <a:fillStyleLst>
+        <a:solidFill>
+          <a:schemeClr val="phClr"/>
+        </a:solidFill>
+        <a:gradFill rotWithShape="1">
+          <a:gsLst>
+            <a:gs pos="0">
+              <a:schemeClr val="phClr">
+                <a:lumMod val="110000"/>
+                <a:satMod val="105000"/>
+                <a:tint val="67000"/>
+              </a:schemeClr>
+            </a:gs>
+            <a:gs pos="50000">
+              <a:schemeClr val="phClr">
+                <a:lumMod val="105000"/>
+                <a:satMod val="103000"/>
+                <a:tint val="73000"/>
+              </a:schemeClr>
+            </a:gs>
+            <a:gs pos="100000">
+              <a:schemeClr val="phClr">
+                <a:lumMod val="105000"/>
+                <a:satMod val="109000"/>
+                <a:tint val="81000"/>
+              </a:schemeClr>
+            </a:gs>
+          </a:gsLst>
+          <a:lin ang="5400000" scaled="0"/>
+        </a:gradFill>
+        <a:gradFill rotWithShape="1">
+          <a:gsLst>
+            <a:gs pos="0">
+              <a:schemeClr val="phClr">
+                <a:satMod val="103000"/>
+                <a:lumMod val="102000"/>
+                <a:tint val="94000"/>
+              </a:schemeClr>
+            </a:gs>
+            <a:gs pos="50000">
+              <a:schemeClr val="phClr">
+                <a:satMod val="110000"/>
+                <a:lumMod val="100000"/>
+                <a:shade val="100000"/>
+              </a:schemeClr>
+            </a:gs>
+            <a:gs pos="100000">
+              <a:schemeClr val="phClr">
+                <a:lumMod val="99000"/>
+                <a:satMod val="120000"/>
+                <a:shade val="78000"/>
+              </a:schemeClr>
+            </a:gs>
+          </a:gsLst>
+          <a:lin ang="5400000" scaled="0"/>
+        </a:gradFill>
+      </a:fillStyleLst>
+      <a:lnStyleLst>
+        <a:ln w="6350" cap="flat" cmpd="sng" algn="ctr">
+          <a:solidFill>
+            <a:schemeClr val="phClr"/>
+          </a:solidFill>
+          <a:prstDash val="solid"/>
+          <a:miter lim="800000"/>
+        </a:ln>
+        <a:ln w="12700" cap="flat" cmpd="sng" algn="ctr">
+          <a:solidFill>
+            <a:schemeClr val="phClr"/>
+          </a:solidFill>
+          <a:prstDash val="solid"/>
+          <a:miter lim="800000"/>
+        </a:ln>
+        <a:ln w="19050" cap="flat" cmpd="sng" algn="ctr">
+          <a:solidFill>
+            <a:schemeClr val="phClr"/>
+          </a:solidFill>
+          <a:prstDash val="solid"/>
+          <a:miter lim="800000"/>
+        </a:ln>
+      </a:lnStyleLst>
+      <a:effectStyleLst>
+        <a:effectStyle>
+          <a:effectLst/>
+        </a:effectStyle>
+        <a:effectStyle>
+          <a:effectLst/>
+        </a:effectStyle>
+        <a:effectStyle>
+          <a:effectLst>
+            <a:outerShdw blurRad="57150" dist="19050" dir="5400000" algn="ctr" rotWithShape="0">
+              <a:srgbClr val="000000">
+                <a:alpha val="63000"/>
+              </a:srgbClr>
+            </a:outerShdw>
+          </a:effectLst>
+        </a:effectStyle>
+      </a:effectStyleLst>
+      <a:bgFillStyleLst>
+        <a:solidFill>
+          <a:schemeClr val="phClr"/>
+        </a:solidFill>
+        <a:solidFill>
+          <a:schemeClr val="phClr">
+            <a:tint val="95000"/>
+            <a:satMod val="170000"/>
+          </a:schemeClr>
+        </a:solidFill>
+        <a:gradFill rotWithShape="1">
+          <a:gsLst>
+            <a:gs pos="0">
+              <a:schemeClr val="phClr">
+                <a:tint val="93000"/>
+                <a:satMod val="150000"/>
+                <a:shade val="98000"/>
+                <a:lumMod val="102000"/>
+              </a:schemeClr>
+            </a:gs>
+            <a:gs pos="50000">
+              <a:schemeClr val="phClr">
+                <a:tint val="98000"/>
+                <a:satMod val="130000"/>
+                <a:shade val="90000"/>
+                <a:lumMod val="103000"/>
+              </a:schemeClr>
+            </a:gs>
+            <a:gs pos="100000">
+              <a:schemeClr val="phClr">
+                <a:shade val="63000"/>
+                <a:satMod val="120000"/>
+              </a:schemeClr>
+            </a:gs>
+          </a:gsLst>
+          <a:lin ang="5400000" scaled="0"/>
+        </a:gradFill>
+      </a:bgFillStyleLst>
+    </a:fmtScheme>
+  </a:themeElements>
+  <a:objectDefaults/>
+  <a:extraClrSchemeLst/>
+  <a:extLst>
+    <a:ext uri="{05A4C25C-085E-4340-85A3-A5531E510DB2}">
+      <thm15:themeFamily xmlns:thm15="http://schemas.microsoft.com/office/thememl/2012/main" name="Office Theme" id="{62F939B6-93AF-4DB8-9C6B-D6C7DFDC589F}" vid="{4A3C46E8-61CC-4603-A589-7422A47A8E4A}"/>
+    </a:ext>
+  </a:extLst>
+</a:theme>
+</file>
+
 <file path=customXml/item1.xml><?xml version="1.0" encoding="utf-8"?>
-<p:properties xmlns:p="http://schemas.microsoft.com/office/2006/metadata/properties" xmlns:xsi="http://www.w3.org/2001/XMLSchema-instance" xmlns:pc="http://schemas.microsoft.com/office/infopath/2007/PartnerControls">
-  <documentManagement>
-    <a07c3fd0247140d68b99fdbcf50c8190 xmlns="25e7f6bf-72c1-4870-aa83-3dac08eebaf4">
-      <Terms xmlns="http://schemas.microsoft.com/office/infopath/2007/PartnerControls"/>
-    </a07c3fd0247140d68b99fdbcf50c8190>
-  </documentManagement>
-</p:properties>
+<?mso-contentType ?>
+<FormTemplates xmlns="http://schemas.microsoft.com/sharepoint/v3/contenttype/forms">
+  <Display>DocumentLibraryForm</Display>
+  <Edit>DocumentLibraryForm</Edit>
+  <New>DocumentLibraryForm</New>
+</FormTemplates>
 </file>
 
 <file path=customXml/item2.xml><?xml version="1.0" encoding="utf-8"?>
@@ -4787,20 +7433,19 @@
 </file>
 
 <file path=customXml/item3.xml><?xml version="1.0" encoding="utf-8"?>
-<?mso-contentType ?>
-<FormTemplates xmlns="http://schemas.microsoft.com/sharepoint/v3/contenttype/forms">
-  <Display>DocumentLibraryForm</Display>
-  <Edit>DocumentLibraryForm</Edit>
-  <New>DocumentLibraryForm</New>
-</FormTemplates>
+<p:properties xmlns:p="http://schemas.microsoft.com/office/2006/metadata/properties" xmlns:xsi="http://www.w3.org/2001/XMLSchema-instance" xmlns:pc="http://schemas.microsoft.com/office/infopath/2007/PartnerControls">
+  <documentManagement>
+    <a07c3fd0247140d68b99fdbcf50c8190 xmlns="25e7f6bf-72c1-4870-aa83-3dac08eebaf4">
+      <Terms xmlns="http://schemas.microsoft.com/office/infopath/2007/PartnerControls"/>
+    </a07c3fd0247140d68b99fdbcf50c8190>
+  </documentManagement>
+</p:properties>
 </file>
 
 <file path=customXml/itemProps1.xml><?xml version="1.0" encoding="utf-8"?>
-<ds:datastoreItem xmlns:ds="http://schemas.openxmlformats.org/officeDocument/2006/customXml" ds:itemID="{73A9BBC0-0279-4D7C-AB77-BCE83234F2CC}">
+<ds:datastoreItem xmlns:ds="http://schemas.openxmlformats.org/officeDocument/2006/customXml" ds:itemID="{E4F4751A-FFB1-49A1-895C-66005EA66C56}">
   <ds:schemaRefs>
-    <ds:schemaRef ds:uri="http://schemas.microsoft.com/office/2006/metadata/properties"/>
-    <ds:schemaRef ds:uri="http://schemas.microsoft.com/office/infopath/2007/PartnerControls"/>
-    <ds:schemaRef ds:uri="25e7f6bf-72c1-4870-aa83-3dac08eebaf4"/>
+    <ds:schemaRef ds:uri="http://schemas.microsoft.com/sharepoint/v3/contenttype/forms"/>
   </ds:schemaRefs>
 </ds:datastoreItem>
 </file>
@@ -4824,9 +7469,11 @@
 </file>
 
 <file path=customXml/itemProps3.xml><?xml version="1.0" encoding="utf-8"?>
-<ds:datastoreItem xmlns:ds="http://schemas.openxmlformats.org/officeDocument/2006/customXml" ds:itemID="{E4F4751A-FFB1-49A1-895C-66005EA66C56}">
+<ds:datastoreItem xmlns:ds="http://schemas.openxmlformats.org/officeDocument/2006/customXml" ds:itemID="{73A9BBC0-0279-4D7C-AB77-BCE83234F2CC}">
   <ds:schemaRefs>
-    <ds:schemaRef ds:uri="http://schemas.microsoft.com/sharepoint/v3/contenttype/forms"/>
+    <ds:schemaRef ds:uri="http://schemas.microsoft.com/office/2006/metadata/properties"/>
+    <ds:schemaRef ds:uri="http://schemas.microsoft.com/office/infopath/2007/PartnerControls"/>
+    <ds:schemaRef ds:uri="25e7f6bf-72c1-4870-aa83-3dac08eebaf4"/>
   </ds:schemaRefs>
 </ds:datastoreItem>
 </file>
--- a/Presentation/GLJRPGSeminaariXAMK.pptx
+++ b/Presentation/GLJRPGSeminaariXAMK.pptx
@@ -214,7 +214,7 @@
           <a:p>
             <a:fld id="{997DDE6A-8FD4-4BA5-8925-9C5BE442C160}" type="datetimeFigureOut">
               <a:rPr lang="en-US" smtClean="0"/>
-              <a:t>20-10-19</a:t>
+              <a:t>05-11-19</a:t>
             </a:fld>
             <a:endParaRPr lang="en-US"/>
           </a:p>
@@ -1788,7 +1788,31 @@
             </a:r>
             <a:r>
               <a:rPr lang="en-US" dirty="0"/>
-              <a:t>. Ja </a:t>
+              <a:t> ja </a:t>
+            </a:r>
+            <a:r>
+              <a:rPr lang="en-US" dirty="0" err="1"/>
+              <a:t>ikkunan</a:t>
+            </a:r>
+            <a:r>
+              <a:rPr lang="en-US" dirty="0"/>
+              <a:t> </a:t>
+            </a:r>
+            <a:r>
+              <a:rPr lang="en-US" dirty="0" err="1"/>
+              <a:t>luomiseen</a:t>
+            </a:r>
+            <a:r>
+              <a:rPr lang="en-US" dirty="0"/>
+              <a:t> GLFW </a:t>
+            </a:r>
+            <a:r>
+              <a:rPr lang="en-US" dirty="0" err="1"/>
+              <a:t>eli</a:t>
+            </a:r>
+            <a:r>
+              <a:rPr lang="en-US" dirty="0"/>
+              <a:t> GL Frame Work. Ja </a:t>
             </a:r>
             <a:r>
               <a:rPr lang="en-US" dirty="0" err="1"/>
@@ -5479,7 +5503,7 @@
           <a:p>
             <a:r>
               <a:rPr lang="fi-FI" dirty="0"/>
-              <a:t>Suurimmaksi osaksi pelimoottorin koodausta</a:t>
+              <a:t>Suurimmaksi osaksi pelimoottorin tarkastelua ja tekoa</a:t>
             </a:r>
           </a:p>
         </p:txBody>
@@ -7296,12 +7320,13 @@
 </file>
 
 <file path=customXml/item1.xml><?xml version="1.0" encoding="utf-8"?>
-<?mso-contentType ?>
-<FormTemplates xmlns="http://schemas.microsoft.com/sharepoint/v3/contenttype/forms">
-  <Display>DocumentLibraryForm</Display>
-  <Edit>DocumentLibraryForm</Edit>
-  <New>DocumentLibraryForm</New>
-</FormTemplates>
+<p:properties xmlns:p="http://schemas.microsoft.com/office/2006/metadata/properties" xmlns:xsi="http://www.w3.org/2001/XMLSchema-instance" xmlns:pc="http://schemas.microsoft.com/office/infopath/2007/PartnerControls">
+  <documentManagement>
+    <a07c3fd0247140d68b99fdbcf50c8190 xmlns="25e7f6bf-72c1-4870-aa83-3dac08eebaf4">
+      <Terms xmlns="http://schemas.microsoft.com/office/infopath/2007/PartnerControls"/>
+    </a07c3fd0247140d68b99fdbcf50c8190>
+  </documentManagement>
+</p:properties>
 </file>
 
 <file path=customXml/item2.xml><?xml version="1.0" encoding="utf-8"?>
@@ -7433,19 +7458,20 @@
 </file>
 
 <file path=customXml/item3.xml><?xml version="1.0" encoding="utf-8"?>
-<p:properties xmlns:p="http://schemas.microsoft.com/office/2006/metadata/properties" xmlns:xsi="http://www.w3.org/2001/XMLSchema-instance" xmlns:pc="http://schemas.microsoft.com/office/infopath/2007/PartnerControls">
-  <documentManagement>
-    <a07c3fd0247140d68b99fdbcf50c8190 xmlns="25e7f6bf-72c1-4870-aa83-3dac08eebaf4">
-      <Terms xmlns="http://schemas.microsoft.com/office/infopath/2007/PartnerControls"/>
-    </a07c3fd0247140d68b99fdbcf50c8190>
-  </documentManagement>
-</p:properties>
+<?mso-contentType ?>
+<FormTemplates xmlns="http://schemas.microsoft.com/sharepoint/v3/contenttype/forms">
+  <Display>DocumentLibraryForm</Display>
+  <Edit>DocumentLibraryForm</Edit>
+  <New>DocumentLibraryForm</New>
+</FormTemplates>
 </file>
 
 <file path=customXml/itemProps1.xml><?xml version="1.0" encoding="utf-8"?>
-<ds:datastoreItem xmlns:ds="http://schemas.openxmlformats.org/officeDocument/2006/customXml" ds:itemID="{E4F4751A-FFB1-49A1-895C-66005EA66C56}">
+<ds:datastoreItem xmlns:ds="http://schemas.openxmlformats.org/officeDocument/2006/customXml" ds:itemID="{73A9BBC0-0279-4D7C-AB77-BCE83234F2CC}">
   <ds:schemaRefs>
-    <ds:schemaRef ds:uri="http://schemas.microsoft.com/sharepoint/v3/contenttype/forms"/>
+    <ds:schemaRef ds:uri="http://schemas.microsoft.com/office/2006/metadata/properties"/>
+    <ds:schemaRef ds:uri="http://schemas.microsoft.com/office/infopath/2007/PartnerControls"/>
+    <ds:schemaRef ds:uri="25e7f6bf-72c1-4870-aa83-3dac08eebaf4"/>
   </ds:schemaRefs>
 </ds:datastoreItem>
 </file>
@@ -7469,11 +7495,9 @@
 </file>
 
 <file path=customXml/itemProps3.xml><?xml version="1.0" encoding="utf-8"?>
-<ds:datastoreItem xmlns:ds="http://schemas.openxmlformats.org/officeDocument/2006/customXml" ds:itemID="{73A9BBC0-0279-4D7C-AB77-BCE83234F2CC}">
+<ds:datastoreItem xmlns:ds="http://schemas.openxmlformats.org/officeDocument/2006/customXml" ds:itemID="{E4F4751A-FFB1-49A1-895C-66005EA66C56}">
   <ds:schemaRefs>
-    <ds:schemaRef ds:uri="http://schemas.microsoft.com/office/2006/metadata/properties"/>
-    <ds:schemaRef ds:uri="http://schemas.microsoft.com/office/infopath/2007/PartnerControls"/>
-    <ds:schemaRef ds:uri="25e7f6bf-72c1-4870-aa83-3dac08eebaf4"/>
+    <ds:schemaRef ds:uri="http://schemas.microsoft.com/sharepoint/v3/contenttype/forms"/>
   </ds:schemaRefs>
 </ds:datastoreItem>
 </file>
--- a/Presentation/GLJRPGSeminaariXAMK.pptx
+++ b/Presentation/GLJRPGSeminaariXAMK.pptx
@@ -214,7 +214,7 @@
           <a:p>
             <a:fld id="{997DDE6A-8FD4-4BA5-8925-9C5BE442C160}" type="datetimeFigureOut">
               <a:rPr lang="en-US" smtClean="0"/>
-              <a:t>05-11-19</a:t>
+              <a:t>06-11-19</a:t>
             </a:fld>
             <a:endParaRPr lang="en-US"/>
           </a:p>
@@ -2637,6 +2637,9 @@
   <p:clrMapOvr>
     <a:masterClrMapping/>
   </p:clrMapOvr>
+  <p:transition spd="med">
+    <p:push dir="u"/>
+  </p:transition>
 </p:sldLayout>
 </file>
 
@@ -2837,6 +2840,9 @@
   <p:clrMapOvr>
     <a:masterClrMapping/>
   </p:clrMapOvr>
+  <p:transition spd="med">
+    <p:push dir="u"/>
+  </p:transition>
 </p:sldLayout>
 </file>
 
@@ -3006,6 +3012,9 @@
   <p:clrMapOvr>
     <a:masterClrMapping/>
   </p:clrMapOvr>
+  <p:transition spd="med">
+    <p:push dir="u"/>
+  </p:transition>
 </p:sldLayout>
 </file>
 
@@ -3236,6 +3245,9 @@
   <p:clrMapOvr>
     <a:masterClrMapping/>
   </p:clrMapOvr>
+  <p:transition spd="med">
+    <p:push dir="u"/>
+  </p:transition>
 </p:sldLayout>
 </file>
 
@@ -3522,6 +3534,9 @@
   <p:clrMapOvr>
     <a:masterClrMapping/>
   </p:clrMapOvr>
+  <p:transition spd="med">
+    <p:push dir="u"/>
+  </p:transition>
 </p:sldLayout>
 </file>
 
@@ -3781,6 +3796,9 @@
   <p:clrMapOvr>
     <a:masterClrMapping/>
   </p:clrMapOvr>
+  <p:transition spd="med">
+    <p:push dir="u"/>
+  </p:transition>
 </p:sldLayout>
 </file>
 
@@ -3992,6 +4010,9 @@
   <p:clrMapOvr>
     <a:masterClrMapping/>
   </p:clrMapOvr>
+  <p:transition spd="med">
+    <p:push dir="u"/>
+  </p:transition>
 </p:sldLayout>
 </file>
 
@@ -4138,6 +4159,9 @@
   <p:clrMapOvr>
     <a:masterClrMapping/>
   </p:clrMapOvr>
+  <p:transition spd="med">
+    <p:push dir="u"/>
+  </p:transition>
 </p:sldLayout>
 </file>
 
@@ -4262,6 +4286,9 @@
   <p:clrMapOvr>
     <a:masterClrMapping/>
   </p:clrMapOvr>
+  <p:transition spd="med">
+    <p:push dir="u"/>
+  </p:transition>
 </p:sldLayout>
 </file>
 
@@ -4374,6 +4401,9 @@
   <p:clrMapOvr>
     <a:masterClrMapping/>
   </p:clrMapOvr>
+  <p:transition spd="med">
+    <p:push dir="u"/>
+  </p:transition>
 </p:sldLayout>
 </file>
 
@@ -4512,6 +4542,9 @@
     <p:sldLayoutId id="2147483665" r:id="rId9"/>
     <p:sldLayoutId id="2147483666" r:id="rId10"/>
   </p:sldLayoutIdLst>
+  <p:transition spd="med">
+    <p:push dir="u"/>
+  </p:transition>
   <p:txStyles>
     <p:titleStyle>
       <a:lvl1pPr algn="l" defTabSz="457200" rtl="0" eaLnBrk="1" latinLnBrk="0" hangingPunct="1">
@@ -4855,6 +4888,9 @@
   <p:clrMapOvr>
     <a:masterClrMapping/>
   </p:clrMapOvr>
+  <p:transition spd="med">
+    <p:push dir="u"/>
+  </p:transition>
 </p:sld>
 </file>
 
@@ -4935,6 +4971,9 @@
   <p:clrMapOvr>
     <a:masterClrMapping/>
   </p:clrMapOvr>
+  <p:transition spd="med">
+    <p:push dir="u"/>
+  </p:transition>
 </p:sld>
 </file>
 
@@ -5129,6 +5168,9 @@
   <p:clrMapOvr>
     <a:masterClrMapping/>
   </p:clrMapOvr>
+  <p:transition spd="med">
+    <p:push dir="u"/>
+  </p:transition>
   <p:timing>
     <p:tnLst>
       <p:par>
@@ -5175,7 +5217,7 @@
                                     </p:set>
                                     <p:anim calcmode="lin" valueType="num">
                                       <p:cBhvr additive="base">
-                                        <p:cTn id="7" dur="700" fill="hold"/>
+                                        <p:cTn id="7" dur="500" fill="hold"/>
                                         <p:tgtEl>
                                           <p:spTgt spid="5"/>
                                         </p:tgtEl>
@@ -5198,7 +5240,7 @@
                                     </p:anim>
                                     <p:anim calcmode="lin" valueType="num">
                                       <p:cBhvr additive="base">
-                                        <p:cTn id="8" dur="700" fill="hold"/>
+                                        <p:cTn id="8" dur="500" fill="hold"/>
                                         <p:tgtEl>
                                           <p:spTgt spid="5"/>
                                         </p:tgtEl>
@@ -5266,7 +5308,7 @@
                                     </p:set>
                                     <p:anim calcmode="lin" valueType="num">
                                       <p:cBhvr additive="base">
-                                        <p:cTn id="13" dur="700" fill="hold"/>
+                                        <p:cTn id="13" dur="500" fill="hold"/>
                                         <p:tgtEl>
                                           <p:spTgt spid="7"/>
                                         </p:tgtEl>
@@ -5289,7 +5331,7 @@
                                     </p:anim>
                                     <p:anim calcmode="lin" valueType="num">
                                       <p:cBhvr additive="base">
-                                        <p:cTn id="14" dur="700" fill="hold"/>
+                                        <p:cTn id="14" dur="500" fill="hold"/>
                                         <p:tgtEl>
                                           <p:spTgt spid="7"/>
                                         </p:tgtEl>
@@ -5357,7 +5399,7 @@
                                     </p:set>
                                     <p:anim calcmode="lin" valueType="num">
                                       <p:cBhvr additive="base">
-                                        <p:cTn id="19" dur="700" fill="hold"/>
+                                        <p:cTn id="19" dur="500" fill="hold"/>
                                         <p:tgtEl>
                                           <p:spTgt spid="9"/>
                                         </p:tgtEl>
@@ -5380,7 +5422,7 @@
                                     </p:anim>
                                     <p:anim calcmode="lin" valueType="num">
                                       <p:cBhvr additive="base">
-                                        <p:cTn id="20" dur="700" fill="hold"/>
+                                        <p:cTn id="20" dur="500" fill="hold"/>
                                         <p:tgtEl>
                                           <p:spTgt spid="9"/>
                                         </p:tgtEl>
@@ -5518,6 +5560,9 @@
   <p:clrMapOvr>
     <a:masterClrMapping/>
   </p:clrMapOvr>
+  <p:transition spd="med">
+    <p:push dir="u"/>
+  </p:transition>
 </p:sld>
 </file>
 
@@ -6410,6 +6455,9 @@
   <p:clrMapOvr>
     <a:masterClrMapping/>
   </p:clrMapOvr>
+  <p:transition spd="med">
+    <p:push dir="u"/>
+  </p:transition>
 </p:sld>
 </file>
 
@@ -6671,6 +6719,9 @@
   <p:clrMapOvr>
     <a:masterClrMapping/>
   </p:clrMapOvr>
+  <p:transition spd="med">
+    <p:push dir="u"/>
+  </p:transition>
 </p:sld>
 </file>
 
@@ -6701,6 +6752,9 @@
   <p:clrMapOvr>
     <a:masterClrMapping/>
   </p:clrMapOvr>
+  <p:transition spd="med">
+    <p:push dir="u"/>
+  </p:transition>
 </p:sld>
 </file>
 
@@ -7320,13 +7374,12 @@
 </file>
 
 <file path=customXml/item1.xml><?xml version="1.0" encoding="utf-8"?>
-<p:properties xmlns:p="http://schemas.microsoft.com/office/2006/metadata/properties" xmlns:xsi="http://www.w3.org/2001/XMLSchema-instance" xmlns:pc="http://schemas.microsoft.com/office/infopath/2007/PartnerControls">
-  <documentManagement>
-    <a07c3fd0247140d68b99fdbcf50c8190 xmlns="25e7f6bf-72c1-4870-aa83-3dac08eebaf4">
-      <Terms xmlns="http://schemas.microsoft.com/office/infopath/2007/PartnerControls"/>
-    </a07c3fd0247140d68b99fdbcf50c8190>
-  </documentManagement>
-</p:properties>
+<?mso-contentType ?>
+<FormTemplates xmlns="http://schemas.microsoft.com/sharepoint/v3/contenttype/forms">
+  <Display>DocumentLibraryForm</Display>
+  <Edit>DocumentLibraryForm</Edit>
+  <New>DocumentLibraryForm</New>
+</FormTemplates>
 </file>
 
 <file path=customXml/item2.xml><?xml version="1.0" encoding="utf-8"?>
@@ -7458,20 +7511,19 @@
 </file>
 
 <file path=customXml/item3.xml><?xml version="1.0" encoding="utf-8"?>
-<?mso-contentType ?>
-<FormTemplates xmlns="http://schemas.microsoft.com/sharepoint/v3/contenttype/forms">
-  <Display>DocumentLibraryForm</Display>
-  <Edit>DocumentLibraryForm</Edit>
-  <New>DocumentLibraryForm</New>
-</FormTemplates>
+<p:properties xmlns:p="http://schemas.microsoft.com/office/2006/metadata/properties" xmlns:xsi="http://www.w3.org/2001/XMLSchema-instance" xmlns:pc="http://schemas.microsoft.com/office/infopath/2007/PartnerControls">
+  <documentManagement>
+    <a07c3fd0247140d68b99fdbcf50c8190 xmlns="25e7f6bf-72c1-4870-aa83-3dac08eebaf4">
+      <Terms xmlns="http://schemas.microsoft.com/office/infopath/2007/PartnerControls"/>
+    </a07c3fd0247140d68b99fdbcf50c8190>
+  </documentManagement>
+</p:properties>
 </file>
 
 <file path=customXml/itemProps1.xml><?xml version="1.0" encoding="utf-8"?>
-<ds:datastoreItem xmlns:ds="http://schemas.openxmlformats.org/officeDocument/2006/customXml" ds:itemID="{73A9BBC0-0279-4D7C-AB77-BCE83234F2CC}">
+<ds:datastoreItem xmlns:ds="http://schemas.openxmlformats.org/officeDocument/2006/customXml" ds:itemID="{E4F4751A-FFB1-49A1-895C-66005EA66C56}">
   <ds:schemaRefs>
-    <ds:schemaRef ds:uri="http://schemas.microsoft.com/office/2006/metadata/properties"/>
-    <ds:schemaRef ds:uri="http://schemas.microsoft.com/office/infopath/2007/PartnerControls"/>
-    <ds:schemaRef ds:uri="25e7f6bf-72c1-4870-aa83-3dac08eebaf4"/>
+    <ds:schemaRef ds:uri="http://schemas.microsoft.com/sharepoint/v3/contenttype/forms"/>
   </ds:schemaRefs>
 </ds:datastoreItem>
 </file>
@@ -7495,9 +7547,11 @@
 </file>
 
 <file path=customXml/itemProps3.xml><?xml version="1.0" encoding="utf-8"?>
-<ds:datastoreItem xmlns:ds="http://schemas.openxmlformats.org/officeDocument/2006/customXml" ds:itemID="{E4F4751A-FFB1-49A1-895C-66005EA66C56}">
+<ds:datastoreItem xmlns:ds="http://schemas.openxmlformats.org/officeDocument/2006/customXml" ds:itemID="{73A9BBC0-0279-4D7C-AB77-BCE83234F2CC}">
   <ds:schemaRefs>
-    <ds:schemaRef ds:uri="http://schemas.microsoft.com/sharepoint/v3/contenttype/forms"/>
+    <ds:schemaRef ds:uri="http://schemas.microsoft.com/office/2006/metadata/properties"/>
+    <ds:schemaRef ds:uri="http://schemas.microsoft.com/office/infopath/2007/PartnerControls"/>
+    <ds:schemaRef ds:uri="25e7f6bf-72c1-4870-aa83-3dac08eebaf4"/>
   </ds:schemaRefs>
 </ds:datastoreItem>
 </file>
--- a/Presentation/GLJRPGSeminaariXAMK.pptx
+++ b/Presentation/GLJRPGSeminaariXAMK.pptx
@@ -214,7 +214,7 @@
           <a:p>
             <a:fld id="{997DDE6A-8FD4-4BA5-8925-9C5BE442C160}" type="datetimeFigureOut">
               <a:rPr lang="en-US" smtClean="0"/>
-              <a:t>06-11-19</a:t>
+              <a:t>11-11-19</a:t>
             </a:fld>
             <a:endParaRPr lang="en-US"/>
           </a:p>
@@ -1724,7 +1724,15 @@
             </a:r>
             <a:r>
               <a:rPr lang="en-US" dirty="0"/>
-              <a:t>, sit on GLM </a:t>
+              <a:t> (</a:t>
+            </a:r>
+            <a:r>
+              <a:rPr lang="en-US" dirty="0" err="1"/>
+              <a:t>freealut</a:t>
+            </a:r>
+            <a:r>
+              <a:rPr lang="en-US" dirty="0"/>
+              <a:t>), sit on GLM </a:t>
             </a:r>
             <a:r>
               <a:rPr lang="en-US" dirty="0" err="1"/>
@@ -2012,8 +2020,129 @@
             </a:r>
             <a:r>
               <a:rPr lang="en-US" dirty="0"/>
+              <a:t>. </a:t>
+            </a:r>
+            <a:r>
+              <a:rPr lang="en-US" dirty="0" err="1"/>
+              <a:t>Alun</a:t>
+            </a:r>
+            <a:r>
+              <a:rPr lang="en-US" dirty="0"/>
+              <a:t> </a:t>
+            </a:r>
+            <a:r>
+              <a:rPr lang="en-US" dirty="0" err="1"/>
+              <a:t>perin</a:t>
+            </a:r>
+            <a:r>
+              <a:rPr lang="en-US" dirty="0"/>
+              <a:t> </a:t>
+            </a:r>
+            <a:r>
+              <a:rPr lang="en-US" dirty="0" err="1"/>
+              <a:t>ideana</a:t>
+            </a:r>
+            <a:r>
+              <a:rPr lang="en-US" dirty="0"/>
+              <a:t> </a:t>
+            </a:r>
+            <a:r>
+              <a:rPr lang="en-US" dirty="0" err="1"/>
+              <a:t>oli</a:t>
+            </a:r>
+            <a:r>
+              <a:rPr lang="en-US" dirty="0"/>
+              <a:t> </a:t>
+            </a:r>
+            <a:r>
+              <a:rPr lang="en-US" dirty="0" err="1"/>
+              <a:t>tehdä</a:t>
+            </a:r>
+            <a:r>
+              <a:rPr lang="en-US" dirty="0"/>
+              <a:t> </a:t>
+            </a:r>
+            <a:r>
+              <a:rPr lang="en-US" dirty="0" err="1"/>
+              <a:t>kolme</a:t>
+            </a:r>
+            <a:r>
+              <a:rPr lang="en-US" dirty="0"/>
+              <a:t> </a:t>
+            </a:r>
+            <a:r>
+              <a:rPr lang="en-US" dirty="0" err="1"/>
+              <a:t>eri</a:t>
+            </a:r>
+            <a:r>
+              <a:rPr lang="en-US" dirty="0"/>
+              <a:t> </a:t>
+            </a:r>
+            <a:r>
+              <a:rPr lang="en-US" dirty="0" err="1"/>
+              <a:t>kenttää</a:t>
+            </a:r>
+            <a:r>
+              <a:rPr lang="en-US" dirty="0"/>
+              <a:t> ja </a:t>
+            </a:r>
+            <a:r>
+              <a:rPr lang="en-US" dirty="0" err="1"/>
+              <a:t>taistelukenttä</a:t>
+            </a:r>
+            <a:r>
+              <a:rPr lang="en-US" dirty="0"/>
+              <a:t>, </a:t>
+            </a:r>
+            <a:r>
+              <a:rPr lang="en-US" dirty="0" err="1"/>
+              <a:t>mut</a:t>
+            </a:r>
+            <a:r>
+              <a:rPr lang="en-US" dirty="0"/>
+              <a:t> </a:t>
+            </a:r>
+            <a:r>
+              <a:rPr lang="en-US" dirty="0" err="1"/>
+              <a:t>ajan</a:t>
+            </a:r>
+            <a:r>
+              <a:rPr lang="en-US" dirty="0"/>
+              <a:t> </a:t>
+            </a:r>
+            <a:r>
+              <a:rPr lang="en-US" dirty="0" err="1"/>
+              <a:t>takia</a:t>
+            </a:r>
+            <a:r>
+              <a:rPr lang="en-US" dirty="0"/>
+              <a:t> se </a:t>
+            </a:r>
+            <a:r>
+              <a:rPr lang="en-US" dirty="0" err="1"/>
+              <a:t>karsiutu</a:t>
+            </a:r>
+            <a:r>
+              <a:rPr lang="en-US" dirty="0"/>
+              <a:t> </a:t>
+            </a:r>
+            <a:r>
+              <a:rPr lang="en-US" dirty="0" err="1"/>
+              <a:t>yhteen</a:t>
+            </a:r>
+            <a:r>
+              <a:rPr lang="en-US" dirty="0"/>
+              <a:t> </a:t>
+            </a:r>
+            <a:r>
+              <a:rPr lang="en-US" dirty="0" err="1"/>
+              <a:t>kenttään</a:t>
+            </a:r>
+            <a:r>
+              <a:rPr lang="en-US"/>
               <a:t>.</a:t>
             </a:r>
+            <a:endParaRPr lang="en-US" dirty="0"/>
           </a:p>
         </p:txBody>
       </p:sp>
@@ -7374,12 +7503,13 @@
 </file>
 
 <file path=customXml/item1.xml><?xml version="1.0" encoding="utf-8"?>
-<?mso-contentType ?>
-<FormTemplates xmlns="http://schemas.microsoft.com/sharepoint/v3/contenttype/forms">
-  <Display>DocumentLibraryForm</Display>
-  <Edit>DocumentLibraryForm</Edit>
-  <New>DocumentLibraryForm</New>
-</FormTemplates>
+<p:properties xmlns:p="http://schemas.microsoft.com/office/2006/metadata/properties" xmlns:xsi="http://www.w3.org/2001/XMLSchema-instance" xmlns:pc="http://schemas.microsoft.com/office/infopath/2007/PartnerControls">
+  <documentManagement>
+    <a07c3fd0247140d68b99fdbcf50c8190 xmlns="25e7f6bf-72c1-4870-aa83-3dac08eebaf4">
+      <Terms xmlns="http://schemas.microsoft.com/office/infopath/2007/PartnerControls"/>
+    </a07c3fd0247140d68b99fdbcf50c8190>
+  </documentManagement>
+</p:properties>
 </file>
 
 <file path=customXml/item2.xml><?xml version="1.0" encoding="utf-8"?>
@@ -7511,19 +7641,20 @@
 </file>
 
 <file path=customXml/item3.xml><?xml version="1.0" encoding="utf-8"?>
-<p:properties xmlns:p="http://schemas.microsoft.com/office/2006/metadata/properties" xmlns:xsi="http://www.w3.org/2001/XMLSchema-instance" xmlns:pc="http://schemas.microsoft.com/office/infopath/2007/PartnerControls">
-  <documentManagement>
-    <a07c3fd0247140d68b99fdbcf50c8190 xmlns="25e7f6bf-72c1-4870-aa83-3dac08eebaf4">
-      <Terms xmlns="http://schemas.microsoft.com/office/infopath/2007/PartnerControls"/>
-    </a07c3fd0247140d68b99fdbcf50c8190>
-  </documentManagement>
-</p:properties>
+<?mso-contentType ?>
+<FormTemplates xmlns="http://schemas.microsoft.com/sharepoint/v3/contenttype/forms">
+  <Display>DocumentLibraryForm</Display>
+  <Edit>DocumentLibraryForm</Edit>
+  <New>DocumentLibraryForm</New>
+</FormTemplates>
 </file>
 
 <file path=customXml/itemProps1.xml><?xml version="1.0" encoding="utf-8"?>
-<ds:datastoreItem xmlns:ds="http://schemas.openxmlformats.org/officeDocument/2006/customXml" ds:itemID="{E4F4751A-FFB1-49A1-895C-66005EA66C56}">
+<ds:datastoreItem xmlns:ds="http://schemas.openxmlformats.org/officeDocument/2006/customXml" ds:itemID="{73A9BBC0-0279-4D7C-AB77-BCE83234F2CC}">
   <ds:schemaRefs>
-    <ds:schemaRef ds:uri="http://schemas.microsoft.com/sharepoint/v3/contenttype/forms"/>
+    <ds:schemaRef ds:uri="http://schemas.microsoft.com/office/2006/metadata/properties"/>
+    <ds:schemaRef ds:uri="http://schemas.microsoft.com/office/infopath/2007/PartnerControls"/>
+    <ds:schemaRef ds:uri="25e7f6bf-72c1-4870-aa83-3dac08eebaf4"/>
   </ds:schemaRefs>
 </ds:datastoreItem>
 </file>
@@ -7547,11 +7678,9 @@
 </file>
 
 <file path=customXml/itemProps3.xml><?xml version="1.0" encoding="utf-8"?>
-<ds:datastoreItem xmlns:ds="http://schemas.openxmlformats.org/officeDocument/2006/customXml" ds:itemID="{73A9BBC0-0279-4D7C-AB77-BCE83234F2CC}">
+<ds:datastoreItem xmlns:ds="http://schemas.openxmlformats.org/officeDocument/2006/customXml" ds:itemID="{E4F4751A-FFB1-49A1-895C-66005EA66C56}">
   <ds:schemaRefs>
-    <ds:schemaRef ds:uri="http://schemas.microsoft.com/office/2006/metadata/properties"/>
-    <ds:schemaRef ds:uri="http://schemas.microsoft.com/office/infopath/2007/PartnerControls"/>
-    <ds:schemaRef ds:uri="25e7f6bf-72c1-4870-aa83-3dac08eebaf4"/>
+    <ds:schemaRef ds:uri="http://schemas.microsoft.com/sharepoint/v3/contenttype/forms"/>
   </ds:schemaRefs>
 </ds:datastoreItem>
 </file>